--- a/案例与进度报告.pptx
+++ b/案例与进度报告.pptx
@@ -5,19 +5,24 @@
     <p:sldMasterId id="2147483648" r:id="rId1"/>
   </p:sldMasterIdLst>
   <p:notesMasterIdLst>
-    <p:notesMasterId r:id="rId4"/>
+    <p:notesMasterId r:id="rId14"/>
   </p:notesMasterIdLst>
   <p:handoutMasterIdLst>
-    <p:handoutMasterId r:id="rId11"/>
+    <p:handoutMasterId r:id="rId15"/>
   </p:handoutMasterIdLst>
   <p:sldIdLst>
-    <p:sldId id="256" r:id="rId3"/>
-    <p:sldId id="257" r:id="rId5"/>
-    <p:sldId id="258" r:id="rId6"/>
-    <p:sldId id="259" r:id="rId7"/>
-    <p:sldId id="260" r:id="rId8"/>
-    <p:sldId id="261" r:id="rId9"/>
+    <p:sldId id="256" r:id="rId2"/>
+    <p:sldId id="257" r:id="rId3"/>
+    <p:sldId id="258" r:id="rId4"/>
+    <p:sldId id="259" r:id="rId5"/>
+    <p:sldId id="260" r:id="rId6"/>
+    <p:sldId id="265" r:id="rId7"/>
+    <p:sldId id="261" r:id="rId8"/>
+    <p:sldId id="263" r:id="rId9"/>
     <p:sldId id="262" r:id="rId10"/>
+    <p:sldId id="264" r:id="rId11"/>
+    <p:sldId id="266" r:id="rId12"/>
+    <p:sldId id="267" r:id="rId13"/>
   </p:sldIdLst>
   <p:sldSz cx="12192000" cy="6858000"/>
   <p:notesSz cx="6858000" cy="9144000"/>
@@ -116,6 +121,22 @@
       </a:defRPr>
     </a:lvl9pPr>
   </p:defaultTextStyle>
+  <p:extLst>
+    <p:ext uri="{EFAFB233-063F-42B5-8137-9DF3F51BA10A}">
+      <p15:sldGuideLst xmlns:p15="http://schemas.microsoft.com/office/powerpoint/2012/main">
+        <p15:guide id="1" orient="horz" pos="2160">
+          <p15:clr>
+            <a:srgbClr val="A4A3A4"/>
+          </p15:clr>
+        </p15:guide>
+        <p15:guide id="2" pos="3840">
+          <p15:clr>
+            <a:srgbClr val="A4A3A4"/>
+          </p15:clr>
+        </p15:guide>
+      </p15:sldGuideLst>
+    </p:ext>
+  </p:extLst>
 </p:presentation>
 </file>
 
@@ -207,8 +228,9 @@
                 <a:latin typeface="微软雅黑" panose="020B0503020204020204" charset="-122"/>
                 <a:ea typeface="微软雅黑" panose="020B0503020204020204" charset="-122"/>
               </a:rPr>
+              <a:t>2019/10/31</a:t>
             </a:fld>
-            <a:endParaRPr lang="zh-CN" altLang="en-US" smtClean="0">
+            <a:endParaRPr lang="zh-CN" altLang="en-US">
               <a:latin typeface="微软雅黑" panose="020B0503020204020204" charset="-122"/>
               <a:ea typeface="微软雅黑" panose="020B0503020204020204" charset="-122"/>
             </a:endParaRPr>
@@ -281,8 +303,9 @@
                 <a:latin typeface="微软雅黑" panose="020B0503020204020204" charset="-122"/>
                 <a:ea typeface="微软雅黑" panose="020B0503020204020204" charset="-122"/>
               </a:rPr>
+              <a:t>‹#›</a:t>
             </a:fld>
-            <a:endParaRPr lang="zh-CN" altLang="en-US" smtClean="0">
+            <a:endParaRPr lang="zh-CN" altLang="en-US">
               <a:latin typeface="微软雅黑" panose="020B0503020204020204" charset="-122"/>
               <a:ea typeface="微软雅黑" panose="020B0503020204020204" charset="-122"/>
             </a:endParaRPr>
@@ -383,6 +406,7 @@
           <a:p>
             <a:fld id="{1AC49D05-6128-4D0D-A32A-06A5E73B386C}" type="datetimeFigureOut">
               <a:rPr lang="zh-CN" altLang="en-US" smtClean="0"/>
+              <a:t>2019/10/31</a:t>
             </a:fld>
             <a:endParaRPr lang="zh-CN" altLang="en-US"/>
           </a:p>
@@ -449,7 +473,6 @@
               <a:rPr lang="zh-CN" altLang="en-US"/>
               <a:t>单击此处编辑母版文本样式</a:t>
             </a:r>
-            <a:endParaRPr lang="zh-CN" altLang="en-US"/>
           </a:p>
           <a:p>
             <a:pPr lvl="1"/>
@@ -457,7 +480,6 @@
               <a:rPr lang="zh-CN" altLang="en-US"/>
               <a:t>第二级</a:t>
             </a:r>
-            <a:endParaRPr lang="zh-CN" altLang="en-US"/>
           </a:p>
           <a:p>
             <a:pPr lvl="2"/>
@@ -465,7 +487,6 @@
               <a:rPr lang="zh-CN" altLang="en-US"/>
               <a:t>第三级</a:t>
             </a:r>
-            <a:endParaRPr lang="zh-CN" altLang="en-US"/>
           </a:p>
           <a:p>
             <a:pPr lvl="3"/>
@@ -473,7 +494,6 @@
               <a:rPr lang="zh-CN" altLang="en-US"/>
               <a:t>第四级</a:t>
             </a:r>
-            <a:endParaRPr lang="zh-CN" altLang="en-US"/>
           </a:p>
           <a:p>
             <a:pPr lvl="4"/>
@@ -481,7 +501,6 @@
               <a:rPr lang="zh-CN" altLang="en-US"/>
               <a:t>第五级</a:t>
             </a:r>
-            <a:endParaRPr lang="zh-CN" altLang="en-US"/>
           </a:p>
         </p:txBody>
       </p:sp>
@@ -551,6 +570,7 @@
           <a:p>
             <a:fld id="{5849F42C-2DAE-424C-A4B8-3140182C3E9F}" type="slidenum">
               <a:rPr lang="zh-CN" altLang="en-US" smtClean="0"/>
+              <a:t>‹#›</a:t>
             </a:fld>
             <a:endParaRPr lang="zh-CN" altLang="en-US"/>
           </a:p>
@@ -719,6 +739,7 @@
           <a:p>
             <a:fld id="{85D0DACE-38E0-42D2-9336-2B707D34BC6D}" type="slidenum">
               <a:rPr lang="zh-CN" altLang="en-US" smtClean="0"/>
+              <a:t>1</a:t>
             </a:fld>
             <a:endParaRPr lang="zh-CN" altLang="en-US"/>
           </a:p>
@@ -758,7 +779,7 @@
           <p:nvPr>
             <p:ph type="ctrTitle" hasCustomPrompt="1"/>
             <p:custDataLst>
-              <p:tags r:id="rId2"/>
+              <p:tags r:id="rId1"/>
             </p:custDataLst>
           </p:nvPr>
         </p:nvSpPr>
@@ -790,7 +811,6 @@
               <a:rPr lang="zh-CN" altLang="en-US" dirty="0"/>
               <a:t>单击此处编辑标题</a:t>
             </a:r>
-            <a:endParaRPr lang="zh-CN" altLang="en-US" dirty="0"/>
           </a:p>
         </p:txBody>
       </p:sp>
@@ -803,7 +823,7 @@
           <p:nvPr>
             <p:ph type="subTitle" idx="1" hasCustomPrompt="1"/>
             <p:custDataLst>
-              <p:tags r:id="rId3"/>
+              <p:tags r:id="rId2"/>
             </p:custDataLst>
           </p:nvPr>
         </p:nvSpPr>
@@ -868,7 +888,6 @@
               <a:rPr lang="zh-CN" altLang="en-US" dirty="0"/>
               <a:t>单击此处编辑副标题</a:t>
             </a:r>
-            <a:endParaRPr lang="zh-CN" altLang="en-US" dirty="0"/>
           </a:p>
         </p:txBody>
       </p:sp>
@@ -880,6 +899,32 @@
           </p:cNvSpPr>
           <p:nvPr>
             <p:ph type="dt" sz="half" idx="10"/>
+            <p:custDataLst>
+              <p:tags r:id="rId3"/>
+            </p:custDataLst>
+          </p:nvPr>
+        </p:nvSpPr>
+        <p:spPr/>
+        <p:txBody>
+          <a:bodyPr/>
+          <a:lstStyle/>
+          <a:p>
+            <a:fld id="{760FBDFE-C587-4B4C-A407-44438C67B59E}" type="datetimeFigureOut">
+              <a:rPr lang="zh-CN" altLang="en-US" smtClean="0"/>
+              <a:t>2019/10/31</a:t>
+            </a:fld>
+            <a:endParaRPr lang="zh-CN" altLang="en-US"/>
+          </a:p>
+        </p:txBody>
+      </p:sp>
+      <p:sp>
+        <p:nvSpPr>
+          <p:cNvPr id="17" name="页脚占位符 16"/>
+          <p:cNvSpPr>
+            <a:spLocks noGrp="1"/>
+          </p:cNvSpPr>
+          <p:nvPr>
+            <p:ph type="ftr" sz="quarter" idx="11"/>
             <p:custDataLst>
               <p:tags r:id="rId4"/>
             </p:custDataLst>
@@ -890,21 +935,18 @@
           <a:bodyPr/>
           <a:lstStyle/>
           <a:p>
-            <a:fld id="{760FBDFE-C587-4B4C-A407-44438C67B59E}" type="datetimeFigureOut">
-              <a:rPr lang="zh-CN" altLang="en-US" smtClean="0"/>
-            </a:fld>
-            <a:endParaRPr lang="zh-CN" altLang="en-US"/>
-          </a:p>
-        </p:txBody>
-      </p:sp>
-      <p:sp>
-        <p:nvSpPr>
-          <p:cNvPr id="17" name="页脚占位符 16"/>
-          <p:cNvSpPr>
-            <a:spLocks noGrp="1"/>
-          </p:cNvSpPr>
-          <p:nvPr>
-            <p:ph type="ftr" sz="quarter" idx="11"/>
+            <a:endParaRPr lang="zh-CN" altLang="en-US" dirty="0"/>
+          </a:p>
+        </p:txBody>
+      </p:sp>
+      <p:sp>
+        <p:nvSpPr>
+          <p:cNvPr id="18" name="灯片编号占位符 17"/>
+          <p:cNvSpPr>
+            <a:spLocks noGrp="1"/>
+          </p:cNvSpPr>
+          <p:nvPr>
+            <p:ph type="sldNum" sz="quarter" idx="12"/>
             <p:custDataLst>
               <p:tags r:id="rId5"/>
             </p:custDataLst>
@@ -915,30 +957,9 @@
           <a:bodyPr/>
           <a:lstStyle/>
           <a:p>
-            <a:endParaRPr lang="zh-CN" altLang="en-US" dirty="0"/>
-          </a:p>
-        </p:txBody>
-      </p:sp>
-      <p:sp>
-        <p:nvSpPr>
-          <p:cNvPr id="18" name="灯片编号占位符 17"/>
-          <p:cNvSpPr>
-            <a:spLocks noGrp="1"/>
-          </p:cNvSpPr>
-          <p:nvPr>
-            <p:ph type="sldNum" sz="quarter" idx="12"/>
-            <p:custDataLst>
-              <p:tags r:id="rId6"/>
-            </p:custDataLst>
-          </p:nvPr>
-        </p:nvSpPr>
-        <p:spPr/>
-        <p:txBody>
-          <a:bodyPr/>
-          <a:lstStyle/>
-          <a:p>
             <a:fld id="{49AE70B2-8BF9-45C0-BB95-33D1B9D3A854}" type="slidenum">
               <a:rPr lang="zh-CN" altLang="en-US" smtClean="0"/>
+              <a:t>‹#›</a:t>
             </a:fld>
             <a:endParaRPr lang="zh-CN" altLang="en-US" dirty="0"/>
           </a:p>
@@ -978,6 +999,32 @@
           <p:nvPr>
             <p:ph type="dt" sz="half" idx="10"/>
             <p:custDataLst>
+              <p:tags r:id="rId1"/>
+            </p:custDataLst>
+          </p:nvPr>
+        </p:nvSpPr>
+        <p:spPr/>
+        <p:txBody>
+          <a:bodyPr/>
+          <a:lstStyle/>
+          <a:p>
+            <a:fld id="{760FBDFE-C587-4B4C-A407-44438C67B59E}" type="datetimeFigureOut">
+              <a:rPr lang="zh-CN" altLang="en-US" smtClean="0"/>
+              <a:t>2019/10/31</a:t>
+            </a:fld>
+            <a:endParaRPr lang="zh-CN" altLang="en-US"/>
+          </a:p>
+        </p:txBody>
+      </p:sp>
+      <p:sp>
+        <p:nvSpPr>
+          <p:cNvPr id="4" name="页脚占位符 3"/>
+          <p:cNvSpPr>
+            <a:spLocks noGrp="1"/>
+          </p:cNvSpPr>
+          <p:nvPr>
+            <p:ph type="ftr" sz="quarter" idx="11"/>
+            <p:custDataLst>
               <p:tags r:id="rId2"/>
             </p:custDataLst>
           </p:nvPr>
@@ -987,21 +1034,18 @@
           <a:bodyPr/>
           <a:lstStyle/>
           <a:p>
-            <a:fld id="{760FBDFE-C587-4B4C-A407-44438C67B59E}" type="datetimeFigureOut">
-              <a:rPr lang="zh-CN" altLang="en-US" smtClean="0"/>
-            </a:fld>
             <a:endParaRPr lang="zh-CN" altLang="en-US"/>
           </a:p>
         </p:txBody>
       </p:sp>
       <p:sp>
         <p:nvSpPr>
-          <p:cNvPr id="4" name="页脚占位符 3"/>
-          <p:cNvSpPr>
-            <a:spLocks noGrp="1"/>
-          </p:cNvSpPr>
-          <p:nvPr>
-            <p:ph type="ftr" sz="quarter" idx="11"/>
+          <p:cNvPr id="5" name="灯片编号占位符 4"/>
+          <p:cNvSpPr>
+            <a:spLocks noGrp="1"/>
+          </p:cNvSpPr>
+          <p:nvPr>
+            <p:ph type="sldNum" sz="quarter" idx="12"/>
             <p:custDataLst>
               <p:tags r:id="rId3"/>
             </p:custDataLst>
@@ -1012,45 +1056,24 @@
           <a:bodyPr/>
           <a:lstStyle/>
           <a:p>
+            <a:fld id="{49AE70B2-8BF9-45C0-BB95-33D1B9D3A854}" type="slidenum">
+              <a:rPr lang="zh-CN" altLang="en-US" smtClean="0"/>
+              <a:t>‹#›</a:t>
+            </a:fld>
             <a:endParaRPr lang="zh-CN" altLang="en-US"/>
           </a:p>
         </p:txBody>
       </p:sp>
       <p:sp>
         <p:nvSpPr>
-          <p:cNvPr id="5" name="灯片编号占位符 4"/>
-          <p:cNvSpPr>
-            <a:spLocks noGrp="1"/>
-          </p:cNvSpPr>
-          <p:nvPr>
-            <p:ph type="sldNum" sz="quarter" idx="12"/>
+          <p:cNvPr id="7" name="内容占位符 6"/>
+          <p:cNvSpPr>
+            <a:spLocks noGrp="1"/>
+          </p:cNvSpPr>
+          <p:nvPr>
+            <p:ph sz="quarter" idx="13"/>
             <p:custDataLst>
               <p:tags r:id="rId4"/>
-            </p:custDataLst>
-          </p:nvPr>
-        </p:nvSpPr>
-        <p:spPr/>
-        <p:txBody>
-          <a:bodyPr/>
-          <a:lstStyle/>
-          <a:p>
-            <a:fld id="{49AE70B2-8BF9-45C0-BB95-33D1B9D3A854}" type="slidenum">
-              <a:rPr lang="zh-CN" altLang="en-US" smtClean="0"/>
-            </a:fld>
-            <a:endParaRPr lang="zh-CN" altLang="en-US"/>
-          </a:p>
-        </p:txBody>
-      </p:sp>
-      <p:sp>
-        <p:nvSpPr>
-          <p:cNvPr id="7" name="内容占位符 6"/>
-          <p:cNvSpPr>
-            <a:spLocks noGrp="1"/>
-          </p:cNvSpPr>
-          <p:nvPr>
-            <p:ph sz="quarter" idx="13"/>
-            <p:custDataLst>
-              <p:tags r:id="rId5"/>
             </p:custDataLst>
           </p:nvPr>
         </p:nvSpPr>
@@ -1120,7 +1143,6 @@
               <a:rPr lang="zh-CN" altLang="en-US" dirty="0"/>
               <a:t>单击此处编辑母版文本样式</a:t>
             </a:r>
-            <a:endParaRPr lang="zh-CN" altLang="en-US" dirty="0"/>
           </a:p>
           <a:p>
             <a:pPr lvl="1"/>
@@ -1128,7 +1150,6 @@
               <a:rPr lang="zh-CN" altLang="en-US" dirty="0"/>
               <a:t>第二级</a:t>
             </a:r>
-            <a:endParaRPr lang="zh-CN" altLang="en-US" dirty="0"/>
           </a:p>
           <a:p>
             <a:pPr lvl="2"/>
@@ -1136,7 +1157,6 @@
               <a:rPr lang="zh-CN" altLang="en-US" dirty="0"/>
               <a:t>第三级</a:t>
             </a:r>
-            <a:endParaRPr lang="zh-CN" altLang="en-US" dirty="0"/>
           </a:p>
           <a:p>
             <a:pPr lvl="3"/>
@@ -1144,7 +1164,6 @@
               <a:rPr lang="zh-CN" altLang="en-US" dirty="0"/>
               <a:t>第四级</a:t>
             </a:r>
-            <a:endParaRPr lang="zh-CN" altLang="en-US" dirty="0"/>
           </a:p>
           <a:p>
             <a:pPr lvl="4"/>
@@ -1152,7 +1171,6 @@
               <a:rPr lang="zh-CN" altLang="en-US" dirty="0"/>
               <a:t>第五级</a:t>
             </a:r>
-            <a:endParaRPr lang="zh-CN" altLang="en-US" dirty="0"/>
           </a:p>
         </p:txBody>
       </p:sp>
@@ -1190,6 +1208,32 @@
           <p:nvPr>
             <p:ph type="dt" sz="half" idx="10"/>
             <p:custDataLst>
+              <p:tags r:id="rId1"/>
+            </p:custDataLst>
+          </p:nvPr>
+        </p:nvSpPr>
+        <p:spPr/>
+        <p:txBody>
+          <a:bodyPr/>
+          <a:lstStyle/>
+          <a:p>
+            <a:fld id="{760FBDFE-C587-4B4C-A407-44438C67B59E}" type="datetimeFigureOut">
+              <a:rPr lang="zh-CN" altLang="en-US" smtClean="0"/>
+              <a:t>2019/10/31</a:t>
+            </a:fld>
+            <a:endParaRPr lang="zh-CN" altLang="en-US"/>
+          </a:p>
+        </p:txBody>
+      </p:sp>
+      <p:sp>
+        <p:nvSpPr>
+          <p:cNvPr id="4" name="页脚占位符 3"/>
+          <p:cNvSpPr>
+            <a:spLocks noGrp="1"/>
+          </p:cNvSpPr>
+          <p:nvPr>
+            <p:ph type="ftr" sz="quarter" idx="11"/>
+            <p:custDataLst>
               <p:tags r:id="rId2"/>
             </p:custDataLst>
           </p:nvPr>
@@ -1199,21 +1243,18 @@
           <a:bodyPr/>
           <a:lstStyle/>
           <a:p>
-            <a:fld id="{760FBDFE-C587-4B4C-A407-44438C67B59E}" type="datetimeFigureOut">
-              <a:rPr lang="zh-CN" altLang="en-US" smtClean="0"/>
-            </a:fld>
             <a:endParaRPr lang="zh-CN" altLang="en-US"/>
           </a:p>
         </p:txBody>
       </p:sp>
       <p:sp>
         <p:nvSpPr>
-          <p:cNvPr id="4" name="页脚占位符 3"/>
-          <p:cNvSpPr>
-            <a:spLocks noGrp="1"/>
-          </p:cNvSpPr>
-          <p:nvPr>
-            <p:ph type="ftr" sz="quarter" idx="11"/>
+          <p:cNvPr id="5" name="灯片编号占位符 4"/>
+          <p:cNvSpPr>
+            <a:spLocks noGrp="1"/>
+          </p:cNvSpPr>
+          <p:nvPr>
+            <p:ph type="sldNum" sz="quarter" idx="12"/>
             <p:custDataLst>
               <p:tags r:id="rId3"/>
             </p:custDataLst>
@@ -1224,45 +1265,24 @@
           <a:bodyPr/>
           <a:lstStyle/>
           <a:p>
+            <a:fld id="{49AE70B2-8BF9-45C0-BB95-33D1B9D3A854}" type="slidenum">
+              <a:rPr lang="zh-CN" altLang="en-US" smtClean="0"/>
+              <a:t>‹#›</a:t>
+            </a:fld>
             <a:endParaRPr lang="zh-CN" altLang="en-US"/>
           </a:p>
         </p:txBody>
       </p:sp>
       <p:sp>
         <p:nvSpPr>
-          <p:cNvPr id="5" name="灯片编号占位符 4"/>
-          <p:cNvSpPr>
-            <a:spLocks noGrp="1"/>
-          </p:cNvSpPr>
-          <p:nvPr>
-            <p:ph type="sldNum" sz="quarter" idx="12"/>
+          <p:cNvPr id="2" name="标题 1"/>
+          <p:cNvSpPr>
+            <a:spLocks noGrp="1"/>
+          </p:cNvSpPr>
+          <p:nvPr>
+            <p:ph type="title" hasCustomPrompt="1"/>
             <p:custDataLst>
               <p:tags r:id="rId4"/>
-            </p:custDataLst>
-          </p:nvPr>
-        </p:nvSpPr>
-        <p:spPr/>
-        <p:txBody>
-          <a:bodyPr/>
-          <a:lstStyle/>
-          <a:p>
-            <a:fld id="{49AE70B2-8BF9-45C0-BB95-33D1B9D3A854}" type="slidenum">
-              <a:rPr lang="zh-CN" altLang="en-US" smtClean="0"/>
-            </a:fld>
-            <a:endParaRPr lang="zh-CN" altLang="en-US"/>
-          </a:p>
-        </p:txBody>
-      </p:sp>
-      <p:sp>
-        <p:nvSpPr>
-          <p:cNvPr id="2" name="标题 1"/>
-          <p:cNvSpPr>
-            <a:spLocks noGrp="1"/>
-          </p:cNvSpPr>
-          <p:nvPr>
-            <p:ph type="title" hasCustomPrompt="1"/>
-            <p:custDataLst>
-              <p:tags r:id="rId5"/>
             </p:custDataLst>
           </p:nvPr>
         </p:nvSpPr>
@@ -1309,9 +1329,6 @@
               </a:rPr>
               <a:t>单击此处编辑标题</a:t>
             </a:r>
-            <a:endParaRPr>
-              <a:sym typeface="+mn-ea"/>
-            </a:endParaRPr>
           </a:p>
         </p:txBody>
       </p:sp>
@@ -1349,7 +1366,7 @@
           <p:nvPr>
             <p:ph type="title"/>
             <p:custDataLst>
-              <p:tags r:id="rId2"/>
+              <p:tags r:id="rId1"/>
             </p:custDataLst>
           </p:nvPr>
         </p:nvSpPr>
@@ -1389,9 +1406,6 @@
               </a:rPr>
               <a:t>单击此处编辑母版标题样式</a:t>
             </a:r>
-            <a:endParaRPr dirty="0">
-              <a:sym typeface="+mn-ea"/>
-            </a:endParaRPr>
           </a:p>
         </p:txBody>
       </p:sp>
@@ -1404,7 +1418,7 @@
           <p:nvPr>
             <p:ph idx="1"/>
             <p:custDataLst>
-              <p:tags r:id="rId3"/>
+              <p:tags r:id="rId2"/>
             </p:custDataLst>
           </p:nvPr>
         </p:nvSpPr>
@@ -1561,9 +1575,6 @@
               </a:rPr>
               <a:t>单击此处编辑母版文本样式</a:t>
             </a:r>
-            <a:endParaRPr dirty="0">
-              <a:sym typeface="+mn-ea"/>
-            </a:endParaRPr>
           </a:p>
           <a:p>
             <a:pPr lvl="1"/>
@@ -1573,9 +1584,6 @@
               </a:rPr>
               <a:t>第二级</a:t>
             </a:r>
-            <a:endParaRPr dirty="0">
-              <a:sym typeface="+mn-ea"/>
-            </a:endParaRPr>
           </a:p>
           <a:p>
             <a:pPr lvl="2"/>
@@ -1585,9 +1593,6 @@
               </a:rPr>
               <a:t>第三级</a:t>
             </a:r>
-            <a:endParaRPr dirty="0">
-              <a:sym typeface="+mn-ea"/>
-            </a:endParaRPr>
           </a:p>
           <a:p>
             <a:pPr lvl="3"/>
@@ -1597,9 +1602,6 @@
               </a:rPr>
               <a:t>第四级</a:t>
             </a:r>
-            <a:endParaRPr dirty="0">
-              <a:sym typeface="+mn-ea"/>
-            </a:endParaRPr>
           </a:p>
           <a:p>
             <a:pPr lvl="4"/>
@@ -1609,9 +1611,6 @@
               </a:rPr>
               <a:t>第五级</a:t>
             </a:r>
-            <a:endParaRPr dirty="0">
-              <a:sym typeface="+mn-ea"/>
-            </a:endParaRPr>
           </a:p>
         </p:txBody>
       </p:sp>
@@ -1623,6 +1622,32 @@
           </p:cNvSpPr>
           <p:nvPr>
             <p:ph type="dt" sz="half" idx="10"/>
+            <p:custDataLst>
+              <p:tags r:id="rId3"/>
+            </p:custDataLst>
+          </p:nvPr>
+        </p:nvSpPr>
+        <p:spPr/>
+        <p:txBody>
+          <a:bodyPr/>
+          <a:lstStyle/>
+          <a:p>
+            <a:fld id="{760FBDFE-C587-4B4C-A407-44438C67B59E}" type="datetimeFigureOut">
+              <a:rPr lang="zh-CN" altLang="en-US" smtClean="0"/>
+              <a:t>2019/10/31</a:t>
+            </a:fld>
+            <a:endParaRPr lang="zh-CN" altLang="en-US"/>
+          </a:p>
+        </p:txBody>
+      </p:sp>
+      <p:sp>
+        <p:nvSpPr>
+          <p:cNvPr id="5" name="页脚占位符 4"/>
+          <p:cNvSpPr>
+            <a:spLocks noGrp="1"/>
+          </p:cNvSpPr>
+          <p:nvPr>
+            <p:ph type="ftr" sz="quarter" idx="11"/>
             <p:custDataLst>
               <p:tags r:id="rId4"/>
             </p:custDataLst>
@@ -1633,21 +1658,18 @@
           <a:bodyPr/>
           <a:lstStyle/>
           <a:p>
-            <a:fld id="{760FBDFE-C587-4B4C-A407-44438C67B59E}" type="datetimeFigureOut">
-              <a:rPr lang="zh-CN" altLang="en-US" smtClean="0"/>
-            </a:fld>
             <a:endParaRPr lang="zh-CN" altLang="en-US"/>
           </a:p>
         </p:txBody>
       </p:sp>
       <p:sp>
         <p:nvSpPr>
-          <p:cNvPr id="5" name="页脚占位符 4"/>
-          <p:cNvSpPr>
-            <a:spLocks noGrp="1"/>
-          </p:cNvSpPr>
-          <p:nvPr>
-            <p:ph type="ftr" sz="quarter" idx="11"/>
+          <p:cNvPr id="6" name="灯片编号占位符 5"/>
+          <p:cNvSpPr>
+            <a:spLocks noGrp="1"/>
+          </p:cNvSpPr>
+          <p:nvPr>
+            <p:ph type="sldNum" sz="quarter" idx="12"/>
             <p:custDataLst>
               <p:tags r:id="rId5"/>
             </p:custDataLst>
@@ -1658,30 +1680,9 @@
           <a:bodyPr/>
           <a:lstStyle/>
           <a:p>
-            <a:endParaRPr lang="zh-CN" altLang="en-US"/>
-          </a:p>
-        </p:txBody>
-      </p:sp>
-      <p:sp>
-        <p:nvSpPr>
-          <p:cNvPr id="6" name="灯片编号占位符 5"/>
-          <p:cNvSpPr>
-            <a:spLocks noGrp="1"/>
-          </p:cNvSpPr>
-          <p:nvPr>
-            <p:ph type="sldNum" sz="quarter" idx="12"/>
-            <p:custDataLst>
-              <p:tags r:id="rId6"/>
-            </p:custDataLst>
-          </p:nvPr>
-        </p:nvSpPr>
-        <p:spPr/>
-        <p:txBody>
-          <a:bodyPr/>
-          <a:lstStyle/>
-          <a:p>
             <a:fld id="{49AE70B2-8BF9-45C0-BB95-33D1B9D3A854}" type="slidenum">
               <a:rPr lang="zh-CN" altLang="en-US" smtClean="0"/>
+              <a:t>‹#›</a:t>
             </a:fld>
             <a:endParaRPr lang="zh-CN" altLang="en-US"/>
           </a:p>
@@ -1721,7 +1722,7 @@
           <p:nvPr>
             <p:ph type="title"/>
             <p:custDataLst>
-              <p:tags r:id="rId2"/>
+              <p:tags r:id="rId1"/>
             </p:custDataLst>
           </p:nvPr>
         </p:nvSpPr>
@@ -1757,7 +1758,6 @@
               <a:rPr lang="zh-CN" altLang="en-US" dirty="0"/>
               <a:t>单击此处编辑母版标题样式</a:t>
             </a:r>
-            <a:endParaRPr lang="zh-CN" altLang="en-US" dirty="0"/>
           </a:p>
         </p:txBody>
       </p:sp>
@@ -1770,7 +1770,7 @@
           <p:nvPr>
             <p:ph type="body" idx="1"/>
             <p:custDataLst>
-              <p:tags r:id="rId3"/>
+              <p:tags r:id="rId2"/>
             </p:custDataLst>
           </p:nvPr>
         </p:nvSpPr>
@@ -1885,7 +1885,6 @@
               <a:rPr lang="zh-CN" altLang="en-US" dirty="0"/>
               <a:t>单击此处编辑母版文本样式</a:t>
             </a:r>
-            <a:endParaRPr lang="zh-CN" altLang="en-US" dirty="0"/>
           </a:p>
         </p:txBody>
       </p:sp>
@@ -1897,6 +1896,32 @@
           </p:cNvSpPr>
           <p:nvPr>
             <p:ph type="dt" sz="half" idx="10"/>
+            <p:custDataLst>
+              <p:tags r:id="rId3"/>
+            </p:custDataLst>
+          </p:nvPr>
+        </p:nvSpPr>
+        <p:spPr/>
+        <p:txBody>
+          <a:bodyPr/>
+          <a:lstStyle/>
+          <a:p>
+            <a:fld id="{760FBDFE-C587-4B4C-A407-44438C67B59E}" type="datetimeFigureOut">
+              <a:rPr lang="zh-CN" altLang="en-US" smtClean="0"/>
+              <a:t>2019/10/31</a:t>
+            </a:fld>
+            <a:endParaRPr lang="zh-CN" altLang="en-US"/>
+          </a:p>
+        </p:txBody>
+      </p:sp>
+      <p:sp>
+        <p:nvSpPr>
+          <p:cNvPr id="5" name="页脚占位符 4"/>
+          <p:cNvSpPr>
+            <a:spLocks noGrp="1"/>
+          </p:cNvSpPr>
+          <p:nvPr>
+            <p:ph type="ftr" sz="quarter" idx="11"/>
             <p:custDataLst>
               <p:tags r:id="rId4"/>
             </p:custDataLst>
@@ -1907,21 +1932,18 @@
           <a:bodyPr/>
           <a:lstStyle/>
           <a:p>
-            <a:fld id="{760FBDFE-C587-4B4C-A407-44438C67B59E}" type="datetimeFigureOut">
-              <a:rPr lang="zh-CN" altLang="en-US" smtClean="0"/>
-            </a:fld>
             <a:endParaRPr lang="zh-CN" altLang="en-US"/>
           </a:p>
         </p:txBody>
       </p:sp>
       <p:sp>
         <p:nvSpPr>
-          <p:cNvPr id="5" name="页脚占位符 4"/>
-          <p:cNvSpPr>
-            <a:spLocks noGrp="1"/>
-          </p:cNvSpPr>
-          <p:nvPr>
-            <p:ph type="ftr" sz="quarter" idx="11"/>
+          <p:cNvPr id="6" name="灯片编号占位符 5"/>
+          <p:cNvSpPr>
+            <a:spLocks noGrp="1"/>
+          </p:cNvSpPr>
+          <p:nvPr>
+            <p:ph type="sldNum" sz="quarter" idx="12"/>
             <p:custDataLst>
               <p:tags r:id="rId5"/>
             </p:custDataLst>
@@ -1932,30 +1954,9 @@
           <a:bodyPr/>
           <a:lstStyle/>
           <a:p>
-            <a:endParaRPr lang="zh-CN" altLang="en-US"/>
-          </a:p>
-        </p:txBody>
-      </p:sp>
-      <p:sp>
-        <p:nvSpPr>
-          <p:cNvPr id="6" name="灯片编号占位符 5"/>
-          <p:cNvSpPr>
-            <a:spLocks noGrp="1"/>
-          </p:cNvSpPr>
-          <p:nvPr>
-            <p:ph type="sldNum" sz="quarter" idx="12"/>
-            <p:custDataLst>
-              <p:tags r:id="rId6"/>
-            </p:custDataLst>
-          </p:nvPr>
-        </p:nvSpPr>
-        <p:spPr/>
-        <p:txBody>
-          <a:bodyPr/>
-          <a:lstStyle/>
-          <a:p>
             <a:fld id="{49AE70B2-8BF9-45C0-BB95-33D1B9D3A854}" type="slidenum">
               <a:rPr lang="zh-CN" altLang="en-US" smtClean="0"/>
+              <a:t>‹#›</a:t>
             </a:fld>
             <a:endParaRPr lang="zh-CN" altLang="en-US"/>
           </a:p>
@@ -1995,7 +1996,7 @@
           <p:nvPr>
             <p:ph type="title"/>
             <p:custDataLst>
-              <p:tags r:id="rId2"/>
+              <p:tags r:id="rId1"/>
             </p:custDataLst>
           </p:nvPr>
         </p:nvSpPr>
@@ -2035,9 +2036,6 @@
               </a:rPr>
               <a:t>单击此处编辑母版标题样式</a:t>
             </a:r>
-            <a:endParaRPr dirty="0">
-              <a:sym typeface="+mn-ea"/>
-            </a:endParaRPr>
           </a:p>
         </p:txBody>
       </p:sp>
@@ -2050,7 +2048,7 @@
           <p:nvPr>
             <p:ph sz="half" idx="1"/>
             <p:custDataLst>
-              <p:tags r:id="rId3"/>
+              <p:tags r:id="rId2"/>
             </p:custDataLst>
           </p:nvPr>
         </p:nvSpPr>
@@ -2207,9 +2205,6 @@
               </a:rPr>
               <a:t>单击此处编辑母版文本样式</a:t>
             </a:r>
-            <a:endParaRPr dirty="0">
-              <a:sym typeface="+mn-ea"/>
-            </a:endParaRPr>
           </a:p>
           <a:p>
             <a:pPr lvl="1"/>
@@ -2219,9 +2214,6 @@
               </a:rPr>
               <a:t>第二级</a:t>
             </a:r>
-            <a:endParaRPr dirty="0">
-              <a:sym typeface="+mn-ea"/>
-            </a:endParaRPr>
           </a:p>
           <a:p>
             <a:pPr lvl="2"/>
@@ -2231,9 +2223,6 @@
               </a:rPr>
               <a:t>第三级</a:t>
             </a:r>
-            <a:endParaRPr dirty="0">
-              <a:sym typeface="+mn-ea"/>
-            </a:endParaRPr>
           </a:p>
           <a:p>
             <a:pPr lvl="3"/>
@@ -2243,9 +2232,6 @@
               </a:rPr>
               <a:t>第四级</a:t>
             </a:r>
-            <a:endParaRPr dirty="0">
-              <a:sym typeface="+mn-ea"/>
-            </a:endParaRPr>
           </a:p>
           <a:p>
             <a:pPr lvl="4"/>
@@ -2255,9 +2241,6 @@
               </a:rPr>
               <a:t>第五级</a:t>
             </a:r>
-            <a:endParaRPr dirty="0">
-              <a:sym typeface="+mn-ea"/>
-            </a:endParaRPr>
           </a:p>
         </p:txBody>
       </p:sp>
@@ -2270,7 +2253,7 @@
           <p:nvPr>
             <p:ph sz="half" idx="2"/>
             <p:custDataLst>
-              <p:tags r:id="rId4"/>
+              <p:tags r:id="rId3"/>
             </p:custDataLst>
           </p:nvPr>
         </p:nvSpPr>
@@ -2342,7 +2325,6 @@
               <a:rPr lang="zh-CN" altLang="en-US" dirty="0"/>
               <a:t>单击此处编辑母版文本样式</a:t>
             </a:r>
-            <a:endParaRPr lang="zh-CN" altLang="en-US" dirty="0"/>
           </a:p>
           <a:p>
             <a:pPr lvl="1"/>
@@ -2350,7 +2332,6 @@
               <a:rPr lang="zh-CN" altLang="en-US" dirty="0"/>
               <a:t>第二级</a:t>
             </a:r>
-            <a:endParaRPr lang="zh-CN" altLang="en-US" dirty="0"/>
           </a:p>
           <a:p>
             <a:pPr lvl="2"/>
@@ -2358,7 +2339,6 @@
               <a:rPr lang="zh-CN" altLang="en-US" dirty="0"/>
               <a:t>第三级</a:t>
             </a:r>
-            <a:endParaRPr lang="zh-CN" altLang="en-US" dirty="0"/>
           </a:p>
           <a:p>
             <a:pPr lvl="3"/>
@@ -2366,7 +2346,6 @@
               <a:rPr lang="zh-CN" altLang="en-US" dirty="0"/>
               <a:t>第四级</a:t>
             </a:r>
-            <a:endParaRPr lang="zh-CN" altLang="en-US" dirty="0"/>
           </a:p>
           <a:p>
             <a:pPr lvl="4"/>
@@ -2374,7 +2353,6 @@
               <a:rPr lang="zh-CN" altLang="en-US" dirty="0"/>
               <a:t>第五级</a:t>
             </a:r>
-            <a:endParaRPr lang="zh-CN" altLang="en-US" dirty="0"/>
           </a:p>
         </p:txBody>
       </p:sp>
@@ -2386,6 +2364,32 @@
           </p:cNvSpPr>
           <p:nvPr>
             <p:ph type="dt" sz="half" idx="10"/>
+            <p:custDataLst>
+              <p:tags r:id="rId4"/>
+            </p:custDataLst>
+          </p:nvPr>
+        </p:nvSpPr>
+        <p:spPr/>
+        <p:txBody>
+          <a:bodyPr/>
+          <a:lstStyle/>
+          <a:p>
+            <a:fld id="{760FBDFE-C587-4B4C-A407-44438C67B59E}" type="datetimeFigureOut">
+              <a:rPr lang="zh-CN" altLang="en-US" smtClean="0"/>
+              <a:t>2019/10/31</a:t>
+            </a:fld>
+            <a:endParaRPr lang="zh-CN" altLang="en-US"/>
+          </a:p>
+        </p:txBody>
+      </p:sp>
+      <p:sp>
+        <p:nvSpPr>
+          <p:cNvPr id="6" name="页脚占位符 5"/>
+          <p:cNvSpPr>
+            <a:spLocks noGrp="1"/>
+          </p:cNvSpPr>
+          <p:nvPr>
+            <p:ph type="ftr" sz="quarter" idx="11"/>
             <p:custDataLst>
               <p:tags r:id="rId5"/>
             </p:custDataLst>
@@ -2396,21 +2400,18 @@
           <a:bodyPr/>
           <a:lstStyle/>
           <a:p>
-            <a:fld id="{760FBDFE-C587-4B4C-A407-44438C67B59E}" type="datetimeFigureOut">
-              <a:rPr lang="zh-CN" altLang="en-US" smtClean="0"/>
-            </a:fld>
             <a:endParaRPr lang="zh-CN" altLang="en-US"/>
           </a:p>
         </p:txBody>
       </p:sp>
       <p:sp>
         <p:nvSpPr>
-          <p:cNvPr id="6" name="页脚占位符 5"/>
-          <p:cNvSpPr>
-            <a:spLocks noGrp="1"/>
-          </p:cNvSpPr>
-          <p:nvPr>
-            <p:ph type="ftr" sz="quarter" idx="11"/>
+          <p:cNvPr id="7" name="灯片编号占位符 6"/>
+          <p:cNvSpPr>
+            <a:spLocks noGrp="1"/>
+          </p:cNvSpPr>
+          <p:nvPr>
+            <p:ph type="sldNum" sz="quarter" idx="12"/>
             <p:custDataLst>
               <p:tags r:id="rId6"/>
             </p:custDataLst>
@@ -2421,30 +2422,9 @@
           <a:bodyPr/>
           <a:lstStyle/>
           <a:p>
-            <a:endParaRPr lang="zh-CN" altLang="en-US"/>
-          </a:p>
-        </p:txBody>
-      </p:sp>
-      <p:sp>
-        <p:nvSpPr>
-          <p:cNvPr id="7" name="灯片编号占位符 6"/>
-          <p:cNvSpPr>
-            <a:spLocks noGrp="1"/>
-          </p:cNvSpPr>
-          <p:nvPr>
-            <p:ph type="sldNum" sz="quarter" idx="12"/>
-            <p:custDataLst>
-              <p:tags r:id="rId7"/>
-            </p:custDataLst>
-          </p:nvPr>
-        </p:nvSpPr>
-        <p:spPr/>
-        <p:txBody>
-          <a:bodyPr/>
-          <a:lstStyle/>
-          <a:p>
             <a:fld id="{49AE70B2-8BF9-45C0-BB95-33D1B9D3A854}" type="slidenum">
               <a:rPr lang="zh-CN" altLang="en-US" smtClean="0"/>
+              <a:t>‹#›</a:t>
             </a:fld>
             <a:endParaRPr lang="zh-CN" altLang="en-US"/>
           </a:p>
@@ -2484,7 +2464,7 @@
           <p:nvPr>
             <p:ph type="title"/>
             <p:custDataLst>
-              <p:tags r:id="rId2"/>
+              <p:tags r:id="rId1"/>
             </p:custDataLst>
           </p:nvPr>
         </p:nvSpPr>
@@ -2524,9 +2504,6 @@
               </a:rPr>
               <a:t>单击此处编辑母版标题样式</a:t>
             </a:r>
-            <a:endParaRPr dirty="0">
-              <a:sym typeface="+mn-ea"/>
-            </a:endParaRPr>
           </a:p>
         </p:txBody>
       </p:sp>
@@ -2539,7 +2516,7 @@
           <p:nvPr>
             <p:ph type="body" idx="1" hasCustomPrompt="1"/>
             <p:custDataLst>
-              <p:tags r:id="rId3"/>
+              <p:tags r:id="rId2"/>
             </p:custDataLst>
           </p:nvPr>
         </p:nvSpPr>
@@ -2608,7 +2585,6 @@
               <a:rPr lang="zh-CN" altLang="en-US" dirty="0"/>
               <a:t>单击此处编辑文本</a:t>
             </a:r>
-            <a:endParaRPr lang="zh-CN" altLang="en-US" dirty="0"/>
           </a:p>
         </p:txBody>
       </p:sp>
@@ -2621,7 +2597,7 @@
           <p:nvPr>
             <p:ph sz="half" idx="2"/>
             <p:custDataLst>
-              <p:tags r:id="rId4"/>
+              <p:tags r:id="rId3"/>
             </p:custDataLst>
           </p:nvPr>
         </p:nvSpPr>
@@ -2778,9 +2754,6 @@
               </a:rPr>
               <a:t>单击此处编辑母版文本样式</a:t>
             </a:r>
-            <a:endParaRPr dirty="0">
-              <a:sym typeface="+mn-ea"/>
-            </a:endParaRPr>
           </a:p>
           <a:p>
             <a:pPr lvl="1"/>
@@ -2790,9 +2763,6 @@
               </a:rPr>
               <a:t>第二级</a:t>
             </a:r>
-            <a:endParaRPr dirty="0">
-              <a:sym typeface="+mn-ea"/>
-            </a:endParaRPr>
           </a:p>
           <a:p>
             <a:pPr lvl="2"/>
@@ -2802,9 +2772,6 @@
               </a:rPr>
               <a:t>第三级</a:t>
             </a:r>
-            <a:endParaRPr dirty="0">
-              <a:sym typeface="+mn-ea"/>
-            </a:endParaRPr>
           </a:p>
           <a:p>
             <a:pPr lvl="3"/>
@@ -2814,9 +2781,6 @@
               </a:rPr>
               <a:t>第四级</a:t>
             </a:r>
-            <a:endParaRPr dirty="0">
-              <a:sym typeface="+mn-ea"/>
-            </a:endParaRPr>
           </a:p>
           <a:p>
             <a:pPr lvl="4"/>
@@ -2826,9 +2790,6 @@
               </a:rPr>
               <a:t>第五级</a:t>
             </a:r>
-            <a:endParaRPr dirty="0">
-              <a:sym typeface="+mn-ea"/>
-            </a:endParaRPr>
           </a:p>
         </p:txBody>
       </p:sp>
@@ -2841,7 +2802,7 @@
           <p:nvPr>
             <p:ph type="body" sz="quarter" idx="3" hasCustomPrompt="1"/>
             <p:custDataLst>
-              <p:tags r:id="rId5"/>
+              <p:tags r:id="rId4"/>
             </p:custDataLst>
           </p:nvPr>
         </p:nvSpPr>
@@ -2920,9 +2881,6 @@
               </a:rPr>
               <a:t>单击此处编辑文本</a:t>
             </a:r>
-            <a:endParaRPr>
-              <a:sym typeface="+mn-ea"/>
-            </a:endParaRPr>
           </a:p>
         </p:txBody>
       </p:sp>
@@ -2935,7 +2893,7 @@
           <p:nvPr>
             <p:ph sz="quarter" idx="4"/>
             <p:custDataLst>
-              <p:tags r:id="rId6"/>
+              <p:tags r:id="rId5"/>
             </p:custDataLst>
           </p:nvPr>
         </p:nvSpPr>
@@ -3092,9 +3050,6 @@
               </a:rPr>
               <a:t>单击此处编辑母版文本样式</a:t>
             </a:r>
-            <a:endParaRPr dirty="0">
-              <a:sym typeface="+mn-ea"/>
-            </a:endParaRPr>
           </a:p>
           <a:p>
             <a:pPr lvl="1"/>
@@ -3104,9 +3059,6 @@
               </a:rPr>
               <a:t>第二级</a:t>
             </a:r>
-            <a:endParaRPr dirty="0">
-              <a:sym typeface="+mn-ea"/>
-            </a:endParaRPr>
           </a:p>
           <a:p>
             <a:pPr lvl="2"/>
@@ -3116,9 +3068,6 @@
               </a:rPr>
               <a:t>第三级</a:t>
             </a:r>
-            <a:endParaRPr dirty="0">
-              <a:sym typeface="+mn-ea"/>
-            </a:endParaRPr>
           </a:p>
           <a:p>
             <a:pPr lvl="3"/>
@@ -3128,9 +3077,6 @@
               </a:rPr>
               <a:t>第四级</a:t>
             </a:r>
-            <a:endParaRPr dirty="0">
-              <a:sym typeface="+mn-ea"/>
-            </a:endParaRPr>
           </a:p>
           <a:p>
             <a:pPr lvl="4"/>
@@ -3140,9 +3086,6 @@
               </a:rPr>
               <a:t>第五级</a:t>
             </a:r>
-            <a:endParaRPr dirty="0">
-              <a:sym typeface="+mn-ea"/>
-            </a:endParaRPr>
           </a:p>
         </p:txBody>
       </p:sp>
@@ -3154,6 +3097,32 @@
           </p:cNvSpPr>
           <p:nvPr>
             <p:ph type="dt" sz="half" idx="10"/>
+            <p:custDataLst>
+              <p:tags r:id="rId6"/>
+            </p:custDataLst>
+          </p:nvPr>
+        </p:nvSpPr>
+        <p:spPr/>
+        <p:txBody>
+          <a:bodyPr/>
+          <a:lstStyle/>
+          <a:p>
+            <a:fld id="{760FBDFE-C587-4B4C-A407-44438C67B59E}" type="datetimeFigureOut">
+              <a:rPr lang="zh-CN" altLang="en-US" smtClean="0"/>
+              <a:t>2019/10/31</a:t>
+            </a:fld>
+            <a:endParaRPr lang="zh-CN" altLang="en-US"/>
+          </a:p>
+        </p:txBody>
+      </p:sp>
+      <p:sp>
+        <p:nvSpPr>
+          <p:cNvPr id="8" name="页脚占位符 7"/>
+          <p:cNvSpPr>
+            <a:spLocks noGrp="1"/>
+          </p:cNvSpPr>
+          <p:nvPr>
+            <p:ph type="ftr" sz="quarter" idx="11"/>
             <p:custDataLst>
               <p:tags r:id="rId7"/>
             </p:custDataLst>
@@ -3164,21 +3133,18 @@
           <a:bodyPr/>
           <a:lstStyle/>
           <a:p>
-            <a:fld id="{760FBDFE-C587-4B4C-A407-44438C67B59E}" type="datetimeFigureOut">
-              <a:rPr lang="zh-CN" altLang="en-US" smtClean="0"/>
-            </a:fld>
             <a:endParaRPr lang="zh-CN" altLang="en-US"/>
           </a:p>
         </p:txBody>
       </p:sp>
       <p:sp>
         <p:nvSpPr>
-          <p:cNvPr id="8" name="页脚占位符 7"/>
-          <p:cNvSpPr>
-            <a:spLocks noGrp="1"/>
-          </p:cNvSpPr>
-          <p:nvPr>
-            <p:ph type="ftr" sz="quarter" idx="11"/>
+          <p:cNvPr id="9" name="灯片编号占位符 8"/>
+          <p:cNvSpPr>
+            <a:spLocks noGrp="1"/>
+          </p:cNvSpPr>
+          <p:nvPr>
+            <p:ph type="sldNum" sz="quarter" idx="12"/>
             <p:custDataLst>
               <p:tags r:id="rId8"/>
             </p:custDataLst>
@@ -3189,30 +3155,9 @@
           <a:bodyPr/>
           <a:lstStyle/>
           <a:p>
-            <a:endParaRPr lang="zh-CN" altLang="en-US"/>
-          </a:p>
-        </p:txBody>
-      </p:sp>
-      <p:sp>
-        <p:nvSpPr>
-          <p:cNvPr id="9" name="灯片编号占位符 8"/>
-          <p:cNvSpPr>
-            <a:spLocks noGrp="1"/>
-          </p:cNvSpPr>
-          <p:nvPr>
-            <p:ph type="sldNum" sz="quarter" idx="12"/>
-            <p:custDataLst>
-              <p:tags r:id="rId9"/>
-            </p:custDataLst>
-          </p:nvPr>
-        </p:nvSpPr>
-        <p:spPr/>
-        <p:txBody>
-          <a:bodyPr/>
-          <a:lstStyle/>
-          <a:p>
             <a:fld id="{49AE70B2-8BF9-45C0-BB95-33D1B9D3A854}" type="slidenum">
               <a:rPr lang="zh-CN" altLang="en-US" smtClean="0"/>
+              <a:t>‹#›</a:t>
             </a:fld>
             <a:endParaRPr lang="zh-CN" altLang="en-US"/>
           </a:p>
@@ -3252,7 +3197,7 @@
           <p:nvPr>
             <p:ph type="title"/>
             <p:custDataLst>
-              <p:tags r:id="rId2"/>
+              <p:tags r:id="rId1"/>
             </p:custDataLst>
           </p:nvPr>
         </p:nvSpPr>
@@ -3287,9 +3232,6 @@
               </a:rPr>
               <a:t>单击此处编辑母版标题样式</a:t>
             </a:r>
-            <a:endParaRPr>
-              <a:sym typeface="+mn-ea"/>
-            </a:endParaRPr>
           </a:p>
         </p:txBody>
       </p:sp>
@@ -3301,6 +3243,32 @@
           </p:cNvSpPr>
           <p:nvPr>
             <p:ph type="dt" sz="half" idx="10"/>
+            <p:custDataLst>
+              <p:tags r:id="rId2"/>
+            </p:custDataLst>
+          </p:nvPr>
+        </p:nvSpPr>
+        <p:spPr/>
+        <p:txBody>
+          <a:bodyPr/>
+          <a:lstStyle/>
+          <a:p>
+            <a:fld id="{760FBDFE-C587-4B4C-A407-44438C67B59E}" type="datetimeFigureOut">
+              <a:rPr lang="zh-CN" altLang="en-US" smtClean="0"/>
+              <a:t>2019/10/31</a:t>
+            </a:fld>
+            <a:endParaRPr lang="zh-CN" altLang="en-US"/>
+          </a:p>
+        </p:txBody>
+      </p:sp>
+      <p:sp>
+        <p:nvSpPr>
+          <p:cNvPr id="4" name="页脚占位符 3"/>
+          <p:cNvSpPr>
+            <a:spLocks noGrp="1"/>
+          </p:cNvSpPr>
+          <p:nvPr>
+            <p:ph type="ftr" sz="quarter" idx="11"/>
             <p:custDataLst>
               <p:tags r:id="rId3"/>
             </p:custDataLst>
@@ -3311,21 +3279,18 @@
           <a:bodyPr/>
           <a:lstStyle/>
           <a:p>
-            <a:fld id="{760FBDFE-C587-4B4C-A407-44438C67B59E}" type="datetimeFigureOut">
-              <a:rPr lang="zh-CN" altLang="en-US" smtClean="0"/>
-            </a:fld>
             <a:endParaRPr lang="zh-CN" altLang="en-US"/>
           </a:p>
         </p:txBody>
       </p:sp>
       <p:sp>
         <p:nvSpPr>
-          <p:cNvPr id="4" name="页脚占位符 3"/>
-          <p:cNvSpPr>
-            <a:spLocks noGrp="1"/>
-          </p:cNvSpPr>
-          <p:nvPr>
-            <p:ph type="ftr" sz="quarter" idx="11"/>
+          <p:cNvPr id="5" name="灯片编号占位符 4"/>
+          <p:cNvSpPr>
+            <a:spLocks noGrp="1"/>
+          </p:cNvSpPr>
+          <p:nvPr>
+            <p:ph type="sldNum" sz="quarter" idx="12"/>
             <p:custDataLst>
               <p:tags r:id="rId4"/>
             </p:custDataLst>
@@ -3336,30 +3301,9 @@
           <a:bodyPr/>
           <a:lstStyle/>
           <a:p>
-            <a:endParaRPr lang="zh-CN" altLang="en-US"/>
-          </a:p>
-        </p:txBody>
-      </p:sp>
-      <p:sp>
-        <p:nvSpPr>
-          <p:cNvPr id="5" name="灯片编号占位符 4"/>
-          <p:cNvSpPr>
-            <a:spLocks noGrp="1"/>
-          </p:cNvSpPr>
-          <p:nvPr>
-            <p:ph type="sldNum" sz="quarter" idx="12"/>
-            <p:custDataLst>
-              <p:tags r:id="rId5"/>
-            </p:custDataLst>
-          </p:nvPr>
-        </p:nvSpPr>
-        <p:spPr/>
-        <p:txBody>
-          <a:bodyPr/>
-          <a:lstStyle/>
-          <a:p>
             <a:fld id="{49AE70B2-8BF9-45C0-BB95-33D1B9D3A854}" type="slidenum">
               <a:rPr lang="zh-CN" altLang="en-US" smtClean="0"/>
+              <a:t>‹#›</a:t>
             </a:fld>
             <a:endParaRPr lang="zh-CN" altLang="en-US"/>
           </a:p>
@@ -3399,6 +3343,32 @@
           <p:nvPr>
             <p:ph type="dt" sz="half" idx="10"/>
             <p:custDataLst>
+              <p:tags r:id="rId1"/>
+            </p:custDataLst>
+          </p:nvPr>
+        </p:nvSpPr>
+        <p:spPr/>
+        <p:txBody>
+          <a:bodyPr/>
+          <a:lstStyle/>
+          <a:p>
+            <a:fld id="{760FBDFE-C587-4B4C-A407-44438C67B59E}" type="datetimeFigureOut">
+              <a:rPr lang="zh-CN" altLang="en-US" smtClean="0"/>
+              <a:t>2019/10/31</a:t>
+            </a:fld>
+            <a:endParaRPr lang="zh-CN" altLang="en-US"/>
+          </a:p>
+        </p:txBody>
+      </p:sp>
+      <p:sp>
+        <p:nvSpPr>
+          <p:cNvPr id="3" name="页脚占位符 2"/>
+          <p:cNvSpPr>
+            <a:spLocks noGrp="1"/>
+          </p:cNvSpPr>
+          <p:nvPr>
+            <p:ph type="ftr" sz="quarter" idx="11"/>
+            <p:custDataLst>
               <p:tags r:id="rId2"/>
             </p:custDataLst>
           </p:nvPr>
@@ -3408,21 +3378,18 @@
           <a:bodyPr/>
           <a:lstStyle/>
           <a:p>
-            <a:fld id="{760FBDFE-C587-4B4C-A407-44438C67B59E}" type="datetimeFigureOut">
-              <a:rPr lang="zh-CN" altLang="en-US" smtClean="0"/>
-            </a:fld>
             <a:endParaRPr lang="zh-CN" altLang="en-US"/>
           </a:p>
         </p:txBody>
       </p:sp>
       <p:sp>
         <p:nvSpPr>
-          <p:cNvPr id="3" name="页脚占位符 2"/>
-          <p:cNvSpPr>
-            <a:spLocks noGrp="1"/>
-          </p:cNvSpPr>
-          <p:nvPr>
-            <p:ph type="ftr" sz="quarter" idx="11"/>
+          <p:cNvPr id="4" name="灯片编号占位符 3"/>
+          <p:cNvSpPr>
+            <a:spLocks noGrp="1"/>
+          </p:cNvSpPr>
+          <p:nvPr>
+            <p:ph type="sldNum" sz="quarter" idx="12"/>
             <p:custDataLst>
               <p:tags r:id="rId3"/>
             </p:custDataLst>
@@ -3433,30 +3400,9 @@
           <a:bodyPr/>
           <a:lstStyle/>
           <a:p>
-            <a:endParaRPr lang="zh-CN" altLang="en-US"/>
-          </a:p>
-        </p:txBody>
-      </p:sp>
-      <p:sp>
-        <p:nvSpPr>
-          <p:cNvPr id="4" name="灯片编号占位符 3"/>
-          <p:cNvSpPr>
-            <a:spLocks noGrp="1"/>
-          </p:cNvSpPr>
-          <p:nvPr>
-            <p:ph type="sldNum" sz="quarter" idx="12"/>
-            <p:custDataLst>
-              <p:tags r:id="rId4"/>
-            </p:custDataLst>
-          </p:nvPr>
-        </p:nvSpPr>
-        <p:spPr/>
-        <p:txBody>
-          <a:bodyPr/>
-          <a:lstStyle/>
-          <a:p>
             <a:fld id="{49AE70B2-8BF9-45C0-BB95-33D1B9D3A854}" type="slidenum">
               <a:rPr lang="zh-CN" altLang="en-US" smtClean="0"/>
+              <a:t>‹#›</a:t>
             </a:fld>
             <a:endParaRPr lang="zh-CN" altLang="en-US"/>
           </a:p>
@@ -3496,7 +3442,7 @@
           <p:nvPr>
             <p:ph type="pic" idx="1"/>
             <p:custDataLst>
-              <p:tags r:id="rId2"/>
+              <p:tags r:id="rId1"/>
             </p:custDataLst>
           </p:nvPr>
         </p:nvSpPr>
@@ -3650,7 +3596,7 @@
           <p:nvPr>
             <p:ph type="body" sz="half" idx="2"/>
             <p:custDataLst>
-              <p:tags r:id="rId3"/>
+              <p:tags r:id="rId2"/>
             </p:custDataLst>
           </p:nvPr>
         </p:nvSpPr>
@@ -3700,9 +3646,6 @@
               </a:rPr>
               <a:t>单击此处编辑母版文本样式</a:t>
             </a:r>
-            <a:endParaRPr>
-              <a:sym typeface="+mn-ea"/>
-            </a:endParaRPr>
           </a:p>
         </p:txBody>
       </p:sp>
@@ -3714,6 +3657,32 @@
           </p:cNvSpPr>
           <p:nvPr>
             <p:ph type="dt" sz="half" idx="10"/>
+            <p:custDataLst>
+              <p:tags r:id="rId3"/>
+            </p:custDataLst>
+          </p:nvPr>
+        </p:nvSpPr>
+        <p:spPr/>
+        <p:txBody>
+          <a:bodyPr/>
+          <a:lstStyle/>
+          <a:p>
+            <a:fld id="{9EFD9D74-47D9-4702-A33C-335B63B48DBF}" type="datetimeFigureOut">
+              <a:rPr lang="zh-CN" altLang="en-US" smtClean="0"/>
+              <a:t>2019/10/31</a:t>
+            </a:fld>
+            <a:endParaRPr lang="zh-CN" altLang="en-US" dirty="0"/>
+          </a:p>
+        </p:txBody>
+      </p:sp>
+      <p:sp>
+        <p:nvSpPr>
+          <p:cNvPr id="6" name="页脚占位符 5"/>
+          <p:cNvSpPr>
+            <a:spLocks noGrp="1"/>
+          </p:cNvSpPr>
+          <p:nvPr>
+            <p:ph type="ftr" sz="quarter" idx="11"/>
             <p:custDataLst>
               <p:tags r:id="rId4"/>
             </p:custDataLst>
@@ -3724,21 +3693,18 @@
           <a:bodyPr/>
           <a:lstStyle/>
           <a:p>
-            <a:fld id="{9EFD9D74-47D9-4702-A33C-335B63B48DBF}" type="datetimeFigureOut">
-              <a:rPr lang="zh-CN" altLang="en-US" smtClean="0"/>
-            </a:fld>
             <a:endParaRPr lang="zh-CN" altLang="en-US" dirty="0"/>
           </a:p>
         </p:txBody>
       </p:sp>
       <p:sp>
         <p:nvSpPr>
-          <p:cNvPr id="6" name="页脚占位符 5"/>
-          <p:cNvSpPr>
-            <a:spLocks noGrp="1"/>
-          </p:cNvSpPr>
-          <p:nvPr>
-            <p:ph type="ftr" sz="quarter" idx="11"/>
+          <p:cNvPr id="7" name="灯片编号占位符 6"/>
+          <p:cNvSpPr>
+            <a:spLocks noGrp="1"/>
+          </p:cNvSpPr>
+          <p:nvPr>
+            <p:ph type="sldNum" sz="quarter" idx="12"/>
             <p:custDataLst>
               <p:tags r:id="rId5"/>
             </p:custDataLst>
@@ -3749,18 +3715,22 @@
           <a:bodyPr/>
           <a:lstStyle/>
           <a:p>
-            <a:endParaRPr lang="zh-CN" altLang="en-US" dirty="0"/>
-          </a:p>
-        </p:txBody>
-      </p:sp>
-      <p:sp>
-        <p:nvSpPr>
-          <p:cNvPr id="7" name="灯片编号占位符 6"/>
-          <p:cNvSpPr>
-            <a:spLocks noGrp="1"/>
-          </p:cNvSpPr>
-          <p:nvPr>
-            <p:ph type="sldNum" sz="quarter" idx="12"/>
+            <a:fld id="{FABC47A4-756D-490B-A52F-7D9E2C9FC05F}" type="slidenum">
+              <a:rPr lang="zh-CN" altLang="en-US" smtClean="0"/>
+              <a:t>‹#›</a:t>
+            </a:fld>
+            <a:endParaRPr lang="zh-CN" altLang="en-US"/>
+          </a:p>
+        </p:txBody>
+      </p:sp>
+      <p:sp>
+        <p:nvSpPr>
+          <p:cNvPr id="9" name="标题 8"/>
+          <p:cNvSpPr>
+            <a:spLocks noGrp="1"/>
+          </p:cNvSpPr>
+          <p:nvPr>
+            <p:ph type="title"/>
             <p:custDataLst>
               <p:tags r:id="rId6"/>
             </p:custDataLst>
@@ -3771,36 +3741,10 @@
           <a:bodyPr/>
           <a:lstStyle/>
           <a:p>
-            <a:fld id="{FABC47A4-756D-490B-A52F-7D9E2C9FC05F}" type="slidenum">
-              <a:rPr lang="zh-CN" altLang="en-US" smtClean="0"/>
-            </a:fld>
-            <a:endParaRPr lang="zh-CN" altLang="en-US"/>
-          </a:p>
-        </p:txBody>
-      </p:sp>
-      <p:sp>
-        <p:nvSpPr>
-          <p:cNvPr id="9" name="标题 8"/>
-          <p:cNvSpPr>
-            <a:spLocks noGrp="1"/>
-          </p:cNvSpPr>
-          <p:nvPr>
-            <p:ph type="title"/>
-            <p:custDataLst>
-              <p:tags r:id="rId7"/>
-            </p:custDataLst>
-          </p:nvPr>
-        </p:nvSpPr>
-        <p:spPr/>
-        <p:txBody>
-          <a:bodyPr/>
-          <a:lstStyle/>
-          <a:p>
             <a:r>
               <a:rPr lang="zh-CN" altLang="en-US"/>
               <a:t>单击此处编辑母版标题样式</a:t>
             </a:r>
-            <a:endParaRPr lang="zh-CN" altLang="en-US"/>
           </a:p>
         </p:txBody>
       </p:sp>
@@ -3838,7 +3782,7 @@
           <p:nvPr>
             <p:ph type="title" orient="vert"/>
             <p:custDataLst>
-              <p:tags r:id="rId2"/>
+              <p:tags r:id="rId1"/>
             </p:custDataLst>
           </p:nvPr>
         </p:nvSpPr>
@@ -3881,9 +3825,6 @@
               </a:rPr>
               <a:t>单击此处编辑母版标题样式</a:t>
             </a:r>
-            <a:endParaRPr>
-              <a:sym typeface="+mn-ea"/>
-            </a:endParaRPr>
           </a:p>
         </p:txBody>
       </p:sp>
@@ -3896,7 +3837,7 @@
           <p:nvPr>
             <p:ph type="body" orient="vert" idx="1"/>
             <p:custDataLst>
-              <p:tags r:id="rId3"/>
+              <p:tags r:id="rId2"/>
             </p:custDataLst>
           </p:nvPr>
         </p:nvSpPr>
@@ -3966,7 +3907,6 @@
               <a:rPr lang="zh-CN" altLang="en-US" dirty="0"/>
               <a:t>单击此处编辑母版文本样式</a:t>
             </a:r>
-            <a:endParaRPr lang="zh-CN" altLang="en-US" dirty="0"/>
           </a:p>
           <a:p>
             <a:pPr lvl="1"/>
@@ -3974,7 +3914,6 @@
               <a:rPr lang="zh-CN" altLang="en-US" dirty="0"/>
               <a:t>第二级</a:t>
             </a:r>
-            <a:endParaRPr lang="zh-CN" altLang="en-US" dirty="0"/>
           </a:p>
           <a:p>
             <a:pPr lvl="2"/>
@@ -3982,7 +3921,6 @@
               <a:rPr lang="zh-CN" altLang="en-US" dirty="0"/>
               <a:t>第三级</a:t>
             </a:r>
-            <a:endParaRPr lang="zh-CN" altLang="en-US" dirty="0"/>
           </a:p>
           <a:p>
             <a:pPr lvl="3"/>
@@ -3990,7 +3928,6 @@
               <a:rPr lang="zh-CN" altLang="en-US" dirty="0"/>
               <a:t>第四级</a:t>
             </a:r>
-            <a:endParaRPr lang="zh-CN" altLang="en-US" dirty="0"/>
           </a:p>
           <a:p>
             <a:pPr lvl="4"/>
@@ -3998,7 +3935,6 @@
               <a:rPr lang="zh-CN" altLang="en-US" dirty="0"/>
               <a:t>第五级</a:t>
             </a:r>
-            <a:endParaRPr lang="zh-CN" altLang="en-US" dirty="0"/>
           </a:p>
         </p:txBody>
       </p:sp>
@@ -4010,6 +3946,32 @@
           </p:cNvSpPr>
           <p:nvPr>
             <p:ph type="dt" sz="half" idx="10"/>
+            <p:custDataLst>
+              <p:tags r:id="rId3"/>
+            </p:custDataLst>
+          </p:nvPr>
+        </p:nvSpPr>
+        <p:spPr/>
+        <p:txBody>
+          <a:bodyPr/>
+          <a:lstStyle/>
+          <a:p>
+            <a:fld id="{760FBDFE-C587-4B4C-A407-44438C67B59E}" type="datetimeFigureOut">
+              <a:rPr lang="zh-CN" altLang="en-US" smtClean="0"/>
+              <a:t>2019/10/31</a:t>
+            </a:fld>
+            <a:endParaRPr lang="zh-CN" altLang="en-US"/>
+          </a:p>
+        </p:txBody>
+      </p:sp>
+      <p:sp>
+        <p:nvSpPr>
+          <p:cNvPr id="5" name="页脚占位符 4"/>
+          <p:cNvSpPr>
+            <a:spLocks noGrp="1"/>
+          </p:cNvSpPr>
+          <p:nvPr>
+            <p:ph type="ftr" sz="quarter" idx="11"/>
             <p:custDataLst>
               <p:tags r:id="rId4"/>
             </p:custDataLst>
@@ -4020,21 +3982,18 @@
           <a:bodyPr/>
           <a:lstStyle/>
           <a:p>
-            <a:fld id="{760FBDFE-C587-4B4C-A407-44438C67B59E}" type="datetimeFigureOut">
-              <a:rPr lang="zh-CN" altLang="en-US" smtClean="0"/>
-            </a:fld>
             <a:endParaRPr lang="zh-CN" altLang="en-US"/>
           </a:p>
         </p:txBody>
       </p:sp>
       <p:sp>
         <p:nvSpPr>
-          <p:cNvPr id="5" name="页脚占位符 4"/>
-          <p:cNvSpPr>
-            <a:spLocks noGrp="1"/>
-          </p:cNvSpPr>
-          <p:nvPr>
-            <p:ph type="ftr" sz="quarter" idx="11"/>
+          <p:cNvPr id="6" name="灯片编号占位符 5"/>
+          <p:cNvSpPr>
+            <a:spLocks noGrp="1"/>
+          </p:cNvSpPr>
+          <p:nvPr>
+            <p:ph type="sldNum" sz="quarter" idx="12"/>
             <p:custDataLst>
               <p:tags r:id="rId5"/>
             </p:custDataLst>
@@ -4045,30 +4004,9 @@
           <a:bodyPr/>
           <a:lstStyle/>
           <a:p>
-            <a:endParaRPr lang="zh-CN" altLang="en-US"/>
-          </a:p>
-        </p:txBody>
-      </p:sp>
-      <p:sp>
-        <p:nvSpPr>
-          <p:cNvPr id="6" name="灯片编号占位符 5"/>
-          <p:cNvSpPr>
-            <a:spLocks noGrp="1"/>
-          </p:cNvSpPr>
-          <p:nvPr>
-            <p:ph type="sldNum" sz="quarter" idx="12"/>
-            <p:custDataLst>
-              <p:tags r:id="rId6"/>
-            </p:custDataLst>
-          </p:nvPr>
-        </p:nvSpPr>
-        <p:spPr/>
-        <p:txBody>
-          <a:bodyPr/>
-          <a:lstStyle/>
-          <a:p>
             <a:fld id="{49AE70B2-8BF9-45C0-BB95-33D1B9D3A854}" type="slidenum">
               <a:rPr lang="zh-CN" altLang="en-US" smtClean="0"/>
+              <a:t>‹#›</a:t>
             </a:fld>
             <a:endParaRPr lang="zh-CN" altLang="en-US"/>
           </a:p>
@@ -4124,7 +4062,7 @@
           <p:nvPr>
             <p:ph type="title"/>
             <p:custDataLst>
-              <p:tags r:id="rId12"/>
+              <p:tags r:id="rId13"/>
             </p:custDataLst>
           </p:nvPr>
         </p:nvSpPr>
@@ -4147,7 +4085,6 @@
               <a:rPr lang="zh-CN" altLang="en-US" dirty="0"/>
               <a:t>单击此处编辑母版标题样式</a:t>
             </a:r>
-            <a:endParaRPr lang="zh-CN" altLang="en-US" dirty="0"/>
           </a:p>
         </p:txBody>
       </p:sp>
@@ -4160,7 +4097,7 @@
           <p:nvPr>
             <p:ph type="body" idx="1"/>
             <p:custDataLst>
-              <p:tags r:id="rId13"/>
+              <p:tags r:id="rId14"/>
             </p:custDataLst>
           </p:nvPr>
         </p:nvSpPr>
@@ -4184,7 +4121,6 @@
               <a:rPr lang="zh-CN" altLang="en-US" dirty="0"/>
               <a:t>单击此处编辑母版文本样式</a:t>
             </a:r>
-            <a:endParaRPr lang="zh-CN" altLang="en-US" dirty="0"/>
           </a:p>
           <a:p>
             <a:pPr lvl="1"/>
@@ -4192,7 +4128,6 @@
               <a:rPr lang="zh-CN" altLang="en-US" dirty="0"/>
               <a:t>第二级</a:t>
             </a:r>
-            <a:endParaRPr lang="zh-CN" altLang="en-US" dirty="0"/>
           </a:p>
           <a:p>
             <a:pPr lvl="2"/>
@@ -4200,7 +4135,6 @@
               <a:rPr lang="zh-CN" altLang="en-US" dirty="0"/>
               <a:t>第三级</a:t>
             </a:r>
-            <a:endParaRPr lang="zh-CN" altLang="en-US" dirty="0"/>
           </a:p>
           <a:p>
             <a:pPr lvl="3"/>
@@ -4208,7 +4142,6 @@
               <a:rPr lang="zh-CN" altLang="en-US" dirty="0"/>
               <a:t>第四级</a:t>
             </a:r>
-            <a:endParaRPr lang="zh-CN" altLang="en-US" dirty="0"/>
           </a:p>
           <a:p>
             <a:pPr lvl="4"/>
@@ -4216,7 +4149,6 @@
               <a:rPr lang="zh-CN" altLang="en-US" dirty="0"/>
               <a:t>第五级</a:t>
             </a:r>
-            <a:endParaRPr lang="zh-CN" altLang="en-US" dirty="0"/>
           </a:p>
         </p:txBody>
       </p:sp>
@@ -4229,7 +4161,7 @@
           <p:nvPr>
             <p:ph type="dt" sz="half" idx="2"/>
             <p:custDataLst>
-              <p:tags r:id="rId14"/>
+              <p:tags r:id="rId15"/>
             </p:custDataLst>
           </p:nvPr>
         </p:nvSpPr>
@@ -4260,6 +4192,7 @@
           <a:p>
             <a:fld id="{760FBDFE-C587-4B4C-A407-44438C67B59E}" type="datetimeFigureOut">
               <a:rPr lang="zh-CN" altLang="en-US" smtClean="0"/>
+              <a:t>2019/10/31</a:t>
             </a:fld>
             <a:endParaRPr lang="zh-CN" altLang="en-US"/>
           </a:p>
@@ -4274,7 +4207,7 @@
           <p:nvPr>
             <p:ph type="ftr" sz="quarter" idx="3"/>
             <p:custDataLst>
-              <p:tags r:id="rId15"/>
+              <p:tags r:id="rId16"/>
             </p:custDataLst>
           </p:nvPr>
         </p:nvSpPr>
@@ -4316,7 +4249,7 @@
           <p:nvPr>
             <p:ph type="sldNum" sz="quarter" idx="4"/>
             <p:custDataLst>
-              <p:tags r:id="rId16"/>
+              <p:tags r:id="rId17"/>
             </p:custDataLst>
           </p:nvPr>
         </p:nvSpPr>
@@ -4347,6 +4280,7 @@
           <a:p>
             <a:fld id="{49AE70B2-8BF9-45C0-BB95-33D1B9D3A854}" type="slidenum">
               <a:rPr lang="zh-CN" altLang="en-US" smtClean="0"/>
+              <a:t>‹#›</a:t>
             </a:fld>
             <a:endParaRPr lang="zh-CN" altLang="en-US" dirty="0"/>
           </a:p>
@@ -4358,7 +4292,7 @@
           <p:cNvSpPr/>
           <p:nvPr>
             <p:custDataLst>
-              <p:tags r:id="rId17"/>
+              <p:tags r:id="rId18"/>
             </p:custDataLst>
           </p:nvPr>
         </p:nvSpPr>
@@ -4745,7 +4679,7 @@
           <p:nvPr>
             <p:ph type="ctrTitle"/>
             <p:custDataLst>
-              <p:tags r:id="rId1"/>
+              <p:tags r:id="rId2"/>
             </p:custDataLst>
           </p:nvPr>
         </p:nvSpPr>
@@ -4771,7 +4705,7 @@
           <p:nvPr>
             <p:ph type="subTitle" idx="1"/>
             <p:custDataLst>
-              <p:tags r:id="rId2"/>
+              <p:tags r:id="rId3"/>
             </p:custDataLst>
           </p:nvPr>
         </p:nvSpPr>
@@ -4784,14 +4718,310 @@
               <a:rPr lang="zh-CN" altLang="en-US"/>
               <a:t>曾左英 吴米 周小佳 陈琳洁</a:t>
             </a:r>
-            <a:endParaRPr lang="zh-CN" altLang="en-US"/>
           </a:p>
         </p:txBody>
       </p:sp>
     </p:spTree>
     <p:custDataLst>
-      <p:tags r:id="rId3"/>
+      <p:tags r:id="rId1"/>
     </p:custDataLst>
+  </p:cSld>
+  <p:clrMapOvr>
+    <a:masterClrMapping/>
+  </p:clrMapOvr>
+</p:sld>
+</file>
+
+<file path=ppt/slides/slide10.xml><?xml version="1.0" encoding="utf-8"?>
+<p:sld xmlns:a="http://schemas.openxmlformats.org/drawingml/2006/main" xmlns:r="http://schemas.openxmlformats.org/officeDocument/2006/relationships" xmlns:p="http://schemas.openxmlformats.org/presentationml/2006/main">
+  <p:cSld>
+    <p:spTree>
+      <p:nvGrpSpPr>
+        <p:cNvPr id="1" name=""/>
+        <p:cNvGrpSpPr/>
+        <p:nvPr/>
+      </p:nvGrpSpPr>
+      <p:grpSpPr>
+        <a:xfrm>
+          <a:off x="0" y="0"/>
+          <a:ext cx="0" cy="0"/>
+          <a:chOff x="0" y="0"/>
+          <a:chExt cx="0" cy="0"/>
+        </a:xfrm>
+      </p:grpSpPr>
+      <p:sp>
+        <p:nvSpPr>
+          <p:cNvPr id="2" name="标题 1">
+            <a:extLst>
+              <a:ext uri="{FF2B5EF4-FFF2-40B4-BE49-F238E27FC236}">
+                <a16:creationId xmlns:a16="http://schemas.microsoft.com/office/drawing/2014/main" id="{B91AEA10-DE39-EA4E-9B27-984223E5672E}"/>
+              </a:ext>
+            </a:extLst>
+          </p:cNvPr>
+          <p:cNvSpPr>
+            <a:spLocks noGrp="1"/>
+          </p:cNvSpPr>
+          <p:nvPr>
+            <p:ph type="title"/>
+          </p:nvPr>
+        </p:nvSpPr>
+        <p:spPr/>
+        <p:txBody>
+          <a:bodyPr/>
+          <a:lstStyle/>
+          <a:p>
+            <a:r>
+              <a:rPr kumimoji="1" lang="zh-CN" altLang="en-US" dirty="0"/>
+              <a:t>项目进展</a:t>
+            </a:r>
+          </a:p>
+        </p:txBody>
+      </p:sp>
+      <p:pic>
+        <p:nvPicPr>
+          <p:cNvPr id="4" name="图片 3">
+            <a:extLst>
+              <a:ext uri="{FF2B5EF4-FFF2-40B4-BE49-F238E27FC236}">
+                <a16:creationId xmlns:a16="http://schemas.microsoft.com/office/drawing/2014/main" id="{7DE2F60B-F888-2346-AE00-B5252BC35117}"/>
+              </a:ext>
+            </a:extLst>
+          </p:cNvPr>
+          <p:cNvPicPr>
+            <a:picLocks noChangeAspect="1"/>
+          </p:cNvPicPr>
+          <p:nvPr/>
+        </p:nvPicPr>
+        <p:blipFill>
+          <a:blip r:embed="rId2"/>
+          <a:stretch>
+            <a:fillRect/>
+          </a:stretch>
+        </p:blipFill>
+        <p:spPr>
+          <a:xfrm>
+            <a:off x="-1" y="1080000"/>
+            <a:ext cx="12192000" cy="1775791"/>
+          </a:xfrm>
+          <a:prstGeom prst="rect">
+            <a:avLst/>
+          </a:prstGeom>
+        </p:spPr>
+      </p:pic>
+      <p:pic>
+        <p:nvPicPr>
+          <p:cNvPr id="7" name="图片 6">
+            <a:extLst>
+              <a:ext uri="{FF2B5EF4-FFF2-40B4-BE49-F238E27FC236}">
+                <a16:creationId xmlns:a16="http://schemas.microsoft.com/office/drawing/2014/main" id="{99158EBD-288F-294A-A2EB-D3FB869A525F}"/>
+              </a:ext>
+            </a:extLst>
+          </p:cNvPr>
+          <p:cNvPicPr>
+            <a:picLocks noChangeAspect="1"/>
+          </p:cNvPicPr>
+          <p:nvPr/>
+        </p:nvPicPr>
+        <p:blipFill>
+          <a:blip r:embed="rId3">
+            <a:extLst>
+              <a:ext uri="{28A0092B-C50C-407E-A947-70E740481C1C}">
+                <a14:useLocalDpi xmlns:a14="http://schemas.microsoft.com/office/drawing/2010/main" val="0"/>
+              </a:ext>
+            </a:extLst>
+          </a:blip>
+          <a:stretch>
+            <a:fillRect/>
+          </a:stretch>
+        </p:blipFill>
+        <p:spPr>
+          <a:xfrm>
+            <a:off x="1957604" y="2855791"/>
+            <a:ext cx="8276792" cy="4027426"/>
+          </a:xfrm>
+          <a:prstGeom prst="rect">
+            <a:avLst/>
+          </a:prstGeom>
+        </p:spPr>
+      </p:pic>
+      <p:sp>
+        <p:nvSpPr>
+          <p:cNvPr id="8" name="文本框 7">
+            <a:extLst>
+              <a:ext uri="{FF2B5EF4-FFF2-40B4-BE49-F238E27FC236}">
+                <a16:creationId xmlns:a16="http://schemas.microsoft.com/office/drawing/2014/main" id="{F3CC6C67-F6C2-CA42-A894-A0A70E900A36}"/>
+              </a:ext>
+            </a:extLst>
+          </p:cNvPr>
+          <p:cNvSpPr txBox="1"/>
+          <p:nvPr/>
+        </p:nvSpPr>
+        <p:spPr>
+          <a:xfrm>
+            <a:off x="849608" y="4546338"/>
+            <a:ext cx="1107996" cy="646331"/>
+          </a:xfrm>
+          <a:prstGeom prst="rect">
+            <a:avLst/>
+          </a:prstGeom>
+          <a:noFill/>
+        </p:spPr>
+        <p:txBody>
+          <a:bodyPr wrap="none" rtlCol="0">
+            <a:spAutoFit/>
+          </a:bodyPr>
+          <a:lstStyle/>
+          <a:p>
+            <a:pPr algn="ctr"/>
+            <a:r>
+              <a:rPr kumimoji="1" lang="zh-CN" altLang="en-US" dirty="0"/>
+              <a:t>技术栈</a:t>
+            </a:r>
+            <a:endParaRPr kumimoji="1" lang="en-US" altLang="zh-CN" dirty="0"/>
+          </a:p>
+          <a:p>
+            <a:pPr algn="ctr"/>
+            <a:r>
+              <a:rPr kumimoji="1" lang="zh-CN" altLang="en-US" dirty="0"/>
+              <a:t>思维导图</a:t>
+            </a:r>
+          </a:p>
+        </p:txBody>
+      </p:sp>
+    </p:spTree>
+    <p:extLst>
+      <p:ext uri="{BB962C8B-B14F-4D97-AF65-F5344CB8AC3E}">
+        <p14:creationId xmlns:p14="http://schemas.microsoft.com/office/powerpoint/2010/main" val="2759569230"/>
+      </p:ext>
+    </p:extLst>
+  </p:cSld>
+  <p:clrMapOvr>
+    <a:masterClrMapping/>
+  </p:clrMapOvr>
+</p:sld>
+</file>
+
+<file path=ppt/slides/slide11.xml><?xml version="1.0" encoding="utf-8"?>
+<p:sld xmlns:a="http://schemas.openxmlformats.org/drawingml/2006/main" xmlns:r="http://schemas.openxmlformats.org/officeDocument/2006/relationships" xmlns:p="http://schemas.openxmlformats.org/presentationml/2006/main">
+  <p:cSld>
+    <p:spTree>
+      <p:nvGrpSpPr>
+        <p:cNvPr id="1" name=""/>
+        <p:cNvGrpSpPr/>
+        <p:nvPr/>
+      </p:nvGrpSpPr>
+      <p:grpSpPr>
+        <a:xfrm>
+          <a:off x="0" y="0"/>
+          <a:ext cx="0" cy="0"/>
+          <a:chOff x="0" y="0"/>
+          <a:chExt cx="0" cy="0"/>
+        </a:xfrm>
+      </p:grpSpPr>
+      <p:sp>
+        <p:nvSpPr>
+          <p:cNvPr id="2" name="标题 1">
+            <a:extLst>
+              <a:ext uri="{FF2B5EF4-FFF2-40B4-BE49-F238E27FC236}">
+                <a16:creationId xmlns:a16="http://schemas.microsoft.com/office/drawing/2014/main" id="{A527B197-2345-E04C-9D76-FC54BEAD2F91}"/>
+              </a:ext>
+            </a:extLst>
+          </p:cNvPr>
+          <p:cNvSpPr>
+            <a:spLocks noGrp="1"/>
+          </p:cNvSpPr>
+          <p:nvPr>
+            <p:ph type="title"/>
+          </p:nvPr>
+        </p:nvSpPr>
+        <p:spPr>
+          <a:xfrm>
+            <a:off x="669881" y="3105000"/>
+            <a:ext cx="10852237" cy="648000"/>
+          </a:xfrm>
+        </p:spPr>
+        <p:txBody>
+          <a:bodyPr/>
+          <a:lstStyle/>
+          <a:p>
+            <a:pPr algn="ctr"/>
+            <a:r>
+              <a:rPr kumimoji="1" lang="zh-CN" altLang="en-US" dirty="0"/>
+              <a:t>项目展示</a:t>
+            </a:r>
+          </a:p>
+        </p:txBody>
+      </p:sp>
+    </p:spTree>
+    <p:extLst>
+      <p:ext uri="{BB962C8B-B14F-4D97-AF65-F5344CB8AC3E}">
+        <p14:creationId xmlns:p14="http://schemas.microsoft.com/office/powerpoint/2010/main" val="438704809"/>
+      </p:ext>
+    </p:extLst>
+  </p:cSld>
+  <p:clrMapOvr>
+    <a:masterClrMapping/>
+  </p:clrMapOvr>
+</p:sld>
+</file>
+
+<file path=ppt/slides/slide12.xml><?xml version="1.0" encoding="utf-8"?>
+<p:sld xmlns:a="http://schemas.openxmlformats.org/drawingml/2006/main" xmlns:r="http://schemas.openxmlformats.org/officeDocument/2006/relationships" xmlns:p="http://schemas.openxmlformats.org/presentationml/2006/main">
+  <p:cSld>
+    <p:spTree>
+      <p:nvGrpSpPr>
+        <p:cNvPr id="1" name=""/>
+        <p:cNvGrpSpPr/>
+        <p:nvPr/>
+      </p:nvGrpSpPr>
+      <p:grpSpPr>
+        <a:xfrm>
+          <a:off x="0" y="0"/>
+          <a:ext cx="0" cy="0"/>
+          <a:chOff x="0" y="0"/>
+          <a:chExt cx="0" cy="0"/>
+        </a:xfrm>
+      </p:grpSpPr>
+      <p:sp>
+        <p:nvSpPr>
+          <p:cNvPr id="2" name="标题 1">
+            <a:extLst>
+              <a:ext uri="{FF2B5EF4-FFF2-40B4-BE49-F238E27FC236}">
+                <a16:creationId xmlns:a16="http://schemas.microsoft.com/office/drawing/2014/main" id="{03597218-5A95-EE4E-88A7-2864D32FC9AC}"/>
+              </a:ext>
+            </a:extLst>
+          </p:cNvPr>
+          <p:cNvSpPr>
+            <a:spLocks noGrp="1"/>
+          </p:cNvSpPr>
+          <p:nvPr>
+            <p:ph type="title"/>
+          </p:nvPr>
+        </p:nvSpPr>
+        <p:spPr>
+          <a:xfrm>
+            <a:off x="669881" y="3105000"/>
+            <a:ext cx="10852237" cy="648000"/>
+          </a:xfrm>
+        </p:spPr>
+        <p:txBody>
+          <a:bodyPr/>
+          <a:lstStyle/>
+          <a:p>
+            <a:pPr algn="ctr"/>
+            <a:r>
+              <a:rPr kumimoji="1" lang="en-US" altLang="zh-CN" dirty="0"/>
+              <a:t>Thanks</a:t>
+            </a:r>
+            <a:endParaRPr kumimoji="1" lang="zh-CN" altLang="en-US" dirty="0"/>
+          </a:p>
+        </p:txBody>
+      </p:sp>
+    </p:spTree>
+    <p:extLst>
+      <p:ext uri="{BB962C8B-B14F-4D97-AF65-F5344CB8AC3E}">
+        <p14:creationId xmlns:p14="http://schemas.microsoft.com/office/powerpoint/2010/main" val="4134401472"/>
+      </p:ext>
+    </p:extLst>
   </p:cSld>
   <p:clrMapOvr>
     <a:masterClrMapping/>
@@ -4808,7 +5038,14 @@
         <p:cNvGrpSpPr/>
         <p:nvPr/>
       </p:nvGrpSpPr>
-      <p:grpSpPr/>
+      <p:grpSpPr>
+        <a:xfrm>
+          <a:off x="0" y="0"/>
+          <a:ext cx="0" cy="0"/>
+          <a:chOff x="0" y="0"/>
+          <a:chExt cx="0" cy="0"/>
+        </a:xfrm>
+      </p:grpSpPr>
       <p:sp>
         <p:nvSpPr>
           <p:cNvPr id="2" name="标题 1"/>
@@ -4822,6 +5059,7 @@
         <p:spPr/>
         <p:txBody>
           <a:bodyPr/>
+          <a:lstStyle/>
           <a:p>
             <a:r>
               <a:t>案例</a:t>
@@ -4842,12 +5080,12 @@
         <p:spPr/>
         <p:txBody>
           <a:bodyPr/>
+          <a:lstStyle/>
           <a:p>
             <a:r>
               <a:rPr lang="zh-CN" altLang="en-US"/>
               <a:t>搭建一个小型的医疗知识问答图谱</a:t>
             </a:r>
-            <a:endParaRPr lang="zh-CN" altLang="en-US"/>
           </a:p>
           <a:p>
             <a:pPr marL="0" indent="0">
@@ -4857,9 +5095,10 @@
               <a:rPr lang="zh-CN" altLang="en-US"/>
               <a:t>https://github.com/liuhuanyong/QASystemOnMedicalKG</a:t>
             </a:r>
+          </a:p>
+          <a:p>
             <a:endParaRPr lang="zh-CN" altLang="en-US"/>
           </a:p>
-          <a:p/>
         </p:txBody>
       </p:sp>
       <p:pic>
@@ -4871,7 +5110,7 @@
           <p:nvPr/>
         </p:nvPicPr>
         <p:blipFill>
-          <a:blip r:embed="rId1"/>
+          <a:blip r:embed="rId3"/>
           <a:stretch>
             <a:fillRect/>
           </a:stretch>
@@ -4888,7 +5127,7 @@
       </p:pic>
     </p:spTree>
     <p:custDataLst>
-      <p:tags r:id="rId2"/>
+      <p:tags r:id="rId1"/>
     </p:custDataLst>
   </p:cSld>
   <p:clrMapOvr>
@@ -4906,7 +5145,14 @@
         <p:cNvGrpSpPr/>
         <p:nvPr/>
       </p:nvGrpSpPr>
-      <p:grpSpPr/>
+      <p:grpSpPr>
+        <a:xfrm>
+          <a:off x="0" y="0"/>
+          <a:ext cx="0" cy="0"/>
+          <a:chOff x="0" y="0"/>
+          <a:chExt cx="0" cy="0"/>
+        </a:xfrm>
+      </p:grpSpPr>
       <p:sp>
         <p:nvSpPr>
           <p:cNvPr id="2" name="标题 1"/>
@@ -4920,12 +5166,12 @@
         <p:spPr/>
         <p:txBody>
           <a:bodyPr/>
+          <a:lstStyle/>
           <a:p>
             <a:r>
               <a:rPr lang="zh-CN" altLang="en-US"/>
               <a:t>案例</a:t>
             </a:r>
-            <a:endParaRPr lang="zh-CN" altLang="en-US"/>
           </a:p>
         </p:txBody>
       </p:sp>
@@ -4942,12 +5188,12 @@
         <p:spPr/>
         <p:txBody>
           <a:bodyPr/>
+          <a:lstStyle/>
           <a:p>
             <a:r>
               <a:rPr lang="zh-CN" altLang="en-US"/>
               <a:t>医疗知识图谱的知识抽取</a:t>
             </a:r>
-            <a:endParaRPr lang="zh-CN" altLang="en-US"/>
           </a:p>
           <a:p>
             <a:pPr marL="0" indent="0">
@@ -4957,14 +5203,12 @@
               <a:rPr lang="zh-CN" altLang="en-US"/>
               <a:t>爬虫获取网上数据</a:t>
             </a:r>
-            <a:endParaRPr lang="zh-CN" altLang="en-US"/>
           </a:p>
           <a:p>
             <a:r>
               <a:rPr lang="zh-CN" altLang="en-US"/>
               <a:t>医疗知识图谱的构建</a:t>
             </a:r>
-            <a:endParaRPr lang="zh-CN" altLang="en-US"/>
           </a:p>
           <a:p>
             <a:pPr marL="0" indent="0">
@@ -4974,14 +5218,12 @@
               <a:rPr lang="zh-CN" altLang="en-US"/>
               <a:t>实体、关系、属性</a:t>
             </a:r>
-            <a:endParaRPr lang="zh-CN" altLang="en-US"/>
           </a:p>
           <a:p>
             <a:r>
               <a:rPr lang="zh-CN" altLang="en-US"/>
               <a:t>智能问答</a:t>
             </a:r>
-            <a:endParaRPr lang="zh-CN" altLang="en-US"/>
           </a:p>
           <a:p>
             <a:pPr marL="0" indent="0">
@@ -4991,14 +5233,12 @@
               <a:rPr lang="zh-CN" altLang="en-US"/>
               <a:t>基于规则匹配</a:t>
             </a:r>
-            <a:endParaRPr lang="zh-CN" altLang="en-US"/>
           </a:p>
           <a:p>
             <a:r>
               <a:rPr lang="en-US" altLang="zh-CN"/>
               <a:t>py2neo</a:t>
             </a:r>
-            <a:endParaRPr lang="en-US" altLang="zh-CN"/>
           </a:p>
           <a:p>
             <a:pPr marL="0" indent="0">
@@ -5041,7 +5281,14 @@
         <p:cNvGrpSpPr/>
         <p:nvPr/>
       </p:nvGrpSpPr>
-      <p:grpSpPr/>
+      <p:grpSpPr>
+        <a:xfrm>
+          <a:off x="0" y="0"/>
+          <a:ext cx="0" cy="0"/>
+          <a:chOff x="0" y="0"/>
+          <a:chExt cx="0" cy="0"/>
+        </a:xfrm>
+      </p:grpSpPr>
       <p:sp>
         <p:nvSpPr>
           <p:cNvPr id="2" name="标题 1"/>
@@ -5055,12 +5302,12 @@
         <p:spPr/>
         <p:txBody>
           <a:bodyPr/>
+          <a:lstStyle/>
           <a:p>
             <a:r>
               <a:rPr lang="zh-CN" altLang="en-US"/>
               <a:t>案例</a:t>
             </a:r>
-            <a:endParaRPr lang="zh-CN" altLang="en-US"/>
           </a:p>
         </p:txBody>
       </p:sp>
@@ -5068,14 +5315,14 @@
         <p:nvPicPr>
           <p:cNvPr id="4" name="内容占位符 3"/>
           <p:cNvPicPr>
-            <a:picLocks noChangeAspect="1"/>
+            <a:picLocks noGrp="1" noChangeAspect="1"/>
           </p:cNvPicPr>
           <p:nvPr>
             <p:ph idx="1"/>
           </p:nvPr>
         </p:nvPicPr>
         <p:blipFill>
-          <a:blip r:embed="rId1"/>
+          <a:blip r:embed="rId3"/>
           <a:stretch>
             <a:fillRect/>
           </a:stretch>
@@ -5099,7 +5346,7 @@
           <p:nvPr/>
         </p:nvPicPr>
         <p:blipFill>
-          <a:blip r:embed="rId2"/>
+          <a:blip r:embed="rId4"/>
           <a:stretch>
             <a:fillRect/>
           </a:stretch>
@@ -5123,7 +5370,7 @@
           <p:nvPr/>
         </p:nvPicPr>
         <p:blipFill>
-          <a:blip r:embed="rId3"/>
+          <a:blip r:embed="rId5"/>
           <a:stretch>
             <a:fillRect/>
           </a:stretch>
@@ -5158,18 +5405,18 @@
           <a:bodyPr wrap="square" rtlCol="0">
             <a:spAutoFit/>
           </a:bodyPr>
+          <a:lstStyle/>
           <a:p>
             <a:r>
               <a:rPr lang="zh-CN" altLang="en-US"/>
               <a:t>实体、关系、属性</a:t>
             </a:r>
-            <a:endParaRPr lang="zh-CN" altLang="en-US"/>
           </a:p>
         </p:txBody>
       </p:sp>
     </p:spTree>
     <p:custDataLst>
-      <p:tags r:id="rId4"/>
+      <p:tags r:id="rId1"/>
     </p:custDataLst>
   </p:cSld>
   <p:clrMapOvr>
@@ -5187,7 +5434,14 @@
         <p:cNvGrpSpPr/>
         <p:nvPr/>
       </p:nvGrpSpPr>
-      <p:grpSpPr/>
+      <p:grpSpPr>
+        <a:xfrm>
+          <a:off x="0" y="0"/>
+          <a:ext cx="0" cy="0"/>
+          <a:chOff x="0" y="0"/>
+          <a:chExt cx="0" cy="0"/>
+        </a:xfrm>
+      </p:grpSpPr>
       <p:sp>
         <p:nvSpPr>
           <p:cNvPr id="2" name="标题 1"/>
@@ -5206,13 +5460,13 @@
         </p:spPr>
         <p:txBody>
           <a:bodyPr/>
+          <a:lstStyle/>
           <a:p>
             <a:pPr algn="ctr"/>
             <a:r>
               <a:rPr lang="zh-CN" altLang="en-US"/>
               <a:t>案例展示</a:t>
             </a:r>
-            <a:endParaRPr lang="zh-CN" altLang="en-US"/>
           </a:p>
         </p:txBody>
       </p:sp>
@@ -5236,7 +5490,301 @@
         <p:cNvGrpSpPr/>
         <p:nvPr/>
       </p:nvGrpSpPr>
-      <p:grpSpPr/>
+      <p:grpSpPr>
+        <a:xfrm>
+          <a:off x="0" y="0"/>
+          <a:ext cx="0" cy="0"/>
+          <a:chOff x="0" y="0"/>
+          <a:chExt cx="0" cy="0"/>
+        </a:xfrm>
+      </p:grpSpPr>
+      <p:sp>
+        <p:nvSpPr>
+          <p:cNvPr id="2" name="标题 1">
+            <a:extLst>
+              <a:ext uri="{FF2B5EF4-FFF2-40B4-BE49-F238E27FC236}">
+                <a16:creationId xmlns:a16="http://schemas.microsoft.com/office/drawing/2014/main" id="{BD5AC075-3DC4-EC49-8A9A-38D46E1E1F1A}"/>
+              </a:ext>
+            </a:extLst>
+          </p:cNvPr>
+          <p:cNvSpPr>
+            <a:spLocks noGrp="1"/>
+          </p:cNvSpPr>
+          <p:nvPr>
+            <p:ph type="title"/>
+          </p:nvPr>
+        </p:nvSpPr>
+        <p:spPr/>
+        <p:txBody>
+          <a:bodyPr/>
+          <a:lstStyle/>
+          <a:p>
+            <a:r>
+              <a:rPr kumimoji="1" lang="zh-CN" altLang="en-US" dirty="0"/>
+              <a:t>附加小案例</a:t>
+            </a:r>
+          </a:p>
+        </p:txBody>
+      </p:sp>
+      <p:sp>
+        <p:nvSpPr>
+          <p:cNvPr id="3" name="内容占位符 2">
+            <a:extLst>
+              <a:ext uri="{FF2B5EF4-FFF2-40B4-BE49-F238E27FC236}">
+                <a16:creationId xmlns:a16="http://schemas.microsoft.com/office/drawing/2014/main" id="{4F06515F-C24D-E24A-BD41-05EDA8B2458C}"/>
+              </a:ext>
+            </a:extLst>
+          </p:cNvPr>
+          <p:cNvSpPr>
+            <a:spLocks noGrp="1"/>
+          </p:cNvSpPr>
+          <p:nvPr>
+            <p:ph idx="1"/>
+          </p:nvPr>
+        </p:nvSpPr>
+        <p:spPr/>
+        <p:txBody>
+          <a:bodyPr/>
+          <a:lstStyle/>
+          <a:p>
+            <a:pPr marL="0" indent="0">
+              <a:buNone/>
+            </a:pPr>
+            <a:endParaRPr kumimoji="1" lang="en-US" altLang="zh-CN" dirty="0"/>
+          </a:p>
+          <a:p>
+            <a:pPr marL="0" indent="0">
+              <a:buNone/>
+            </a:pPr>
+            <a:endParaRPr kumimoji="1" lang="en-US" altLang="zh-CN" dirty="0"/>
+          </a:p>
+          <a:p>
+            <a:pPr marL="0" indent="0">
+              <a:buNone/>
+            </a:pPr>
+            <a:r>
+              <a:rPr kumimoji="1" lang="zh-CN" altLang="en-US" dirty="0"/>
+              <a:t>        </a:t>
+            </a:r>
+            <a:r>
+              <a:rPr kumimoji="1" lang="en-US" altLang="zh-CN" dirty="0"/>
+              <a:t>VS</a:t>
+            </a:r>
+            <a:r>
+              <a:rPr kumimoji="1" lang="zh-CN" altLang="en-US" dirty="0"/>
+              <a:t> </a:t>
+            </a:r>
+            <a:r>
+              <a:rPr kumimoji="1" lang="en-US" altLang="zh-CN" dirty="0"/>
+              <a:t>Code</a:t>
+            </a:r>
+          </a:p>
+          <a:p>
+            <a:r>
+              <a:rPr kumimoji="1" lang="en-US" altLang="zh-CN" dirty="0"/>
+              <a:t>VS</a:t>
+            </a:r>
+            <a:r>
+              <a:rPr kumimoji="1" lang="zh-CN" altLang="en-US" dirty="0"/>
+              <a:t> </a:t>
+            </a:r>
+            <a:r>
+              <a:rPr kumimoji="1" lang="en-US" altLang="zh-CN" dirty="0"/>
+              <a:t>Code</a:t>
+            </a:r>
+            <a:r>
+              <a:rPr kumimoji="1" lang="zh-CN" altLang="en-US" dirty="0"/>
+              <a:t>是怎么实现他的</a:t>
+            </a:r>
+            <a:endParaRPr kumimoji="1" lang="en-US" altLang="zh-CN" dirty="0"/>
+          </a:p>
+          <a:p>
+            <a:pPr marL="0" indent="0">
+              <a:buNone/>
+            </a:pPr>
+            <a:r>
+              <a:rPr kumimoji="1" lang="zh-CN" altLang="en-US" dirty="0"/>
+              <a:t>跨平台特性？</a:t>
+            </a:r>
+            <a:endParaRPr kumimoji="1" lang="en-US" altLang="zh-CN" dirty="0"/>
+          </a:p>
+        </p:txBody>
+      </p:sp>
+      <p:pic>
+        <p:nvPicPr>
+          <p:cNvPr id="4" name="图片 3">
+            <a:extLst>
+              <a:ext uri="{FF2B5EF4-FFF2-40B4-BE49-F238E27FC236}">
+                <a16:creationId xmlns:a16="http://schemas.microsoft.com/office/drawing/2014/main" id="{F0BE9DA4-1C34-B24E-B71A-9BD919A2947A}"/>
+              </a:ext>
+            </a:extLst>
+          </p:cNvPr>
+          <p:cNvPicPr>
+            <a:picLocks noChangeAspect="1"/>
+          </p:cNvPicPr>
+          <p:nvPr/>
+        </p:nvPicPr>
+        <p:blipFill>
+          <a:blip r:embed="rId2"/>
+          <a:stretch>
+            <a:fillRect/>
+          </a:stretch>
+        </p:blipFill>
+        <p:spPr>
+          <a:xfrm>
+            <a:off x="1480549" y="1296000"/>
+            <a:ext cx="723900" cy="723900"/>
+          </a:xfrm>
+          <a:prstGeom prst="rect">
+            <a:avLst/>
+          </a:prstGeom>
+        </p:spPr>
+      </p:pic>
+      <p:pic>
+        <p:nvPicPr>
+          <p:cNvPr id="5" name="图片 4">
+            <a:extLst>
+              <a:ext uri="{FF2B5EF4-FFF2-40B4-BE49-F238E27FC236}">
+                <a16:creationId xmlns:a16="http://schemas.microsoft.com/office/drawing/2014/main" id="{8E093911-4C1D-E04C-914F-B063C5257D93}"/>
+              </a:ext>
+            </a:extLst>
+          </p:cNvPr>
+          <p:cNvPicPr>
+            <a:picLocks noChangeAspect="1"/>
+          </p:cNvPicPr>
+          <p:nvPr/>
+        </p:nvPicPr>
+        <p:blipFill>
+          <a:blip r:embed="rId3"/>
+          <a:stretch>
+            <a:fillRect/>
+          </a:stretch>
+        </p:blipFill>
+        <p:spPr>
+          <a:xfrm>
+            <a:off x="841368" y="3352582"/>
+            <a:ext cx="2726161" cy="3429000"/>
+          </a:xfrm>
+          <a:prstGeom prst="rect">
+            <a:avLst/>
+          </a:prstGeom>
+        </p:spPr>
+      </p:pic>
+      <p:pic>
+        <p:nvPicPr>
+          <p:cNvPr id="6" name="图片 5">
+            <a:extLst>
+              <a:ext uri="{FF2B5EF4-FFF2-40B4-BE49-F238E27FC236}">
+                <a16:creationId xmlns:a16="http://schemas.microsoft.com/office/drawing/2014/main" id="{DDECAF7F-7A18-A34B-80A4-4AE99904C2E0}"/>
+              </a:ext>
+            </a:extLst>
+          </p:cNvPr>
+          <p:cNvPicPr>
+            <a:picLocks noChangeAspect="1"/>
+          </p:cNvPicPr>
+          <p:nvPr/>
+        </p:nvPicPr>
+        <p:blipFill>
+          <a:blip r:embed="rId4"/>
+          <a:stretch>
+            <a:fillRect/>
+          </a:stretch>
+        </p:blipFill>
+        <p:spPr>
+          <a:xfrm>
+            <a:off x="3691192" y="1612571"/>
+            <a:ext cx="8500808" cy="5169011"/>
+          </a:xfrm>
+          <a:prstGeom prst="rect">
+            <a:avLst/>
+          </a:prstGeom>
+        </p:spPr>
+      </p:pic>
+      <p:sp>
+        <p:nvSpPr>
+          <p:cNvPr id="7" name="文本框 6">
+            <a:extLst>
+              <a:ext uri="{FF2B5EF4-FFF2-40B4-BE49-F238E27FC236}">
+                <a16:creationId xmlns:a16="http://schemas.microsoft.com/office/drawing/2014/main" id="{0F99FF0C-AFA7-D44D-8906-46C8855E7BA4}"/>
+              </a:ext>
+            </a:extLst>
+          </p:cNvPr>
+          <p:cNvSpPr txBox="1"/>
+          <p:nvPr/>
+        </p:nvSpPr>
+        <p:spPr>
+          <a:xfrm>
+            <a:off x="6081973" y="1161620"/>
+            <a:ext cx="3719245" cy="369332"/>
+          </a:xfrm>
+          <a:prstGeom prst="rect">
+            <a:avLst/>
+          </a:prstGeom>
+          <a:noFill/>
+        </p:spPr>
+        <p:txBody>
+          <a:bodyPr wrap="square" rtlCol="0">
+            <a:spAutoFit/>
+          </a:bodyPr>
+          <a:lstStyle/>
+          <a:p>
+            <a:pPr marL="285750" indent="-285750">
+              <a:buFont typeface="Arial" panose="020B0604020202020204" pitchFamily="34" charset="0"/>
+              <a:buChar char="•"/>
+            </a:pPr>
+            <a:r>
+              <a:rPr kumimoji="1" lang="zh-CN" altLang="en-US" dirty="0"/>
+              <a:t>为什么这么多人使用</a:t>
+            </a:r>
+            <a:r>
+              <a:rPr kumimoji="1" lang="en-US" altLang="zh-CN" dirty="0"/>
+              <a:t>VS</a:t>
+            </a:r>
+            <a:r>
+              <a:rPr kumimoji="1" lang="zh-CN" altLang="en-US" dirty="0"/>
+              <a:t> </a:t>
+            </a:r>
+            <a:r>
+              <a:rPr kumimoji="1" lang="en-US" altLang="zh-CN" dirty="0"/>
+              <a:t>Code</a:t>
+            </a:r>
+            <a:r>
+              <a:rPr kumimoji="1" lang="zh-CN" altLang="en-US" dirty="0"/>
+              <a:t>？</a:t>
+            </a:r>
+          </a:p>
+        </p:txBody>
+      </p:sp>
+    </p:spTree>
+    <p:extLst>
+      <p:ext uri="{BB962C8B-B14F-4D97-AF65-F5344CB8AC3E}">
+        <p14:creationId xmlns:p14="http://schemas.microsoft.com/office/powerpoint/2010/main" val="2631067064"/>
+      </p:ext>
+    </p:extLst>
+  </p:cSld>
+  <p:clrMapOvr>
+    <a:masterClrMapping/>
+  </p:clrMapOvr>
+</p:sld>
+</file>
+
+<file path=ppt/slides/slide7.xml><?xml version="1.0" encoding="utf-8"?>
+<p:sld xmlns:a="http://schemas.openxmlformats.org/drawingml/2006/main" xmlns:r="http://schemas.openxmlformats.org/officeDocument/2006/relationships" xmlns:p="http://schemas.openxmlformats.org/presentationml/2006/main">
+  <p:cSld>
+    <p:spTree>
+      <p:nvGrpSpPr>
+        <p:cNvPr id="1" name=""/>
+        <p:cNvGrpSpPr/>
+        <p:nvPr/>
+      </p:nvGrpSpPr>
+      <p:grpSpPr>
+        <a:xfrm>
+          <a:off x="0" y="0"/>
+          <a:ext cx="0" cy="0"/>
+          <a:chOff x="0" y="0"/>
+          <a:chExt cx="0" cy="0"/>
+        </a:xfrm>
+      </p:grpSpPr>
       <p:sp>
         <p:nvSpPr>
           <p:cNvPr id="2" name="标题 1"/>
@@ -5250,12 +5798,12 @@
         <p:spPr/>
         <p:txBody>
           <a:bodyPr/>
+          <a:lstStyle/>
           <a:p>
             <a:r>
               <a:rPr lang="zh-CN" altLang="en-US"/>
               <a:t>启发</a:t>
             </a:r>
-            <a:endParaRPr lang="zh-CN" altLang="en-US"/>
           </a:p>
         </p:txBody>
       </p:sp>
@@ -5272,8 +5820,82 @@
         <p:spPr/>
         <p:txBody>
           <a:bodyPr/>
-          <a:p>
-            <a:endParaRPr lang="zh-CN" altLang="en-US"/>
+          <a:lstStyle/>
+          <a:p>
+            <a:r>
+              <a:rPr lang="zh-CN" altLang="en-US" dirty="0"/>
+              <a:t>通过复现一个基于知识图谱的医疗智能问答程序，我们可以大致的清楚所提及的知识图谱是什么东西。按照我个人的理解，他实际上是一个以图的结构进行存储的数据库，节点与边权各自有不同的含义，但是他比起其他最具有优势的地方，在于他的推理能力</a:t>
+            </a:r>
+            <a:endParaRPr lang="en-US" altLang="zh-CN" dirty="0"/>
+          </a:p>
+          <a:p>
+            <a:endParaRPr lang="en-US" altLang="zh-CN" dirty="0"/>
+          </a:p>
+          <a:p>
+            <a:r>
+              <a:rPr lang="zh-CN" altLang="en-US" dirty="0"/>
+              <a:t>以图作为存储结构，比起常规的</a:t>
+            </a:r>
+            <a:r>
+              <a:rPr lang="en-US" altLang="zh-CN" dirty="0"/>
+              <a:t>SQL</a:t>
+            </a:r>
+            <a:r>
+              <a:rPr lang="zh-CN" altLang="en-US" dirty="0"/>
+              <a:t>数据库，没有行列的限制；比起</a:t>
+            </a:r>
+            <a:r>
+              <a:rPr lang="en-US" altLang="zh-CN" dirty="0"/>
+              <a:t>No-SQL</a:t>
+            </a:r>
+            <a:r>
+              <a:rPr lang="zh-CN" altLang="en-US" dirty="0"/>
+              <a:t>数据库，图数据库突出了存储的数据间的关系。我们后续的一些操作，都是基于这样的图数据库来进行实现</a:t>
+            </a:r>
+            <a:endParaRPr lang="en-US" altLang="zh-CN" dirty="0"/>
+          </a:p>
+          <a:p>
+            <a:pPr marL="0" indent="0">
+              <a:buNone/>
+            </a:pPr>
+            <a:endParaRPr lang="en-US" altLang="zh-CN" dirty="0"/>
+          </a:p>
+          <a:p>
+            <a:r>
+              <a:rPr lang="zh-CN" altLang="en-US" dirty="0"/>
+              <a:t>我们可以依据实体、关系、属性，实现基于水务设备的物联网图谱服务，目前打算的是基于</a:t>
+            </a:r>
+            <a:r>
+              <a:rPr lang="en-US" altLang="zh-CN" dirty="0"/>
+              <a:t>oneM2M</a:t>
+            </a:r>
+            <a:r>
+              <a:rPr lang="zh-CN" altLang="en-US" dirty="0"/>
+              <a:t>推荐的服务方法，实现中间件的服务，后期会计划在此基础之上实现基于推理的设备智能控制</a:t>
+            </a:r>
+            <a:endParaRPr lang="en-US" altLang="zh-CN" dirty="0"/>
+          </a:p>
+          <a:p>
+            <a:endParaRPr lang="en-US" altLang="zh-CN" dirty="0"/>
+          </a:p>
+          <a:p>
+            <a:r>
+              <a:rPr lang="zh-CN" altLang="en-US" dirty="0"/>
+              <a:t>基于操作平台的多样性，如何最大可能实现跨平台特性，用最少的代码实现最多的功能</a:t>
+            </a:r>
+            <a:endParaRPr lang="en-US" altLang="zh-CN" dirty="0"/>
+          </a:p>
+          <a:p>
+            <a:endParaRPr lang="en-US" altLang="zh-CN" dirty="0"/>
+          </a:p>
+          <a:p>
+            <a:endParaRPr lang="en-US" altLang="zh-CN" dirty="0"/>
+          </a:p>
+          <a:p>
+            <a:endParaRPr lang="en-US" altLang="zh-CN" dirty="0"/>
+          </a:p>
+          <a:p>
+            <a:endParaRPr lang="en-US" altLang="zh-CN" dirty="0"/>
           </a:p>
         </p:txBody>
       </p:sp>
@@ -5288,7 +5910,7 @@
 </p:sld>
 </file>
 
-<file path=ppt/slides/slide7.xml><?xml version="1.0" encoding="utf-8"?>
+<file path=ppt/slides/slide8.xml><?xml version="1.0" encoding="utf-8"?>
 <p:sld xmlns:a="http://schemas.openxmlformats.org/drawingml/2006/main" xmlns:r="http://schemas.openxmlformats.org/officeDocument/2006/relationships" xmlns:p="http://schemas.openxmlformats.org/presentationml/2006/main">
   <p:cSld>
     <p:spTree>
@@ -5297,7 +5919,74 @@
         <p:cNvGrpSpPr/>
         <p:nvPr/>
       </p:nvGrpSpPr>
-      <p:grpSpPr/>
+      <p:grpSpPr>
+        <a:xfrm>
+          <a:off x="0" y="0"/>
+          <a:ext cx="0" cy="0"/>
+          <a:chOff x="0" y="0"/>
+          <a:chExt cx="0" cy="0"/>
+        </a:xfrm>
+      </p:grpSpPr>
+      <p:pic>
+        <p:nvPicPr>
+          <p:cNvPr id="4" name="图片 3">
+            <a:extLst>
+              <a:ext uri="{FF2B5EF4-FFF2-40B4-BE49-F238E27FC236}">
+                <a16:creationId xmlns:a16="http://schemas.microsoft.com/office/drawing/2014/main" id="{940BBF15-F0BD-674F-BCEE-36C9D091AF0F}"/>
+              </a:ext>
+            </a:extLst>
+          </p:cNvPr>
+          <p:cNvPicPr>
+            <a:picLocks noChangeAspect="1"/>
+          </p:cNvPicPr>
+          <p:nvPr/>
+        </p:nvPicPr>
+        <p:blipFill>
+          <a:blip r:embed="rId2"/>
+          <a:stretch>
+            <a:fillRect/>
+          </a:stretch>
+        </p:blipFill>
+        <p:spPr>
+          <a:xfrm>
+            <a:off x="1739900" y="285750"/>
+            <a:ext cx="8712200" cy="6286500"/>
+          </a:xfrm>
+          <a:prstGeom prst="rect">
+            <a:avLst/>
+          </a:prstGeom>
+        </p:spPr>
+      </p:pic>
+    </p:spTree>
+    <p:extLst>
+      <p:ext uri="{BB962C8B-B14F-4D97-AF65-F5344CB8AC3E}">
+        <p14:creationId xmlns:p14="http://schemas.microsoft.com/office/powerpoint/2010/main" val="930277926"/>
+      </p:ext>
+    </p:extLst>
+  </p:cSld>
+  <p:clrMapOvr>
+    <a:masterClrMapping/>
+  </p:clrMapOvr>
+</p:sld>
+</file>
+
+<file path=ppt/slides/slide9.xml><?xml version="1.0" encoding="utf-8"?>
+<p:sld xmlns:a="http://schemas.openxmlformats.org/drawingml/2006/main" xmlns:r="http://schemas.openxmlformats.org/officeDocument/2006/relationships" xmlns:p="http://schemas.openxmlformats.org/presentationml/2006/main">
+  <p:cSld>
+    <p:spTree>
+      <p:nvGrpSpPr>
+        <p:cNvPr id="1" name=""/>
+        <p:cNvGrpSpPr/>
+        <p:nvPr/>
+      </p:nvGrpSpPr>
+      <p:grpSpPr>
+        <a:xfrm>
+          <a:off x="0" y="0"/>
+          <a:ext cx="0" cy="0"/>
+          <a:chOff x="0" y="0"/>
+          <a:chExt cx="0" cy="0"/>
+        </a:xfrm>
+      </p:grpSpPr>
       <p:sp>
         <p:nvSpPr>
           <p:cNvPr id="2" name="标题 1"/>
@@ -5311,33 +6000,45 @@
         <p:spPr/>
         <p:txBody>
           <a:bodyPr/>
-          <a:p>
-            <a:r>
-              <a:rPr lang="zh-CN" altLang="en-US"/>
+          <a:lstStyle/>
+          <a:p>
+            <a:r>
+              <a:rPr lang="zh-CN" altLang="en-US" dirty="0"/>
               <a:t>项目进展</a:t>
             </a:r>
-            <a:endParaRPr lang="zh-CN" altLang="en-US"/>
-          </a:p>
-        </p:txBody>
-      </p:sp>
-      <p:sp>
-        <p:nvSpPr>
-          <p:cNvPr id="3" name="内容占位符 2"/>
-          <p:cNvSpPr>
-            <a:spLocks noGrp="1"/>
-          </p:cNvSpPr>
-          <p:nvPr>
-            <p:ph idx="1"/>
-          </p:nvPr>
-        </p:nvSpPr>
-        <p:spPr/>
-        <p:txBody>
-          <a:bodyPr/>
-          <a:p>
-            <a:endParaRPr lang="zh-CN" altLang="en-US"/>
-          </a:p>
-        </p:txBody>
-      </p:sp>
+          </a:p>
+        </p:txBody>
+      </p:sp>
+      <p:pic>
+        <p:nvPicPr>
+          <p:cNvPr id="7" name="图片 6">
+            <a:extLst>
+              <a:ext uri="{FF2B5EF4-FFF2-40B4-BE49-F238E27FC236}">
+                <a16:creationId xmlns:a16="http://schemas.microsoft.com/office/drawing/2014/main" id="{184B48E5-8AC2-E149-A586-1CBA080E6B14}"/>
+              </a:ext>
+            </a:extLst>
+          </p:cNvPr>
+          <p:cNvPicPr>
+            <a:picLocks noChangeAspect="1"/>
+          </p:cNvPicPr>
+          <p:nvPr/>
+        </p:nvPicPr>
+        <p:blipFill>
+          <a:blip r:embed="rId3"/>
+          <a:stretch>
+            <a:fillRect/>
+          </a:stretch>
+        </p:blipFill>
+        <p:spPr>
+          <a:xfrm>
+            <a:off x="1404493" y="970798"/>
+            <a:ext cx="9383014" cy="5887202"/>
+          </a:xfrm>
+          <a:prstGeom prst="rect">
+            <a:avLst/>
+          </a:prstGeom>
+        </p:spPr>
+      </p:pic>
     </p:spTree>
     <p:custDataLst>
       <p:tags r:id="rId1"/>
@@ -5350,670 +6051,7 @@
 </file>
 
 <file path=ppt/tags/tag1.xml><?xml version="1.0" encoding="utf-8"?>
-<p:tagLst xmlns:p="http://schemas.openxmlformats.org/presentationml/2006/main">
-  <p:tag name="KSO_WM_UNIT_HIGHLIGHT" val="0"/>
-  <p:tag name="KSO_WM_UNIT_COMPATIBLE" val="0"/>
-  <p:tag name="KSO_WM_UNIT_DIAGRAM_ISNUMVISUAL" val="0"/>
-  <p:tag name="KSO_WM_UNIT_DIAGRAM_ISREFERUNIT" val="0"/>
-  <p:tag name="KSO_WM_UNIT_ID" val="_1**"/>
-  <p:tag name="KSO_WM_UNIT_LAYERLEVEL" val="1"/>
-  <p:tag name="KSO_WM_TAG_VERSION" val="1.0"/>
-  <p:tag name="KSO_WM_BEAUTIFY_FLAG" val="#wm#"/>
-</p:tagLst>
-</file>
-
-<file path=ppt/tags/tag10.xml><?xml version="1.0" encoding="utf-8"?>
-<p:tagLst xmlns:p="http://schemas.openxmlformats.org/presentationml/2006/main">
-  <p:tag name="KSO_WM_UNIT_HIGHLIGHT" val="0"/>
-  <p:tag name="KSO_WM_UNIT_COMPATIBLE" val="0"/>
-  <p:tag name="KSO_WM_UNIT_DIAGRAM_ISNUMVISUAL" val="0"/>
-  <p:tag name="KSO_WM_UNIT_DIAGRAM_ISREFERUNIT" val="0"/>
-  <p:tag name="KSO_WM_UNIT_ID" val="_2**"/>
-  <p:tag name="KSO_WM_UNIT_LAYERLEVEL" val="1"/>
-  <p:tag name="KSO_WM_TAG_VERSION" val="1.0"/>
-  <p:tag name="KSO_WM_BEAUTIFY_FLAG" val="#wm#"/>
-</p:tagLst>
-</file>
-
-<file path=ppt/tags/tag11.xml><?xml version="1.0" encoding="utf-8"?>
-<p:tagLst xmlns:p="http://schemas.openxmlformats.org/presentationml/2006/main">
-  <p:tag name="KSO_WM_UNIT_HIGHLIGHT" val="0"/>
-  <p:tag name="KSO_WM_UNIT_COMPATIBLE" val="0"/>
-  <p:tag name="KSO_WM_UNIT_DIAGRAM_ISNUMVISUAL" val="0"/>
-  <p:tag name="KSO_WM_UNIT_DIAGRAM_ISREFERUNIT" val="0"/>
-  <p:tag name="KSO_WM_UNIT_ID" val="_3**"/>
-  <p:tag name="KSO_WM_UNIT_LAYERLEVEL" val="1"/>
-  <p:tag name="KSO_WM_TAG_VERSION" val="1.0"/>
-  <p:tag name="KSO_WM_BEAUTIFY_FLAG" val="#wm#"/>
-</p:tagLst>
-</file>
-
-<file path=ppt/tags/tag12.xml><?xml version="1.0" encoding="utf-8"?>
-<p:tagLst xmlns:p="http://schemas.openxmlformats.org/presentationml/2006/main">
-  <p:tag name="KSO_WM_UNIT_HIGHLIGHT" val="0"/>
-  <p:tag name="KSO_WM_UNIT_COMPATIBLE" val="0"/>
-  <p:tag name="KSO_WM_UNIT_DIAGRAM_ISNUMVISUAL" val="0"/>
-  <p:tag name="KSO_WM_UNIT_DIAGRAM_ISREFERUNIT" val="0"/>
-  <p:tag name="KSO_WM_UNIT_ID" val="_3**"/>
-  <p:tag name="KSO_WM_UNIT_LAYERLEVEL" val="1"/>
-  <p:tag name="KSO_WM_TAG_VERSION" val="1.0"/>
-  <p:tag name="KSO_WM_BEAUTIFY_FLAG" val="#wm#"/>
-</p:tagLst>
-</file>
-
-<file path=ppt/tags/tag13.xml><?xml version="1.0" encoding="utf-8"?>
-<p:tagLst xmlns:p="http://schemas.openxmlformats.org/presentationml/2006/main">
-  <p:tag name="KSO_WM_UNIT_HIGHLIGHT" val="0"/>
-  <p:tag name="KSO_WM_UNIT_COMPATIBLE" val="0"/>
-  <p:tag name="KSO_WM_UNIT_DIAGRAM_ISNUMVISUAL" val="0"/>
-  <p:tag name="KSO_WM_UNIT_DIAGRAM_ISREFERUNIT" val="0"/>
-  <p:tag name="KSO_WM_UNIT_ID" val="_3**"/>
-  <p:tag name="KSO_WM_UNIT_LAYERLEVEL" val="1"/>
-  <p:tag name="KSO_WM_TAG_VERSION" val="1.0"/>
-  <p:tag name="KSO_WM_BEAUTIFY_FLAG" val="#wm#"/>
-</p:tagLst>
-</file>
-
-<file path=ppt/tags/tag14.xml><?xml version="1.0" encoding="utf-8"?>
-<p:tagLst xmlns:p="http://schemas.openxmlformats.org/presentationml/2006/main">
-  <p:tag name="KSO_WM_UNIT_HIGHLIGHT" val="0"/>
-  <p:tag name="KSO_WM_UNIT_COMPATIBLE" val="0"/>
-  <p:tag name="KSO_WM_UNIT_DIAGRAM_ISNUMVISUAL" val="0"/>
-  <p:tag name="KSO_WM_UNIT_DIAGRAM_ISREFERUNIT" val="0"/>
-  <p:tag name="KSO_WM_UNIT_ID" val="_3**"/>
-  <p:tag name="KSO_WM_UNIT_LAYERLEVEL" val="1"/>
-  <p:tag name="KSO_WM_TAG_VERSION" val="1.0"/>
-  <p:tag name="KSO_WM_BEAUTIFY_FLAG" val="#wm#"/>
-</p:tagLst>
-</file>
-
-<file path=ppt/tags/tag15.xml><?xml version="1.0" encoding="utf-8"?>
-<p:tagLst xmlns:p="http://schemas.openxmlformats.org/presentationml/2006/main">
-  <p:tag name="KSO_WM_UNIT_HIGHLIGHT" val="0"/>
-  <p:tag name="KSO_WM_UNIT_COMPATIBLE" val="0"/>
-  <p:tag name="KSO_WM_UNIT_DIAGRAM_ISNUMVISUAL" val="0"/>
-  <p:tag name="KSO_WM_UNIT_DIAGRAM_ISREFERUNIT" val="0"/>
-  <p:tag name="KSO_WM_UNIT_ID" val="_3**"/>
-  <p:tag name="KSO_WM_UNIT_LAYERLEVEL" val="1"/>
-  <p:tag name="KSO_WM_TAG_VERSION" val="1.0"/>
-  <p:tag name="KSO_WM_BEAUTIFY_FLAG" val="#wm#"/>
-</p:tagLst>
-</file>
-
-<file path=ppt/tags/tag16.xml><?xml version="1.0" encoding="utf-8"?>
-<p:tagLst xmlns:p="http://schemas.openxmlformats.org/presentationml/2006/main">
-  <p:tag name="KSO_WM_UNIT_HIGHLIGHT" val="0"/>
-  <p:tag name="KSO_WM_UNIT_COMPATIBLE" val="0"/>
-  <p:tag name="KSO_WM_UNIT_DIAGRAM_ISNUMVISUAL" val="0"/>
-  <p:tag name="KSO_WM_UNIT_DIAGRAM_ISREFERUNIT" val="0"/>
-  <p:tag name="KSO_WM_UNIT_ID" val="_4**"/>
-  <p:tag name="KSO_WM_UNIT_LAYERLEVEL" val="1"/>
-  <p:tag name="KSO_WM_TAG_VERSION" val="1.0"/>
-  <p:tag name="KSO_WM_BEAUTIFY_FLAG" val="#wm#"/>
-</p:tagLst>
-</file>
-
-<file path=ppt/tags/tag17.xml><?xml version="1.0" encoding="utf-8"?>
-<p:tagLst xmlns:p="http://schemas.openxmlformats.org/presentationml/2006/main">
-  <p:tag name="KSO_WM_UNIT_HIGHLIGHT" val="0"/>
-  <p:tag name="KSO_WM_UNIT_COMPATIBLE" val="0"/>
-  <p:tag name="KSO_WM_UNIT_DIAGRAM_ISNUMVISUAL" val="0"/>
-  <p:tag name="KSO_WM_UNIT_DIAGRAM_ISREFERUNIT" val="0"/>
-  <p:tag name="KSO_WM_UNIT_ID" val="_4**"/>
-  <p:tag name="KSO_WM_UNIT_LAYERLEVEL" val="1"/>
-  <p:tag name="KSO_WM_TAG_VERSION" val="1.0"/>
-  <p:tag name="KSO_WM_BEAUTIFY_FLAG" val="#wm#"/>
-</p:tagLst>
-</file>
-
-<file path=ppt/tags/tag18.xml><?xml version="1.0" encoding="utf-8"?>
-<p:tagLst xmlns:p="http://schemas.openxmlformats.org/presentationml/2006/main">
-  <p:tag name="KSO_WM_UNIT_HIGHLIGHT" val="0"/>
-  <p:tag name="KSO_WM_UNIT_COMPATIBLE" val="0"/>
-  <p:tag name="KSO_WM_UNIT_DIAGRAM_ISNUMVISUAL" val="0"/>
-  <p:tag name="KSO_WM_UNIT_DIAGRAM_ISREFERUNIT" val="0"/>
-  <p:tag name="KSO_WM_UNIT_ID" val="_4**"/>
-  <p:tag name="KSO_WM_UNIT_LAYERLEVEL" val="1"/>
-  <p:tag name="KSO_WM_TAG_VERSION" val="1.0"/>
-  <p:tag name="KSO_WM_BEAUTIFY_FLAG" val="#wm#"/>
-</p:tagLst>
-</file>
-
-<file path=ppt/tags/tag19.xml><?xml version="1.0" encoding="utf-8"?>
-<p:tagLst xmlns:p="http://schemas.openxmlformats.org/presentationml/2006/main">
-  <p:tag name="KSO_WM_UNIT_HIGHLIGHT" val="0"/>
-  <p:tag name="KSO_WM_UNIT_COMPATIBLE" val="0"/>
-  <p:tag name="KSO_WM_UNIT_DIAGRAM_ISNUMVISUAL" val="0"/>
-  <p:tag name="KSO_WM_UNIT_DIAGRAM_ISREFERUNIT" val="0"/>
-  <p:tag name="KSO_WM_UNIT_ID" val="_4**"/>
-  <p:tag name="KSO_WM_UNIT_LAYERLEVEL" val="1"/>
-  <p:tag name="KSO_WM_TAG_VERSION" val="1.0"/>
-  <p:tag name="KSO_WM_BEAUTIFY_FLAG" val="#wm#"/>
-</p:tagLst>
-</file>
-
-<file path=ppt/tags/tag2.xml><?xml version="1.0" encoding="utf-8"?>
-<p:tagLst xmlns:p="http://schemas.openxmlformats.org/presentationml/2006/main">
-  <p:tag name="KSO_WM_UNIT_HIGHLIGHT" val="0"/>
-  <p:tag name="KSO_WM_UNIT_COMPATIBLE" val="0"/>
-  <p:tag name="KSO_WM_UNIT_DIAGRAM_ISNUMVISUAL" val="0"/>
-  <p:tag name="KSO_WM_UNIT_DIAGRAM_ISREFERUNIT" val="0"/>
-  <p:tag name="KSO_WM_UNIT_ID" val="_1**"/>
-  <p:tag name="KSO_WM_UNIT_LAYERLEVEL" val="1"/>
-  <p:tag name="KSO_WM_TAG_VERSION" val="1.0"/>
-  <p:tag name="KSO_WM_BEAUTIFY_FLAG" val="#wm#"/>
-</p:tagLst>
-</file>
-
-<file path=ppt/tags/tag20.xml><?xml version="1.0" encoding="utf-8"?>
-<p:tagLst xmlns:p="http://schemas.openxmlformats.org/presentationml/2006/main">
-  <p:tag name="KSO_WM_UNIT_HIGHLIGHT" val="0"/>
-  <p:tag name="KSO_WM_UNIT_COMPATIBLE" val="0"/>
-  <p:tag name="KSO_WM_UNIT_DIAGRAM_ISNUMVISUAL" val="0"/>
-  <p:tag name="KSO_WM_UNIT_DIAGRAM_ISREFERUNIT" val="0"/>
-  <p:tag name="KSO_WM_UNIT_ID" val="_4**"/>
-  <p:tag name="KSO_WM_UNIT_LAYERLEVEL" val="1"/>
-  <p:tag name="KSO_WM_TAG_VERSION" val="1.0"/>
-  <p:tag name="KSO_WM_BEAUTIFY_FLAG" val="#wm#"/>
-</p:tagLst>
-</file>
-
-<file path=ppt/tags/tag21.xml><?xml version="1.0" encoding="utf-8"?>
-<p:tagLst xmlns:p="http://schemas.openxmlformats.org/presentationml/2006/main">
-  <p:tag name="KSO_WM_UNIT_HIGHLIGHT" val="0"/>
-  <p:tag name="KSO_WM_UNIT_COMPATIBLE" val="0"/>
-  <p:tag name="KSO_WM_UNIT_DIAGRAM_ISNUMVISUAL" val="0"/>
-  <p:tag name="KSO_WM_UNIT_DIAGRAM_ISREFERUNIT" val="0"/>
-  <p:tag name="KSO_WM_UNIT_ID" val="_4**"/>
-  <p:tag name="KSO_WM_UNIT_LAYERLEVEL" val="1"/>
-  <p:tag name="KSO_WM_TAG_VERSION" val="1.0"/>
-  <p:tag name="KSO_WM_BEAUTIFY_FLAG" val="#wm#"/>
-</p:tagLst>
-</file>
-
-<file path=ppt/tags/tag22.xml><?xml version="1.0" encoding="utf-8"?>
-<p:tagLst xmlns:p="http://schemas.openxmlformats.org/presentationml/2006/main">
-  <p:tag name="KSO_WM_UNIT_HIGHLIGHT" val="0"/>
-  <p:tag name="KSO_WM_UNIT_COMPATIBLE" val="0"/>
-  <p:tag name="KSO_WM_UNIT_DIAGRAM_ISNUMVISUAL" val="0"/>
-  <p:tag name="KSO_WM_UNIT_DIAGRAM_ISREFERUNIT" val="0"/>
-  <p:tag name="KSO_WM_UNIT_ID" val="_5**"/>
-  <p:tag name="KSO_WM_UNIT_LAYERLEVEL" val="1"/>
-  <p:tag name="KSO_WM_TAG_VERSION" val="1.0"/>
-  <p:tag name="KSO_WM_BEAUTIFY_FLAG" val="#wm#"/>
-</p:tagLst>
-</file>
-
-<file path=ppt/tags/tag23.xml><?xml version="1.0" encoding="utf-8"?>
-<p:tagLst xmlns:p="http://schemas.openxmlformats.org/presentationml/2006/main">
-  <p:tag name="KSO_WM_UNIT_HIGHLIGHT" val="0"/>
-  <p:tag name="KSO_WM_UNIT_COMPATIBLE" val="0"/>
-  <p:tag name="KSO_WM_UNIT_DIAGRAM_ISNUMVISUAL" val="0"/>
-  <p:tag name="KSO_WM_UNIT_DIAGRAM_ISREFERUNIT" val="0"/>
-  <p:tag name="KSO_WM_UNIT_ID" val="_5**"/>
-  <p:tag name="KSO_WM_UNIT_LAYERLEVEL" val="1"/>
-  <p:tag name="KSO_WM_TAG_VERSION" val="1.0"/>
-  <p:tag name="KSO_WM_BEAUTIFY_FLAG" val="#wm#"/>
-</p:tagLst>
-</file>
-
-<file path=ppt/tags/tag24.xml><?xml version="1.0" encoding="utf-8"?>
-<p:tagLst xmlns:p="http://schemas.openxmlformats.org/presentationml/2006/main">
-  <p:tag name="KSO_WM_UNIT_HIGHLIGHT" val="0"/>
-  <p:tag name="KSO_WM_UNIT_COMPATIBLE" val="0"/>
-  <p:tag name="KSO_WM_UNIT_DIAGRAM_ISNUMVISUAL" val="0"/>
-  <p:tag name="KSO_WM_UNIT_DIAGRAM_ISREFERUNIT" val="0"/>
-  <p:tag name="KSO_WM_UNIT_ID" val="_5**"/>
-  <p:tag name="KSO_WM_UNIT_LAYERLEVEL" val="1"/>
-  <p:tag name="KSO_WM_TAG_VERSION" val="1.0"/>
-  <p:tag name="KSO_WM_BEAUTIFY_FLAG" val="#wm#"/>
-</p:tagLst>
-</file>
-
-<file path=ppt/tags/tag25.xml><?xml version="1.0" encoding="utf-8"?>
-<p:tagLst xmlns:p="http://schemas.openxmlformats.org/presentationml/2006/main">
-  <p:tag name="KSO_WM_UNIT_HIGHLIGHT" val="0"/>
-  <p:tag name="KSO_WM_UNIT_COMPATIBLE" val="0"/>
-  <p:tag name="KSO_WM_UNIT_DIAGRAM_ISNUMVISUAL" val="0"/>
-  <p:tag name="KSO_WM_UNIT_DIAGRAM_ISREFERUNIT" val="0"/>
-  <p:tag name="KSO_WM_UNIT_ID" val="_5**"/>
-  <p:tag name="KSO_WM_UNIT_LAYERLEVEL" val="1"/>
-  <p:tag name="KSO_WM_TAG_VERSION" val="1.0"/>
-  <p:tag name="KSO_WM_BEAUTIFY_FLAG" val="#wm#"/>
-</p:tagLst>
-</file>
-
-<file path=ppt/tags/tag26.xml><?xml version="1.0" encoding="utf-8"?>
-<p:tagLst xmlns:p="http://schemas.openxmlformats.org/presentationml/2006/main">
-  <p:tag name="KSO_WM_UNIT_HIGHLIGHT" val="0"/>
-  <p:tag name="KSO_WM_UNIT_COMPATIBLE" val="0"/>
-  <p:tag name="KSO_WM_UNIT_DIAGRAM_ISNUMVISUAL" val="0"/>
-  <p:tag name="KSO_WM_UNIT_DIAGRAM_ISREFERUNIT" val="0"/>
-  <p:tag name="KSO_WM_UNIT_ID" val="_5**"/>
-  <p:tag name="KSO_WM_UNIT_LAYERLEVEL" val="1"/>
-  <p:tag name="KSO_WM_TAG_VERSION" val="1.0"/>
-  <p:tag name="KSO_WM_BEAUTIFY_FLAG" val="#wm#"/>
-</p:tagLst>
-</file>
-
-<file path=ppt/tags/tag27.xml><?xml version="1.0" encoding="utf-8"?>
-<p:tagLst xmlns:p="http://schemas.openxmlformats.org/presentationml/2006/main">
-  <p:tag name="KSO_WM_UNIT_HIGHLIGHT" val="0"/>
-  <p:tag name="KSO_WM_UNIT_COMPATIBLE" val="0"/>
-  <p:tag name="KSO_WM_UNIT_DIAGRAM_ISNUMVISUAL" val="0"/>
-  <p:tag name="KSO_WM_UNIT_DIAGRAM_ISREFERUNIT" val="0"/>
-  <p:tag name="KSO_WM_UNIT_ID" val="_5**"/>
-  <p:tag name="KSO_WM_UNIT_LAYERLEVEL" val="1"/>
-  <p:tag name="KSO_WM_TAG_VERSION" val="1.0"/>
-  <p:tag name="KSO_WM_BEAUTIFY_FLAG" val="#wm#"/>
-</p:tagLst>
-</file>
-
-<file path=ppt/tags/tag28.xml><?xml version="1.0" encoding="utf-8"?>
-<p:tagLst xmlns:p="http://schemas.openxmlformats.org/presentationml/2006/main">
-  <p:tag name="KSO_WM_UNIT_HIGHLIGHT" val="0"/>
-  <p:tag name="KSO_WM_UNIT_COMPATIBLE" val="0"/>
-  <p:tag name="KSO_WM_UNIT_DIAGRAM_ISNUMVISUAL" val="0"/>
-  <p:tag name="KSO_WM_UNIT_DIAGRAM_ISREFERUNIT" val="0"/>
-  <p:tag name="KSO_WM_UNIT_ID" val="_5**"/>
-  <p:tag name="KSO_WM_UNIT_LAYERLEVEL" val="1"/>
-  <p:tag name="KSO_WM_TAG_VERSION" val="1.0"/>
-  <p:tag name="KSO_WM_BEAUTIFY_FLAG" val="#wm#"/>
-</p:tagLst>
-</file>
-
-<file path=ppt/tags/tag29.xml><?xml version="1.0" encoding="utf-8"?>
-<p:tagLst xmlns:p="http://schemas.openxmlformats.org/presentationml/2006/main">
-  <p:tag name="KSO_WM_UNIT_HIGHLIGHT" val="0"/>
-  <p:tag name="KSO_WM_UNIT_COMPATIBLE" val="0"/>
-  <p:tag name="KSO_WM_UNIT_DIAGRAM_ISNUMVISUAL" val="0"/>
-  <p:tag name="KSO_WM_UNIT_DIAGRAM_ISREFERUNIT" val="0"/>
-  <p:tag name="KSO_WM_UNIT_ID" val="_5**"/>
-  <p:tag name="KSO_WM_UNIT_LAYERLEVEL" val="1"/>
-  <p:tag name="KSO_WM_TAG_VERSION" val="1.0"/>
-  <p:tag name="KSO_WM_BEAUTIFY_FLAG" val="#wm#"/>
-</p:tagLst>
-</file>
-
-<file path=ppt/tags/tag3.xml><?xml version="1.0" encoding="utf-8"?>
-<p:tagLst xmlns:p="http://schemas.openxmlformats.org/presentationml/2006/main">
-  <p:tag name="KSO_WM_UNIT_HIGHLIGHT" val="0"/>
-  <p:tag name="KSO_WM_UNIT_COMPATIBLE" val="0"/>
-  <p:tag name="KSO_WM_UNIT_DIAGRAM_ISNUMVISUAL" val="0"/>
-  <p:tag name="KSO_WM_UNIT_DIAGRAM_ISREFERUNIT" val="0"/>
-  <p:tag name="KSO_WM_UNIT_ID" val="_1**"/>
-  <p:tag name="KSO_WM_UNIT_LAYERLEVEL" val="1"/>
-  <p:tag name="KSO_WM_TAG_VERSION" val="1.0"/>
-  <p:tag name="KSO_WM_BEAUTIFY_FLAG" val="#wm#"/>
-</p:tagLst>
-</file>
-
-<file path=ppt/tags/tag30.xml><?xml version="1.0" encoding="utf-8"?>
-<p:tagLst xmlns:p="http://schemas.openxmlformats.org/presentationml/2006/main">
-  <p:tag name="KSO_WM_UNIT_HIGHLIGHT" val="0"/>
-  <p:tag name="KSO_WM_UNIT_COMPATIBLE" val="0"/>
-  <p:tag name="KSO_WM_UNIT_DIAGRAM_ISNUMVISUAL" val="0"/>
-  <p:tag name="KSO_WM_UNIT_DIAGRAM_ISREFERUNIT" val="0"/>
-  <p:tag name="KSO_WM_UNIT_ID" val="_6**"/>
-  <p:tag name="KSO_WM_UNIT_LAYERLEVEL" val="1"/>
-  <p:tag name="KSO_WM_TAG_VERSION" val="1.0"/>
-  <p:tag name="KSO_WM_BEAUTIFY_FLAG" val="#wm#"/>
-</p:tagLst>
-</file>
-
-<file path=ppt/tags/tag31.xml><?xml version="1.0" encoding="utf-8"?>
-<p:tagLst xmlns:p="http://schemas.openxmlformats.org/presentationml/2006/main">
-  <p:tag name="KSO_WM_UNIT_HIGHLIGHT" val="0"/>
-  <p:tag name="KSO_WM_UNIT_COMPATIBLE" val="0"/>
-  <p:tag name="KSO_WM_UNIT_DIAGRAM_ISNUMVISUAL" val="0"/>
-  <p:tag name="KSO_WM_UNIT_DIAGRAM_ISREFERUNIT" val="0"/>
-  <p:tag name="KSO_WM_UNIT_ID" val="_6**"/>
-  <p:tag name="KSO_WM_UNIT_LAYERLEVEL" val="1"/>
-  <p:tag name="KSO_WM_TAG_VERSION" val="1.0"/>
-  <p:tag name="KSO_WM_BEAUTIFY_FLAG" val="#wm#"/>
-</p:tagLst>
-</file>
-
-<file path=ppt/tags/tag32.xml><?xml version="1.0" encoding="utf-8"?>
-<p:tagLst xmlns:p="http://schemas.openxmlformats.org/presentationml/2006/main">
-  <p:tag name="KSO_WM_UNIT_HIGHLIGHT" val="0"/>
-  <p:tag name="KSO_WM_UNIT_COMPATIBLE" val="0"/>
-  <p:tag name="KSO_WM_UNIT_DIAGRAM_ISNUMVISUAL" val="0"/>
-  <p:tag name="KSO_WM_UNIT_DIAGRAM_ISREFERUNIT" val="0"/>
-  <p:tag name="KSO_WM_UNIT_ID" val="_6**"/>
-  <p:tag name="KSO_WM_UNIT_LAYERLEVEL" val="1"/>
-  <p:tag name="KSO_WM_TAG_VERSION" val="1.0"/>
-  <p:tag name="KSO_WM_BEAUTIFY_FLAG" val="#wm#"/>
-</p:tagLst>
-</file>
-
-<file path=ppt/tags/tag33.xml><?xml version="1.0" encoding="utf-8"?>
-<p:tagLst xmlns:p="http://schemas.openxmlformats.org/presentationml/2006/main">
-  <p:tag name="KSO_WM_UNIT_HIGHLIGHT" val="0"/>
-  <p:tag name="KSO_WM_UNIT_COMPATIBLE" val="0"/>
-  <p:tag name="KSO_WM_UNIT_DIAGRAM_ISNUMVISUAL" val="0"/>
-  <p:tag name="KSO_WM_UNIT_DIAGRAM_ISREFERUNIT" val="0"/>
-  <p:tag name="KSO_WM_UNIT_ID" val="_6**"/>
-  <p:tag name="KSO_WM_UNIT_LAYERLEVEL" val="1"/>
-  <p:tag name="KSO_WM_TAG_VERSION" val="1.0"/>
-  <p:tag name="KSO_WM_BEAUTIFY_FLAG" val="#wm#"/>
-</p:tagLst>
-</file>
-
-<file path=ppt/tags/tag34.xml><?xml version="1.0" encoding="utf-8"?>
-<p:tagLst xmlns:p="http://schemas.openxmlformats.org/presentationml/2006/main">
-  <p:tag name="KSO_WM_UNIT_HIGHLIGHT" val="0"/>
-  <p:tag name="KSO_WM_UNIT_COMPATIBLE" val="0"/>
-  <p:tag name="KSO_WM_UNIT_DIAGRAM_ISNUMVISUAL" val="0"/>
-  <p:tag name="KSO_WM_UNIT_DIAGRAM_ISREFERUNIT" val="0"/>
-  <p:tag name="KSO_WM_UNIT_ID" val="_7**"/>
-  <p:tag name="KSO_WM_UNIT_LAYERLEVEL" val="1"/>
-  <p:tag name="KSO_WM_TAG_VERSION" val="1.0"/>
-  <p:tag name="KSO_WM_BEAUTIFY_FLAG" val="#wm#"/>
-</p:tagLst>
-</file>
-
-<file path=ppt/tags/tag35.xml><?xml version="1.0" encoding="utf-8"?>
-<p:tagLst xmlns:p="http://schemas.openxmlformats.org/presentationml/2006/main">
-  <p:tag name="KSO_WM_UNIT_HIGHLIGHT" val="0"/>
-  <p:tag name="KSO_WM_UNIT_COMPATIBLE" val="0"/>
-  <p:tag name="KSO_WM_UNIT_DIAGRAM_ISNUMVISUAL" val="0"/>
-  <p:tag name="KSO_WM_UNIT_DIAGRAM_ISREFERUNIT" val="0"/>
-  <p:tag name="KSO_WM_UNIT_ID" val="_7**"/>
-  <p:tag name="KSO_WM_UNIT_LAYERLEVEL" val="1"/>
-  <p:tag name="KSO_WM_TAG_VERSION" val="1.0"/>
-  <p:tag name="KSO_WM_BEAUTIFY_FLAG" val="#wm#"/>
-</p:tagLst>
-</file>
-
-<file path=ppt/tags/tag36.xml><?xml version="1.0" encoding="utf-8"?>
-<p:tagLst xmlns:p="http://schemas.openxmlformats.org/presentationml/2006/main">
-  <p:tag name="KSO_WM_UNIT_HIGHLIGHT" val="0"/>
-  <p:tag name="KSO_WM_UNIT_COMPATIBLE" val="0"/>
-  <p:tag name="KSO_WM_UNIT_DIAGRAM_ISNUMVISUAL" val="0"/>
-  <p:tag name="KSO_WM_UNIT_DIAGRAM_ISREFERUNIT" val="0"/>
-  <p:tag name="KSO_WM_UNIT_ID" val="_7**"/>
-  <p:tag name="KSO_WM_UNIT_LAYERLEVEL" val="1"/>
-  <p:tag name="KSO_WM_TAG_VERSION" val="1.0"/>
-  <p:tag name="KSO_WM_BEAUTIFY_FLAG" val="#wm#"/>
-</p:tagLst>
-</file>
-
-<file path=ppt/tags/tag37.xml><?xml version="1.0" encoding="utf-8"?>
-<p:tagLst xmlns:p="http://schemas.openxmlformats.org/presentationml/2006/main">
-  <p:tag name="KSO_WM_UNIT_HIGHLIGHT" val="0"/>
-  <p:tag name="KSO_WM_UNIT_COMPATIBLE" val="0"/>
-  <p:tag name="KSO_WM_UNIT_DIAGRAM_ISNUMVISUAL" val="0"/>
-  <p:tag name="KSO_WM_UNIT_DIAGRAM_ISREFERUNIT" val="0"/>
-  <p:tag name="KSO_WM_UNIT_ID" val="_8**"/>
-  <p:tag name="KSO_WM_UNIT_LAYERLEVEL" val="1"/>
-  <p:tag name="KSO_WM_TAG_VERSION" val="1.0"/>
-  <p:tag name="KSO_WM_BEAUTIFY_FLAG" val="#wm#"/>
-</p:tagLst>
-</file>
-
-<file path=ppt/tags/tag38.xml><?xml version="1.0" encoding="utf-8"?>
-<p:tagLst xmlns:p="http://schemas.openxmlformats.org/presentationml/2006/main">
-  <p:tag name="KSO_WM_UNIT_HIGHLIGHT" val="0"/>
-  <p:tag name="KSO_WM_UNIT_COMPATIBLE" val="0"/>
-  <p:tag name="KSO_WM_UNIT_DIAGRAM_ISNUMVISUAL" val="0"/>
-  <p:tag name="KSO_WM_UNIT_DIAGRAM_ISREFERUNIT" val="0"/>
-  <p:tag name="KSO_WM_UNIT_ID" val="_8**"/>
-  <p:tag name="KSO_WM_UNIT_LAYERLEVEL" val="1"/>
-  <p:tag name="KSO_WM_TAG_VERSION" val="1.0"/>
-  <p:tag name="KSO_WM_BEAUTIFY_FLAG" val="#wm#"/>
-</p:tagLst>
-</file>
-
-<file path=ppt/tags/tag39.xml><?xml version="1.0" encoding="utf-8"?>
-<p:tagLst xmlns:p="http://schemas.openxmlformats.org/presentationml/2006/main">
-  <p:tag name="KSO_WM_UNIT_HIGHLIGHT" val="0"/>
-  <p:tag name="KSO_WM_UNIT_COMPATIBLE" val="0"/>
-  <p:tag name="KSO_WM_UNIT_DIAGRAM_ISNUMVISUAL" val="0"/>
-  <p:tag name="KSO_WM_UNIT_DIAGRAM_ISREFERUNIT" val="0"/>
-  <p:tag name="KSO_WM_UNIT_ID" val="_8**"/>
-  <p:tag name="KSO_WM_UNIT_LAYERLEVEL" val="1"/>
-  <p:tag name="KSO_WM_TAG_VERSION" val="1.0"/>
-  <p:tag name="KSO_WM_BEAUTIFY_FLAG" val="#wm#"/>
-</p:tagLst>
-</file>
-
-<file path=ppt/tags/tag4.xml><?xml version="1.0" encoding="utf-8"?>
-<p:tagLst xmlns:p="http://schemas.openxmlformats.org/presentationml/2006/main">
-  <p:tag name="KSO_WM_UNIT_HIGHLIGHT" val="0"/>
-  <p:tag name="KSO_WM_UNIT_COMPATIBLE" val="0"/>
-  <p:tag name="KSO_WM_UNIT_DIAGRAM_ISNUMVISUAL" val="0"/>
-  <p:tag name="KSO_WM_UNIT_DIAGRAM_ISREFERUNIT" val="0"/>
-  <p:tag name="KSO_WM_UNIT_ID" val="_1**"/>
-  <p:tag name="KSO_WM_UNIT_LAYERLEVEL" val="1"/>
-  <p:tag name="KSO_WM_TAG_VERSION" val="1.0"/>
-  <p:tag name="KSO_WM_BEAUTIFY_FLAG" val="#wm#"/>
-</p:tagLst>
-</file>
-
-<file path=ppt/tags/tag40.xml><?xml version="1.0" encoding="utf-8"?>
-<p:tagLst xmlns:p="http://schemas.openxmlformats.org/presentationml/2006/main">
-  <p:tag name="KSO_WM_UNIT_HIGHLIGHT" val="0"/>
-  <p:tag name="KSO_WM_UNIT_COMPATIBLE" val="0"/>
-  <p:tag name="KSO_WM_UNIT_DIAGRAM_ISNUMVISUAL" val="0"/>
-  <p:tag name="KSO_WM_UNIT_DIAGRAM_ISREFERUNIT" val="0"/>
-  <p:tag name="KSO_WM_UNIT_ID" val="_8**"/>
-  <p:tag name="KSO_WM_UNIT_LAYERLEVEL" val="1"/>
-  <p:tag name="KSO_WM_TAG_VERSION" val="1.0"/>
-  <p:tag name="KSO_WM_BEAUTIFY_FLAG" val="#wm#"/>
-</p:tagLst>
-</file>
-
-<file path=ppt/tags/tag41.xml><?xml version="1.0" encoding="utf-8"?>
-<p:tagLst xmlns:p="http://schemas.openxmlformats.org/presentationml/2006/main">
-  <p:tag name="KSO_WM_UNIT_HIGHLIGHT" val="0"/>
-  <p:tag name="KSO_WM_UNIT_COMPATIBLE" val="0"/>
-  <p:tag name="KSO_WM_UNIT_DIAGRAM_ISNUMVISUAL" val="0"/>
-  <p:tag name="KSO_WM_UNIT_DIAGRAM_ISREFERUNIT" val="0"/>
-  <p:tag name="KSO_WM_UNIT_ID" val="_8**"/>
-  <p:tag name="KSO_WM_UNIT_LAYERLEVEL" val="1"/>
-  <p:tag name="KSO_WM_TAG_VERSION" val="1.0"/>
-  <p:tag name="KSO_WM_BEAUTIFY_FLAG" val="#wm#"/>
-</p:tagLst>
-</file>
-
-<file path=ppt/tags/tag42.xml><?xml version="1.0" encoding="utf-8"?>
-<p:tagLst xmlns:p="http://schemas.openxmlformats.org/presentationml/2006/main">
-  <p:tag name="KSO_WM_UNIT_HIGHLIGHT" val="0"/>
-  <p:tag name="KSO_WM_UNIT_COMPATIBLE" val="0"/>
-  <p:tag name="KSO_WM_UNIT_DIAGRAM_ISNUMVISUAL" val="0"/>
-  <p:tag name="KSO_WM_UNIT_DIAGRAM_ISREFERUNIT" val="0"/>
-  <p:tag name="KSO_WM_UNIT_ID" val="_8**"/>
-  <p:tag name="KSO_WM_UNIT_LAYERLEVEL" val="1"/>
-  <p:tag name="KSO_WM_TAG_VERSION" val="1.0"/>
-  <p:tag name="KSO_WM_BEAUTIFY_FLAG" val="#wm#"/>
-</p:tagLst>
-</file>
-
-<file path=ppt/tags/tag43.xml><?xml version="1.0" encoding="utf-8"?>
-<p:tagLst xmlns:p="http://schemas.openxmlformats.org/presentationml/2006/main">
-  <p:tag name="KSO_WM_UNIT_HIGHLIGHT" val="0"/>
-  <p:tag name="KSO_WM_UNIT_COMPATIBLE" val="0"/>
-  <p:tag name="KSO_WM_UNIT_DIAGRAM_ISNUMVISUAL" val="0"/>
-  <p:tag name="KSO_WM_UNIT_DIAGRAM_ISREFERUNIT" val="0"/>
-  <p:tag name="KSO_WM_UNIT_ID" val="_9**"/>
-  <p:tag name="KSO_WM_UNIT_LAYERLEVEL" val="1"/>
-  <p:tag name="KSO_WM_TAG_VERSION" val="1.0"/>
-  <p:tag name="KSO_WM_BEAUTIFY_FLAG" val="#wm#"/>
-</p:tagLst>
-</file>
-
-<file path=ppt/tags/tag44.xml><?xml version="1.0" encoding="utf-8"?>
-<p:tagLst xmlns:p="http://schemas.openxmlformats.org/presentationml/2006/main">
-  <p:tag name="KSO_WM_UNIT_HIGHLIGHT" val="0"/>
-  <p:tag name="KSO_WM_UNIT_COMPATIBLE" val="0"/>
-  <p:tag name="KSO_WM_UNIT_DIAGRAM_ISNUMVISUAL" val="0"/>
-  <p:tag name="KSO_WM_UNIT_DIAGRAM_ISREFERUNIT" val="0"/>
-  <p:tag name="KSO_WM_UNIT_ID" val="_9**"/>
-  <p:tag name="KSO_WM_UNIT_LAYERLEVEL" val="1"/>
-  <p:tag name="KSO_WM_TAG_VERSION" val="1.0"/>
-  <p:tag name="KSO_WM_BEAUTIFY_FLAG" val="#wm#"/>
-</p:tagLst>
-</file>
-
-<file path=ppt/tags/tag45.xml><?xml version="1.0" encoding="utf-8"?>
-<p:tagLst xmlns:p="http://schemas.openxmlformats.org/presentationml/2006/main">
-  <p:tag name="KSO_WM_UNIT_HIGHLIGHT" val="0"/>
-  <p:tag name="KSO_WM_UNIT_COMPATIBLE" val="0"/>
-  <p:tag name="KSO_WM_UNIT_DIAGRAM_ISNUMVISUAL" val="0"/>
-  <p:tag name="KSO_WM_UNIT_DIAGRAM_ISREFERUNIT" val="0"/>
-  <p:tag name="KSO_WM_UNIT_ID" val="_9**"/>
-  <p:tag name="KSO_WM_UNIT_LAYERLEVEL" val="1"/>
-  <p:tag name="KSO_WM_TAG_VERSION" val="1.0"/>
-  <p:tag name="KSO_WM_BEAUTIFY_FLAG" val="#wm#"/>
-</p:tagLst>
-</file>
-
-<file path=ppt/tags/tag46.xml><?xml version="1.0" encoding="utf-8"?>
-<p:tagLst xmlns:p="http://schemas.openxmlformats.org/presentationml/2006/main">
-  <p:tag name="KSO_WM_UNIT_HIGHLIGHT" val="0"/>
-  <p:tag name="KSO_WM_UNIT_COMPATIBLE" val="0"/>
-  <p:tag name="KSO_WM_UNIT_DIAGRAM_ISNUMVISUAL" val="0"/>
-  <p:tag name="KSO_WM_UNIT_DIAGRAM_ISREFERUNIT" val="0"/>
-  <p:tag name="KSO_WM_UNIT_ID" val="_9**"/>
-  <p:tag name="KSO_WM_UNIT_LAYERLEVEL" val="1"/>
-  <p:tag name="KSO_WM_TAG_VERSION" val="1.0"/>
-  <p:tag name="KSO_WM_BEAUTIFY_FLAG" val="#wm#"/>
-</p:tagLst>
-</file>
-
-<file path=ppt/tags/tag47.xml><?xml version="1.0" encoding="utf-8"?>
-<p:tagLst xmlns:p="http://schemas.openxmlformats.org/presentationml/2006/main">
-  <p:tag name="KSO_WM_UNIT_HIGHLIGHT" val="0"/>
-  <p:tag name="KSO_WM_UNIT_COMPATIBLE" val="0"/>
-  <p:tag name="KSO_WM_UNIT_DIAGRAM_ISNUMVISUAL" val="0"/>
-  <p:tag name="KSO_WM_UNIT_DIAGRAM_ISREFERUNIT" val="0"/>
-  <p:tag name="KSO_WM_UNIT_ID" val="_9**"/>
-  <p:tag name="KSO_WM_UNIT_LAYERLEVEL" val="1"/>
-  <p:tag name="KSO_WM_TAG_VERSION" val="1.0"/>
-  <p:tag name="KSO_WM_BEAUTIFY_FLAG" val="#wm#"/>
-</p:tagLst>
-</file>
-
-<file path=ppt/tags/tag48.xml><?xml version="1.0" encoding="utf-8"?>
-<p:tagLst xmlns:p="http://schemas.openxmlformats.org/presentationml/2006/main">
-  <p:tag name="KSO_WM_UNIT_HIGHLIGHT" val="0"/>
-  <p:tag name="KSO_WM_UNIT_COMPATIBLE" val="0"/>
-  <p:tag name="KSO_WM_UNIT_DIAGRAM_ISNUMVISUAL" val="0"/>
-  <p:tag name="KSO_WM_UNIT_DIAGRAM_ISREFERUNIT" val="0"/>
-  <p:tag name="KSO_WM_UNIT_ID" val="_10**"/>
-  <p:tag name="KSO_WM_UNIT_LAYERLEVEL" val="1"/>
-  <p:tag name="KSO_WM_TAG_VERSION" val="1.0"/>
-  <p:tag name="KSO_WM_BEAUTIFY_FLAG" val="#wm#"/>
-</p:tagLst>
-</file>
-
-<file path=ppt/tags/tag49.xml><?xml version="1.0" encoding="utf-8"?>
-<p:tagLst xmlns:p="http://schemas.openxmlformats.org/presentationml/2006/main">
-  <p:tag name="KSO_WM_UNIT_HIGHLIGHT" val="0"/>
-  <p:tag name="KSO_WM_UNIT_COMPATIBLE" val="0"/>
-  <p:tag name="KSO_WM_UNIT_DIAGRAM_ISNUMVISUAL" val="0"/>
-  <p:tag name="KSO_WM_UNIT_DIAGRAM_ISREFERUNIT" val="0"/>
-  <p:tag name="KSO_WM_UNIT_ID" val="_10**"/>
-  <p:tag name="KSO_WM_UNIT_LAYERLEVEL" val="1"/>
-  <p:tag name="KSO_WM_TAG_VERSION" val="1.0"/>
-  <p:tag name="KSO_WM_BEAUTIFY_FLAG" val="#wm#"/>
-</p:tagLst>
-</file>
-
-<file path=ppt/tags/tag5.xml><?xml version="1.0" encoding="utf-8"?>
-<p:tagLst xmlns:p="http://schemas.openxmlformats.org/presentationml/2006/main">
-  <p:tag name="KSO_WM_UNIT_HIGHLIGHT" val="0"/>
-  <p:tag name="KSO_WM_UNIT_COMPATIBLE" val="0"/>
-  <p:tag name="KSO_WM_UNIT_DIAGRAM_ISNUMVISUAL" val="0"/>
-  <p:tag name="KSO_WM_UNIT_DIAGRAM_ISREFERUNIT" val="0"/>
-  <p:tag name="KSO_WM_UNIT_ID" val="_1**"/>
-  <p:tag name="KSO_WM_UNIT_LAYERLEVEL" val="1"/>
-  <p:tag name="KSO_WM_TAG_VERSION" val="1.0"/>
-  <p:tag name="KSO_WM_BEAUTIFY_FLAG" val="#wm#"/>
-</p:tagLst>
-</file>
-
-<file path=ppt/tags/tag50.xml><?xml version="1.0" encoding="utf-8"?>
-<p:tagLst xmlns:p="http://schemas.openxmlformats.org/presentationml/2006/main">
-  <p:tag name="KSO_WM_UNIT_HIGHLIGHT" val="0"/>
-  <p:tag name="KSO_WM_UNIT_COMPATIBLE" val="0"/>
-  <p:tag name="KSO_WM_UNIT_DIAGRAM_ISNUMVISUAL" val="0"/>
-  <p:tag name="KSO_WM_UNIT_DIAGRAM_ISREFERUNIT" val="0"/>
-  <p:tag name="KSO_WM_UNIT_ID" val="_10**"/>
-  <p:tag name="KSO_WM_UNIT_LAYERLEVEL" val="1"/>
-  <p:tag name="KSO_WM_TAG_VERSION" val="1.0"/>
-  <p:tag name="KSO_WM_BEAUTIFY_FLAG" val="#wm#"/>
-</p:tagLst>
-</file>
-
-<file path=ppt/tags/tag51.xml><?xml version="1.0" encoding="utf-8"?>
-<p:tagLst xmlns:p="http://schemas.openxmlformats.org/presentationml/2006/main">
-  <p:tag name="KSO_WM_UNIT_HIGHLIGHT" val="0"/>
-  <p:tag name="KSO_WM_UNIT_COMPATIBLE" val="0"/>
-  <p:tag name="KSO_WM_UNIT_DIAGRAM_ISNUMVISUAL" val="0"/>
-  <p:tag name="KSO_WM_UNIT_DIAGRAM_ISREFERUNIT" val="0"/>
-  <p:tag name="KSO_WM_UNIT_ID" val="_10**"/>
-  <p:tag name="KSO_WM_UNIT_LAYERLEVEL" val="1"/>
-  <p:tag name="KSO_WM_TAG_VERSION" val="1.0"/>
-  <p:tag name="KSO_WM_BEAUTIFY_FLAG" val="#wm#"/>
-</p:tagLst>
-</file>
-
-<file path=ppt/tags/tag52.xml><?xml version="1.0" encoding="utf-8"?>
-<p:tagLst xmlns:p="http://schemas.openxmlformats.org/presentationml/2006/main">
-  <p:tag name="KSO_WM_UNIT_HIGHLIGHT" val="0"/>
-  <p:tag name="KSO_WM_UNIT_COMPATIBLE" val="0"/>
-  <p:tag name="KSO_WM_UNIT_DIAGRAM_ISNUMVISUAL" val="0"/>
-  <p:tag name="KSO_WM_UNIT_DIAGRAM_ISREFERUNIT" val="0"/>
-  <p:tag name="KSO_WM_UNIT_ID" val="_11**"/>
-  <p:tag name="KSO_WM_UNIT_LAYERLEVEL" val="1"/>
-  <p:tag name="KSO_WM_TAG_VERSION" val="1.0"/>
-  <p:tag name="KSO_WM_BEAUTIFY_FLAG" val="#wm#"/>
-</p:tagLst>
-</file>
-
-<file path=ppt/tags/tag53.xml><?xml version="1.0" encoding="utf-8"?>
-<p:tagLst xmlns:p="http://schemas.openxmlformats.org/presentationml/2006/main">
-  <p:tag name="KSO_WM_UNIT_HIGHLIGHT" val="0"/>
-  <p:tag name="KSO_WM_UNIT_COMPATIBLE" val="0"/>
-  <p:tag name="KSO_WM_UNIT_DIAGRAM_ISNUMVISUAL" val="0"/>
-  <p:tag name="KSO_WM_UNIT_DIAGRAM_ISREFERUNIT" val="0"/>
-  <p:tag name="KSO_WM_UNIT_ID" val="_11**"/>
-  <p:tag name="KSO_WM_UNIT_LAYERLEVEL" val="1"/>
-  <p:tag name="KSO_WM_TAG_VERSION" val="1.0"/>
-  <p:tag name="KSO_WM_BEAUTIFY_FLAG" val="#wm#"/>
-</p:tagLst>
-</file>
-
-<file path=ppt/tags/tag54.xml><?xml version="1.0" encoding="utf-8"?>
-<p:tagLst xmlns:p="http://schemas.openxmlformats.org/presentationml/2006/main">
-  <p:tag name="KSO_WM_UNIT_HIGHLIGHT" val="0"/>
-  <p:tag name="KSO_WM_UNIT_COMPATIBLE" val="0"/>
-  <p:tag name="KSO_WM_UNIT_DIAGRAM_ISNUMVISUAL" val="0"/>
-  <p:tag name="KSO_WM_UNIT_DIAGRAM_ISREFERUNIT" val="0"/>
-  <p:tag name="KSO_WM_UNIT_ID" val="_11**"/>
-  <p:tag name="KSO_WM_UNIT_LAYERLEVEL" val="1"/>
-  <p:tag name="KSO_WM_TAG_VERSION" val="1.0"/>
-  <p:tag name="KSO_WM_BEAUTIFY_FLAG" val="#wm#"/>
-</p:tagLst>
-</file>
-
-<file path=ppt/tags/tag55.xml><?xml version="1.0" encoding="utf-8"?>
-<p:tagLst xmlns:p="http://schemas.openxmlformats.org/presentationml/2006/main">
-  <p:tag name="KSO_WM_UNIT_HIGHLIGHT" val="0"/>
-  <p:tag name="KSO_WM_UNIT_COMPATIBLE" val="0"/>
-  <p:tag name="KSO_WM_UNIT_DIAGRAM_ISNUMVISUAL" val="0"/>
-  <p:tag name="KSO_WM_UNIT_DIAGRAM_ISREFERUNIT" val="0"/>
-  <p:tag name="KSO_WM_UNIT_ID" val="_11**"/>
-  <p:tag name="KSO_WM_UNIT_LAYERLEVEL" val="1"/>
-  <p:tag name="KSO_WM_TAG_VERSION" val="1.0"/>
-  <p:tag name="KSO_WM_BEAUTIFY_FLAG" val="#wm#"/>
-</p:tagLst>
-</file>
-
-<file path=ppt/tags/tag56.xml><?xml version="1.0" encoding="utf-8"?>
-<p:tagLst xmlns:p="http://schemas.openxmlformats.org/presentationml/2006/main">
+<p:tagLst xmlns:a="http://schemas.openxmlformats.org/drawingml/2006/main" xmlns:r="http://schemas.openxmlformats.org/officeDocument/2006/relationships" xmlns:p="http://schemas.openxmlformats.org/presentationml/2006/main">
   <p:tag name="KSO_WM_UNIT_HIGHLIGHT" val="0"/>
   <p:tag name="KSO_WM_UNIT_COMPATIBLE" val="0"/>
   <p:tag name="KSO_WM_UNIT_DIAGRAM_ISNUMVISUAL" val="0"/>
@@ -6027,8 +6065,138 @@
 </p:tagLst>
 </file>
 
-<file path=ppt/tags/tag57.xml><?xml version="1.0" encoding="utf-8"?>
-<p:tagLst xmlns:p="http://schemas.openxmlformats.org/presentationml/2006/main">
+<file path=ppt/tags/tag10.xml><?xml version="1.0" encoding="utf-8"?>
+<p:tagLst xmlns:a="http://schemas.openxmlformats.org/drawingml/2006/main" xmlns:r="http://schemas.openxmlformats.org/officeDocument/2006/relationships" xmlns:p="http://schemas.openxmlformats.org/presentationml/2006/main">
+  <p:tag name="KSO_WM_UNIT_HIGHLIGHT" val="0"/>
+  <p:tag name="KSO_WM_UNIT_COMPATIBLE" val="0"/>
+  <p:tag name="KSO_WM_UNIT_DIAGRAM_ISNUMVISUAL" val="0"/>
+  <p:tag name="KSO_WM_UNIT_DIAGRAM_ISREFERUNIT" val="0"/>
+  <p:tag name="KSO_WM_UNIT_ID" val="_1**"/>
+  <p:tag name="KSO_WM_UNIT_LAYERLEVEL" val="1"/>
+  <p:tag name="KSO_WM_TAG_VERSION" val="1.0"/>
+  <p:tag name="KSO_WM_BEAUTIFY_FLAG" val="#wm#"/>
+</p:tagLst>
+</file>
+
+<file path=ppt/tags/tag11.xml><?xml version="1.0" encoding="utf-8"?>
+<p:tagLst xmlns:a="http://schemas.openxmlformats.org/drawingml/2006/main" xmlns:r="http://schemas.openxmlformats.org/officeDocument/2006/relationships" xmlns:p="http://schemas.openxmlformats.org/presentationml/2006/main">
+  <p:tag name="KSO_WM_UNIT_HIGHLIGHT" val="0"/>
+  <p:tag name="KSO_WM_UNIT_COMPATIBLE" val="0"/>
+  <p:tag name="KSO_WM_UNIT_DIAGRAM_ISNUMVISUAL" val="0"/>
+  <p:tag name="KSO_WM_UNIT_DIAGRAM_ISREFERUNIT" val="0"/>
+  <p:tag name="KSO_WM_UNIT_ID" val="_1**"/>
+  <p:tag name="KSO_WM_UNIT_LAYERLEVEL" val="1"/>
+  <p:tag name="KSO_WM_TAG_VERSION" val="1.0"/>
+  <p:tag name="KSO_WM_BEAUTIFY_FLAG" val="#wm#"/>
+</p:tagLst>
+</file>
+
+<file path=ppt/tags/tag12.xml><?xml version="1.0" encoding="utf-8"?>
+<p:tagLst xmlns:a="http://schemas.openxmlformats.org/drawingml/2006/main" xmlns:r="http://schemas.openxmlformats.org/officeDocument/2006/relationships" xmlns:p="http://schemas.openxmlformats.org/presentationml/2006/main">
+  <p:tag name="KSO_WM_UNIT_HIGHLIGHT" val="0"/>
+  <p:tag name="KSO_WM_UNIT_COMPATIBLE" val="0"/>
+  <p:tag name="KSO_WM_UNIT_DIAGRAM_ISNUMVISUAL" val="0"/>
+  <p:tag name="KSO_WM_UNIT_DIAGRAM_ISREFERUNIT" val="0"/>
+  <p:tag name="KSO_WM_UNIT_ID" val="_2**"/>
+  <p:tag name="KSO_WM_UNIT_LAYERLEVEL" val="1"/>
+  <p:tag name="KSO_WM_TAG_VERSION" val="1.0"/>
+  <p:tag name="KSO_WM_BEAUTIFY_FLAG" val="#wm#"/>
+</p:tagLst>
+</file>
+
+<file path=ppt/tags/tag13.xml><?xml version="1.0" encoding="utf-8"?>
+<p:tagLst xmlns:a="http://schemas.openxmlformats.org/drawingml/2006/main" xmlns:r="http://schemas.openxmlformats.org/officeDocument/2006/relationships" xmlns:p="http://schemas.openxmlformats.org/presentationml/2006/main">
+  <p:tag name="KSO_WM_UNIT_HIGHLIGHT" val="0"/>
+  <p:tag name="KSO_WM_UNIT_COMPATIBLE" val="0"/>
+  <p:tag name="KSO_WM_UNIT_DIAGRAM_ISNUMVISUAL" val="0"/>
+  <p:tag name="KSO_WM_UNIT_DIAGRAM_ISREFERUNIT" val="0"/>
+  <p:tag name="KSO_WM_UNIT_ID" val="_2**"/>
+  <p:tag name="KSO_WM_UNIT_LAYERLEVEL" val="1"/>
+  <p:tag name="KSO_WM_TAG_VERSION" val="1.0"/>
+  <p:tag name="KSO_WM_BEAUTIFY_FLAG" val="#wm#"/>
+</p:tagLst>
+</file>
+
+<file path=ppt/tags/tag14.xml><?xml version="1.0" encoding="utf-8"?>
+<p:tagLst xmlns:a="http://schemas.openxmlformats.org/drawingml/2006/main" xmlns:r="http://schemas.openxmlformats.org/officeDocument/2006/relationships" xmlns:p="http://schemas.openxmlformats.org/presentationml/2006/main">
+  <p:tag name="KSO_WM_UNIT_HIGHLIGHT" val="0"/>
+  <p:tag name="KSO_WM_UNIT_COMPATIBLE" val="0"/>
+  <p:tag name="KSO_WM_UNIT_DIAGRAM_ISNUMVISUAL" val="0"/>
+  <p:tag name="KSO_WM_UNIT_DIAGRAM_ISREFERUNIT" val="0"/>
+  <p:tag name="KSO_WM_UNIT_ID" val="_2**"/>
+  <p:tag name="KSO_WM_UNIT_LAYERLEVEL" val="1"/>
+  <p:tag name="KSO_WM_TAG_VERSION" val="1.0"/>
+  <p:tag name="KSO_WM_BEAUTIFY_FLAG" val="#wm#"/>
+</p:tagLst>
+</file>
+
+<file path=ppt/tags/tag15.xml><?xml version="1.0" encoding="utf-8"?>
+<p:tagLst xmlns:a="http://schemas.openxmlformats.org/drawingml/2006/main" xmlns:r="http://schemas.openxmlformats.org/officeDocument/2006/relationships" xmlns:p="http://schemas.openxmlformats.org/presentationml/2006/main">
+  <p:tag name="KSO_WM_UNIT_HIGHLIGHT" val="0"/>
+  <p:tag name="KSO_WM_UNIT_COMPATIBLE" val="0"/>
+  <p:tag name="KSO_WM_UNIT_DIAGRAM_ISNUMVISUAL" val="0"/>
+  <p:tag name="KSO_WM_UNIT_DIAGRAM_ISREFERUNIT" val="0"/>
+  <p:tag name="KSO_WM_UNIT_ID" val="_2**"/>
+  <p:tag name="KSO_WM_UNIT_LAYERLEVEL" val="1"/>
+  <p:tag name="KSO_WM_TAG_VERSION" val="1.0"/>
+  <p:tag name="KSO_WM_BEAUTIFY_FLAG" val="#wm#"/>
+</p:tagLst>
+</file>
+
+<file path=ppt/tags/tag16.xml><?xml version="1.0" encoding="utf-8"?>
+<p:tagLst xmlns:a="http://schemas.openxmlformats.org/drawingml/2006/main" xmlns:r="http://schemas.openxmlformats.org/officeDocument/2006/relationships" xmlns:p="http://schemas.openxmlformats.org/presentationml/2006/main">
+  <p:tag name="KSO_WM_UNIT_HIGHLIGHT" val="0"/>
+  <p:tag name="KSO_WM_UNIT_COMPATIBLE" val="0"/>
+  <p:tag name="KSO_WM_UNIT_DIAGRAM_ISNUMVISUAL" val="0"/>
+  <p:tag name="KSO_WM_UNIT_DIAGRAM_ISREFERUNIT" val="0"/>
+  <p:tag name="KSO_WM_UNIT_ID" val="_2**"/>
+  <p:tag name="KSO_WM_UNIT_LAYERLEVEL" val="1"/>
+  <p:tag name="KSO_WM_TAG_VERSION" val="1.0"/>
+  <p:tag name="KSO_WM_BEAUTIFY_FLAG" val="#wm#"/>
+</p:tagLst>
+</file>
+
+<file path=ppt/tags/tag17.xml><?xml version="1.0" encoding="utf-8"?>
+<p:tagLst xmlns:a="http://schemas.openxmlformats.org/drawingml/2006/main" xmlns:r="http://schemas.openxmlformats.org/officeDocument/2006/relationships" xmlns:p="http://schemas.openxmlformats.org/presentationml/2006/main">
+  <p:tag name="KSO_WM_UNIT_HIGHLIGHT" val="0"/>
+  <p:tag name="KSO_WM_UNIT_COMPATIBLE" val="0"/>
+  <p:tag name="KSO_WM_UNIT_DIAGRAM_ISNUMVISUAL" val="0"/>
+  <p:tag name="KSO_WM_UNIT_DIAGRAM_ISREFERUNIT" val="0"/>
+  <p:tag name="KSO_WM_UNIT_ID" val="_3**"/>
+  <p:tag name="KSO_WM_UNIT_LAYERLEVEL" val="1"/>
+  <p:tag name="KSO_WM_TAG_VERSION" val="1.0"/>
+  <p:tag name="KSO_WM_BEAUTIFY_FLAG" val="#wm#"/>
+</p:tagLst>
+</file>
+
+<file path=ppt/tags/tag18.xml><?xml version="1.0" encoding="utf-8"?>
+<p:tagLst xmlns:a="http://schemas.openxmlformats.org/drawingml/2006/main" xmlns:r="http://schemas.openxmlformats.org/officeDocument/2006/relationships" xmlns:p="http://schemas.openxmlformats.org/presentationml/2006/main">
+  <p:tag name="KSO_WM_UNIT_HIGHLIGHT" val="0"/>
+  <p:tag name="KSO_WM_UNIT_COMPATIBLE" val="0"/>
+  <p:tag name="KSO_WM_UNIT_DIAGRAM_ISNUMVISUAL" val="0"/>
+  <p:tag name="KSO_WM_UNIT_DIAGRAM_ISREFERUNIT" val="0"/>
+  <p:tag name="KSO_WM_UNIT_ID" val="_3**"/>
+  <p:tag name="KSO_WM_UNIT_LAYERLEVEL" val="1"/>
+  <p:tag name="KSO_WM_TAG_VERSION" val="1.0"/>
+  <p:tag name="KSO_WM_BEAUTIFY_FLAG" val="#wm#"/>
+</p:tagLst>
+</file>
+
+<file path=ppt/tags/tag19.xml><?xml version="1.0" encoding="utf-8"?>
+<p:tagLst xmlns:a="http://schemas.openxmlformats.org/drawingml/2006/main" xmlns:r="http://schemas.openxmlformats.org/officeDocument/2006/relationships" xmlns:p="http://schemas.openxmlformats.org/presentationml/2006/main">
+  <p:tag name="KSO_WM_UNIT_HIGHLIGHT" val="0"/>
+  <p:tag name="KSO_WM_UNIT_COMPATIBLE" val="0"/>
+  <p:tag name="KSO_WM_UNIT_DIAGRAM_ISNUMVISUAL" val="0"/>
+  <p:tag name="KSO_WM_UNIT_DIAGRAM_ISREFERUNIT" val="0"/>
+  <p:tag name="KSO_WM_UNIT_ID" val="_3**"/>
+  <p:tag name="KSO_WM_UNIT_LAYERLEVEL" val="1"/>
+  <p:tag name="KSO_WM_TAG_VERSION" val="1.0"/>
+  <p:tag name="KSO_WM_BEAUTIFY_FLAG" val="#wm#"/>
+</p:tagLst>
+</file>
+
+<file path=ppt/tags/tag2.xml><?xml version="1.0" encoding="utf-8"?>
+<p:tagLst xmlns:a="http://schemas.openxmlformats.org/drawingml/2006/main" xmlns:r="http://schemas.openxmlformats.org/officeDocument/2006/relationships" xmlns:p="http://schemas.openxmlformats.org/presentationml/2006/main">
   <p:tag name="KSO_WM_UNIT_HIGHLIGHT" val="0"/>
   <p:tag name="KSO_WM_UNIT_COMPATIBLE" val="0"/>
   <p:tag name="KSO_WM_UNIT_DIAGRAM_ISNUMVISUAL" val="0"/>
@@ -6042,8 +6210,138 @@
 </p:tagLst>
 </file>
 
-<file path=ppt/tags/tag58.xml><?xml version="1.0" encoding="utf-8"?>
-<p:tagLst xmlns:p="http://schemas.openxmlformats.org/presentationml/2006/main">
+<file path=ppt/tags/tag20.xml><?xml version="1.0" encoding="utf-8"?>
+<p:tagLst xmlns:a="http://schemas.openxmlformats.org/drawingml/2006/main" xmlns:r="http://schemas.openxmlformats.org/officeDocument/2006/relationships" xmlns:p="http://schemas.openxmlformats.org/presentationml/2006/main">
+  <p:tag name="KSO_WM_UNIT_HIGHLIGHT" val="0"/>
+  <p:tag name="KSO_WM_UNIT_COMPATIBLE" val="0"/>
+  <p:tag name="KSO_WM_UNIT_DIAGRAM_ISNUMVISUAL" val="0"/>
+  <p:tag name="KSO_WM_UNIT_DIAGRAM_ISREFERUNIT" val="0"/>
+  <p:tag name="KSO_WM_UNIT_ID" val="_3**"/>
+  <p:tag name="KSO_WM_UNIT_LAYERLEVEL" val="1"/>
+  <p:tag name="KSO_WM_TAG_VERSION" val="1.0"/>
+  <p:tag name="KSO_WM_BEAUTIFY_FLAG" val="#wm#"/>
+</p:tagLst>
+</file>
+
+<file path=ppt/tags/tag21.xml><?xml version="1.0" encoding="utf-8"?>
+<p:tagLst xmlns:a="http://schemas.openxmlformats.org/drawingml/2006/main" xmlns:r="http://schemas.openxmlformats.org/officeDocument/2006/relationships" xmlns:p="http://schemas.openxmlformats.org/presentationml/2006/main">
+  <p:tag name="KSO_WM_UNIT_HIGHLIGHT" val="0"/>
+  <p:tag name="KSO_WM_UNIT_COMPATIBLE" val="0"/>
+  <p:tag name="KSO_WM_UNIT_DIAGRAM_ISNUMVISUAL" val="0"/>
+  <p:tag name="KSO_WM_UNIT_DIAGRAM_ISREFERUNIT" val="0"/>
+  <p:tag name="KSO_WM_UNIT_ID" val="_3**"/>
+  <p:tag name="KSO_WM_UNIT_LAYERLEVEL" val="1"/>
+  <p:tag name="KSO_WM_TAG_VERSION" val="1.0"/>
+  <p:tag name="KSO_WM_BEAUTIFY_FLAG" val="#wm#"/>
+</p:tagLst>
+</file>
+
+<file path=ppt/tags/tag22.xml><?xml version="1.0" encoding="utf-8"?>
+<p:tagLst xmlns:a="http://schemas.openxmlformats.org/drawingml/2006/main" xmlns:r="http://schemas.openxmlformats.org/officeDocument/2006/relationships" xmlns:p="http://schemas.openxmlformats.org/presentationml/2006/main">
+  <p:tag name="KSO_WM_UNIT_HIGHLIGHT" val="0"/>
+  <p:tag name="KSO_WM_UNIT_COMPATIBLE" val="0"/>
+  <p:tag name="KSO_WM_UNIT_DIAGRAM_ISNUMVISUAL" val="0"/>
+  <p:tag name="KSO_WM_UNIT_DIAGRAM_ISREFERUNIT" val="0"/>
+  <p:tag name="KSO_WM_UNIT_ID" val="_4**"/>
+  <p:tag name="KSO_WM_UNIT_LAYERLEVEL" val="1"/>
+  <p:tag name="KSO_WM_TAG_VERSION" val="1.0"/>
+  <p:tag name="KSO_WM_BEAUTIFY_FLAG" val="#wm#"/>
+</p:tagLst>
+</file>
+
+<file path=ppt/tags/tag23.xml><?xml version="1.0" encoding="utf-8"?>
+<p:tagLst xmlns:a="http://schemas.openxmlformats.org/drawingml/2006/main" xmlns:r="http://schemas.openxmlformats.org/officeDocument/2006/relationships" xmlns:p="http://schemas.openxmlformats.org/presentationml/2006/main">
+  <p:tag name="KSO_WM_UNIT_HIGHLIGHT" val="0"/>
+  <p:tag name="KSO_WM_UNIT_COMPATIBLE" val="0"/>
+  <p:tag name="KSO_WM_UNIT_DIAGRAM_ISNUMVISUAL" val="0"/>
+  <p:tag name="KSO_WM_UNIT_DIAGRAM_ISREFERUNIT" val="0"/>
+  <p:tag name="KSO_WM_UNIT_ID" val="_4**"/>
+  <p:tag name="KSO_WM_UNIT_LAYERLEVEL" val="1"/>
+  <p:tag name="KSO_WM_TAG_VERSION" val="1.0"/>
+  <p:tag name="KSO_WM_BEAUTIFY_FLAG" val="#wm#"/>
+</p:tagLst>
+</file>
+
+<file path=ppt/tags/tag24.xml><?xml version="1.0" encoding="utf-8"?>
+<p:tagLst xmlns:a="http://schemas.openxmlformats.org/drawingml/2006/main" xmlns:r="http://schemas.openxmlformats.org/officeDocument/2006/relationships" xmlns:p="http://schemas.openxmlformats.org/presentationml/2006/main">
+  <p:tag name="KSO_WM_UNIT_HIGHLIGHT" val="0"/>
+  <p:tag name="KSO_WM_UNIT_COMPATIBLE" val="0"/>
+  <p:tag name="KSO_WM_UNIT_DIAGRAM_ISNUMVISUAL" val="0"/>
+  <p:tag name="KSO_WM_UNIT_DIAGRAM_ISREFERUNIT" val="0"/>
+  <p:tag name="KSO_WM_UNIT_ID" val="_4**"/>
+  <p:tag name="KSO_WM_UNIT_LAYERLEVEL" val="1"/>
+  <p:tag name="KSO_WM_TAG_VERSION" val="1.0"/>
+  <p:tag name="KSO_WM_BEAUTIFY_FLAG" val="#wm#"/>
+</p:tagLst>
+</file>
+
+<file path=ppt/tags/tag25.xml><?xml version="1.0" encoding="utf-8"?>
+<p:tagLst xmlns:a="http://schemas.openxmlformats.org/drawingml/2006/main" xmlns:r="http://schemas.openxmlformats.org/officeDocument/2006/relationships" xmlns:p="http://schemas.openxmlformats.org/presentationml/2006/main">
+  <p:tag name="KSO_WM_UNIT_HIGHLIGHT" val="0"/>
+  <p:tag name="KSO_WM_UNIT_COMPATIBLE" val="0"/>
+  <p:tag name="KSO_WM_UNIT_DIAGRAM_ISNUMVISUAL" val="0"/>
+  <p:tag name="KSO_WM_UNIT_DIAGRAM_ISREFERUNIT" val="0"/>
+  <p:tag name="KSO_WM_UNIT_ID" val="_4**"/>
+  <p:tag name="KSO_WM_UNIT_LAYERLEVEL" val="1"/>
+  <p:tag name="KSO_WM_TAG_VERSION" val="1.0"/>
+  <p:tag name="KSO_WM_BEAUTIFY_FLAG" val="#wm#"/>
+</p:tagLst>
+</file>
+
+<file path=ppt/tags/tag26.xml><?xml version="1.0" encoding="utf-8"?>
+<p:tagLst xmlns:a="http://schemas.openxmlformats.org/drawingml/2006/main" xmlns:r="http://schemas.openxmlformats.org/officeDocument/2006/relationships" xmlns:p="http://schemas.openxmlformats.org/presentationml/2006/main">
+  <p:tag name="KSO_WM_UNIT_HIGHLIGHT" val="0"/>
+  <p:tag name="KSO_WM_UNIT_COMPATIBLE" val="0"/>
+  <p:tag name="KSO_WM_UNIT_DIAGRAM_ISNUMVISUAL" val="0"/>
+  <p:tag name="KSO_WM_UNIT_DIAGRAM_ISREFERUNIT" val="0"/>
+  <p:tag name="KSO_WM_UNIT_ID" val="_4**"/>
+  <p:tag name="KSO_WM_UNIT_LAYERLEVEL" val="1"/>
+  <p:tag name="KSO_WM_TAG_VERSION" val="1.0"/>
+  <p:tag name="KSO_WM_BEAUTIFY_FLAG" val="#wm#"/>
+</p:tagLst>
+</file>
+
+<file path=ppt/tags/tag27.xml><?xml version="1.0" encoding="utf-8"?>
+<p:tagLst xmlns:a="http://schemas.openxmlformats.org/drawingml/2006/main" xmlns:r="http://schemas.openxmlformats.org/officeDocument/2006/relationships" xmlns:p="http://schemas.openxmlformats.org/presentationml/2006/main">
+  <p:tag name="KSO_WM_UNIT_HIGHLIGHT" val="0"/>
+  <p:tag name="KSO_WM_UNIT_COMPATIBLE" val="0"/>
+  <p:tag name="KSO_WM_UNIT_DIAGRAM_ISNUMVISUAL" val="0"/>
+  <p:tag name="KSO_WM_UNIT_DIAGRAM_ISREFERUNIT" val="0"/>
+  <p:tag name="KSO_WM_UNIT_ID" val="_4**"/>
+  <p:tag name="KSO_WM_UNIT_LAYERLEVEL" val="1"/>
+  <p:tag name="KSO_WM_TAG_VERSION" val="1.0"/>
+  <p:tag name="KSO_WM_BEAUTIFY_FLAG" val="#wm#"/>
+</p:tagLst>
+</file>
+
+<file path=ppt/tags/tag28.xml><?xml version="1.0" encoding="utf-8"?>
+<p:tagLst xmlns:a="http://schemas.openxmlformats.org/drawingml/2006/main" xmlns:r="http://schemas.openxmlformats.org/officeDocument/2006/relationships" xmlns:p="http://schemas.openxmlformats.org/presentationml/2006/main">
+  <p:tag name="KSO_WM_UNIT_HIGHLIGHT" val="0"/>
+  <p:tag name="KSO_WM_UNIT_COMPATIBLE" val="0"/>
+  <p:tag name="KSO_WM_UNIT_DIAGRAM_ISNUMVISUAL" val="0"/>
+  <p:tag name="KSO_WM_UNIT_DIAGRAM_ISREFERUNIT" val="0"/>
+  <p:tag name="KSO_WM_UNIT_ID" val="_5**"/>
+  <p:tag name="KSO_WM_UNIT_LAYERLEVEL" val="1"/>
+  <p:tag name="KSO_WM_TAG_VERSION" val="1.0"/>
+  <p:tag name="KSO_WM_BEAUTIFY_FLAG" val="#wm#"/>
+</p:tagLst>
+</file>
+
+<file path=ppt/tags/tag29.xml><?xml version="1.0" encoding="utf-8"?>
+<p:tagLst xmlns:a="http://schemas.openxmlformats.org/drawingml/2006/main" xmlns:r="http://schemas.openxmlformats.org/officeDocument/2006/relationships" xmlns:p="http://schemas.openxmlformats.org/presentationml/2006/main">
+  <p:tag name="KSO_WM_UNIT_HIGHLIGHT" val="0"/>
+  <p:tag name="KSO_WM_UNIT_COMPATIBLE" val="0"/>
+  <p:tag name="KSO_WM_UNIT_DIAGRAM_ISNUMVISUAL" val="0"/>
+  <p:tag name="KSO_WM_UNIT_DIAGRAM_ISREFERUNIT" val="0"/>
+  <p:tag name="KSO_WM_UNIT_ID" val="_5**"/>
+  <p:tag name="KSO_WM_UNIT_LAYERLEVEL" val="1"/>
+  <p:tag name="KSO_WM_TAG_VERSION" val="1.0"/>
+  <p:tag name="KSO_WM_BEAUTIFY_FLAG" val="#wm#"/>
+</p:tagLst>
+</file>
+
+<file path=ppt/tags/tag3.xml><?xml version="1.0" encoding="utf-8"?>
+<p:tagLst xmlns:a="http://schemas.openxmlformats.org/drawingml/2006/main" xmlns:r="http://schemas.openxmlformats.org/officeDocument/2006/relationships" xmlns:p="http://schemas.openxmlformats.org/presentationml/2006/main">
   <p:tag name="KSO_WM_UNIT_HIGHLIGHT" val="0"/>
   <p:tag name="KSO_WM_UNIT_COMPATIBLE" val="0"/>
   <p:tag name="KSO_WM_UNIT_DIAGRAM_ISNUMVISUAL" val="0"/>
@@ -6055,8 +6353,138 @@
 </p:tagLst>
 </file>
 
-<file path=ppt/tags/tag59.xml><?xml version="1.0" encoding="utf-8"?>
-<p:tagLst xmlns:p="http://schemas.openxmlformats.org/presentationml/2006/main">
+<file path=ppt/tags/tag30.xml><?xml version="1.0" encoding="utf-8"?>
+<p:tagLst xmlns:a="http://schemas.openxmlformats.org/drawingml/2006/main" xmlns:r="http://schemas.openxmlformats.org/officeDocument/2006/relationships" xmlns:p="http://schemas.openxmlformats.org/presentationml/2006/main">
+  <p:tag name="KSO_WM_UNIT_HIGHLIGHT" val="0"/>
+  <p:tag name="KSO_WM_UNIT_COMPATIBLE" val="0"/>
+  <p:tag name="KSO_WM_UNIT_DIAGRAM_ISNUMVISUAL" val="0"/>
+  <p:tag name="KSO_WM_UNIT_DIAGRAM_ISREFERUNIT" val="0"/>
+  <p:tag name="KSO_WM_UNIT_ID" val="_5**"/>
+  <p:tag name="KSO_WM_UNIT_LAYERLEVEL" val="1"/>
+  <p:tag name="KSO_WM_TAG_VERSION" val="1.0"/>
+  <p:tag name="KSO_WM_BEAUTIFY_FLAG" val="#wm#"/>
+</p:tagLst>
+</file>
+
+<file path=ppt/tags/tag31.xml><?xml version="1.0" encoding="utf-8"?>
+<p:tagLst xmlns:a="http://schemas.openxmlformats.org/drawingml/2006/main" xmlns:r="http://schemas.openxmlformats.org/officeDocument/2006/relationships" xmlns:p="http://schemas.openxmlformats.org/presentationml/2006/main">
+  <p:tag name="KSO_WM_UNIT_HIGHLIGHT" val="0"/>
+  <p:tag name="KSO_WM_UNIT_COMPATIBLE" val="0"/>
+  <p:tag name="KSO_WM_UNIT_DIAGRAM_ISNUMVISUAL" val="0"/>
+  <p:tag name="KSO_WM_UNIT_DIAGRAM_ISREFERUNIT" val="0"/>
+  <p:tag name="KSO_WM_UNIT_ID" val="_5**"/>
+  <p:tag name="KSO_WM_UNIT_LAYERLEVEL" val="1"/>
+  <p:tag name="KSO_WM_TAG_VERSION" val="1.0"/>
+  <p:tag name="KSO_WM_BEAUTIFY_FLAG" val="#wm#"/>
+</p:tagLst>
+</file>
+
+<file path=ppt/tags/tag32.xml><?xml version="1.0" encoding="utf-8"?>
+<p:tagLst xmlns:a="http://schemas.openxmlformats.org/drawingml/2006/main" xmlns:r="http://schemas.openxmlformats.org/officeDocument/2006/relationships" xmlns:p="http://schemas.openxmlformats.org/presentationml/2006/main">
+  <p:tag name="KSO_WM_UNIT_HIGHLIGHT" val="0"/>
+  <p:tag name="KSO_WM_UNIT_COMPATIBLE" val="0"/>
+  <p:tag name="KSO_WM_UNIT_DIAGRAM_ISNUMVISUAL" val="0"/>
+  <p:tag name="KSO_WM_UNIT_DIAGRAM_ISREFERUNIT" val="0"/>
+  <p:tag name="KSO_WM_UNIT_ID" val="_5**"/>
+  <p:tag name="KSO_WM_UNIT_LAYERLEVEL" val="1"/>
+  <p:tag name="KSO_WM_TAG_VERSION" val="1.0"/>
+  <p:tag name="KSO_WM_BEAUTIFY_FLAG" val="#wm#"/>
+</p:tagLst>
+</file>
+
+<file path=ppt/tags/tag33.xml><?xml version="1.0" encoding="utf-8"?>
+<p:tagLst xmlns:a="http://schemas.openxmlformats.org/drawingml/2006/main" xmlns:r="http://schemas.openxmlformats.org/officeDocument/2006/relationships" xmlns:p="http://schemas.openxmlformats.org/presentationml/2006/main">
+  <p:tag name="KSO_WM_UNIT_HIGHLIGHT" val="0"/>
+  <p:tag name="KSO_WM_UNIT_COMPATIBLE" val="0"/>
+  <p:tag name="KSO_WM_UNIT_DIAGRAM_ISNUMVISUAL" val="0"/>
+  <p:tag name="KSO_WM_UNIT_DIAGRAM_ISREFERUNIT" val="0"/>
+  <p:tag name="KSO_WM_UNIT_ID" val="_5**"/>
+  <p:tag name="KSO_WM_UNIT_LAYERLEVEL" val="1"/>
+  <p:tag name="KSO_WM_TAG_VERSION" val="1.0"/>
+  <p:tag name="KSO_WM_BEAUTIFY_FLAG" val="#wm#"/>
+</p:tagLst>
+</file>
+
+<file path=ppt/tags/tag34.xml><?xml version="1.0" encoding="utf-8"?>
+<p:tagLst xmlns:a="http://schemas.openxmlformats.org/drawingml/2006/main" xmlns:r="http://schemas.openxmlformats.org/officeDocument/2006/relationships" xmlns:p="http://schemas.openxmlformats.org/presentationml/2006/main">
+  <p:tag name="KSO_WM_UNIT_HIGHLIGHT" val="0"/>
+  <p:tag name="KSO_WM_UNIT_COMPATIBLE" val="0"/>
+  <p:tag name="KSO_WM_UNIT_DIAGRAM_ISNUMVISUAL" val="0"/>
+  <p:tag name="KSO_WM_UNIT_DIAGRAM_ISREFERUNIT" val="0"/>
+  <p:tag name="KSO_WM_UNIT_ID" val="_5**"/>
+  <p:tag name="KSO_WM_UNIT_LAYERLEVEL" val="1"/>
+  <p:tag name="KSO_WM_TAG_VERSION" val="1.0"/>
+  <p:tag name="KSO_WM_BEAUTIFY_FLAG" val="#wm#"/>
+</p:tagLst>
+</file>
+
+<file path=ppt/tags/tag35.xml><?xml version="1.0" encoding="utf-8"?>
+<p:tagLst xmlns:a="http://schemas.openxmlformats.org/drawingml/2006/main" xmlns:r="http://schemas.openxmlformats.org/officeDocument/2006/relationships" xmlns:p="http://schemas.openxmlformats.org/presentationml/2006/main">
+  <p:tag name="KSO_WM_UNIT_HIGHLIGHT" val="0"/>
+  <p:tag name="KSO_WM_UNIT_COMPATIBLE" val="0"/>
+  <p:tag name="KSO_WM_UNIT_DIAGRAM_ISNUMVISUAL" val="0"/>
+  <p:tag name="KSO_WM_UNIT_DIAGRAM_ISREFERUNIT" val="0"/>
+  <p:tag name="KSO_WM_UNIT_ID" val="_5**"/>
+  <p:tag name="KSO_WM_UNIT_LAYERLEVEL" val="1"/>
+  <p:tag name="KSO_WM_TAG_VERSION" val="1.0"/>
+  <p:tag name="KSO_WM_BEAUTIFY_FLAG" val="#wm#"/>
+</p:tagLst>
+</file>
+
+<file path=ppt/tags/tag36.xml><?xml version="1.0" encoding="utf-8"?>
+<p:tagLst xmlns:a="http://schemas.openxmlformats.org/drawingml/2006/main" xmlns:r="http://schemas.openxmlformats.org/officeDocument/2006/relationships" xmlns:p="http://schemas.openxmlformats.org/presentationml/2006/main">
+  <p:tag name="KSO_WM_UNIT_HIGHLIGHT" val="0"/>
+  <p:tag name="KSO_WM_UNIT_COMPATIBLE" val="0"/>
+  <p:tag name="KSO_WM_UNIT_DIAGRAM_ISNUMVISUAL" val="0"/>
+  <p:tag name="KSO_WM_UNIT_DIAGRAM_ISREFERUNIT" val="0"/>
+  <p:tag name="KSO_WM_UNIT_ID" val="_6**"/>
+  <p:tag name="KSO_WM_UNIT_LAYERLEVEL" val="1"/>
+  <p:tag name="KSO_WM_TAG_VERSION" val="1.0"/>
+  <p:tag name="KSO_WM_BEAUTIFY_FLAG" val="#wm#"/>
+</p:tagLst>
+</file>
+
+<file path=ppt/tags/tag37.xml><?xml version="1.0" encoding="utf-8"?>
+<p:tagLst xmlns:a="http://schemas.openxmlformats.org/drawingml/2006/main" xmlns:r="http://schemas.openxmlformats.org/officeDocument/2006/relationships" xmlns:p="http://schemas.openxmlformats.org/presentationml/2006/main">
+  <p:tag name="KSO_WM_UNIT_HIGHLIGHT" val="0"/>
+  <p:tag name="KSO_WM_UNIT_COMPATIBLE" val="0"/>
+  <p:tag name="KSO_WM_UNIT_DIAGRAM_ISNUMVISUAL" val="0"/>
+  <p:tag name="KSO_WM_UNIT_DIAGRAM_ISREFERUNIT" val="0"/>
+  <p:tag name="KSO_WM_UNIT_ID" val="_6**"/>
+  <p:tag name="KSO_WM_UNIT_LAYERLEVEL" val="1"/>
+  <p:tag name="KSO_WM_TAG_VERSION" val="1.0"/>
+  <p:tag name="KSO_WM_BEAUTIFY_FLAG" val="#wm#"/>
+</p:tagLst>
+</file>
+
+<file path=ppt/tags/tag38.xml><?xml version="1.0" encoding="utf-8"?>
+<p:tagLst xmlns:a="http://schemas.openxmlformats.org/drawingml/2006/main" xmlns:r="http://schemas.openxmlformats.org/officeDocument/2006/relationships" xmlns:p="http://schemas.openxmlformats.org/presentationml/2006/main">
+  <p:tag name="KSO_WM_UNIT_HIGHLIGHT" val="0"/>
+  <p:tag name="KSO_WM_UNIT_COMPATIBLE" val="0"/>
+  <p:tag name="KSO_WM_UNIT_DIAGRAM_ISNUMVISUAL" val="0"/>
+  <p:tag name="KSO_WM_UNIT_DIAGRAM_ISREFERUNIT" val="0"/>
+  <p:tag name="KSO_WM_UNIT_ID" val="_6**"/>
+  <p:tag name="KSO_WM_UNIT_LAYERLEVEL" val="1"/>
+  <p:tag name="KSO_WM_TAG_VERSION" val="1.0"/>
+  <p:tag name="KSO_WM_BEAUTIFY_FLAG" val="#wm#"/>
+</p:tagLst>
+</file>
+
+<file path=ppt/tags/tag39.xml><?xml version="1.0" encoding="utf-8"?>
+<p:tagLst xmlns:a="http://schemas.openxmlformats.org/drawingml/2006/main" xmlns:r="http://schemas.openxmlformats.org/officeDocument/2006/relationships" xmlns:p="http://schemas.openxmlformats.org/presentationml/2006/main">
+  <p:tag name="KSO_WM_UNIT_HIGHLIGHT" val="0"/>
+  <p:tag name="KSO_WM_UNIT_COMPATIBLE" val="0"/>
+  <p:tag name="KSO_WM_UNIT_DIAGRAM_ISNUMVISUAL" val="0"/>
+  <p:tag name="KSO_WM_UNIT_DIAGRAM_ISREFERUNIT" val="0"/>
+  <p:tag name="KSO_WM_UNIT_ID" val="_6**"/>
+  <p:tag name="KSO_WM_UNIT_LAYERLEVEL" val="1"/>
+  <p:tag name="KSO_WM_TAG_VERSION" val="1.0"/>
+  <p:tag name="KSO_WM_BEAUTIFY_FLAG" val="#wm#"/>
+</p:tagLst>
+</file>
+
+<file path=ppt/tags/tag4.xml><?xml version="1.0" encoding="utf-8"?>
+<p:tagLst xmlns:a="http://schemas.openxmlformats.org/drawingml/2006/main" xmlns:r="http://schemas.openxmlformats.org/officeDocument/2006/relationships" xmlns:p="http://schemas.openxmlformats.org/presentationml/2006/main">
   <p:tag name="KSO_WM_UNIT_HIGHLIGHT" val="0"/>
   <p:tag name="KSO_WM_UNIT_COMPATIBLE" val="0"/>
   <p:tag name="KSO_WM_UNIT_DIAGRAM_ISNUMVISUAL" val="0"/>
@@ -6068,21 +6496,138 @@
 </p:tagLst>
 </file>
 
-<file path=ppt/tags/tag6.xml><?xml version="1.0" encoding="utf-8"?>
-<p:tagLst xmlns:p="http://schemas.openxmlformats.org/presentationml/2006/main">
+<file path=ppt/tags/tag40.xml><?xml version="1.0" encoding="utf-8"?>
+<p:tagLst xmlns:a="http://schemas.openxmlformats.org/drawingml/2006/main" xmlns:r="http://schemas.openxmlformats.org/officeDocument/2006/relationships" xmlns:p="http://schemas.openxmlformats.org/presentationml/2006/main">
   <p:tag name="KSO_WM_UNIT_HIGHLIGHT" val="0"/>
   <p:tag name="KSO_WM_UNIT_COMPATIBLE" val="0"/>
   <p:tag name="KSO_WM_UNIT_DIAGRAM_ISNUMVISUAL" val="0"/>
   <p:tag name="KSO_WM_UNIT_DIAGRAM_ISREFERUNIT" val="0"/>
-  <p:tag name="KSO_WM_UNIT_ID" val="_2**"/>
+  <p:tag name="KSO_WM_UNIT_ID" val="_7**"/>
   <p:tag name="KSO_WM_UNIT_LAYERLEVEL" val="1"/>
   <p:tag name="KSO_WM_TAG_VERSION" val="1.0"/>
   <p:tag name="KSO_WM_BEAUTIFY_FLAG" val="#wm#"/>
 </p:tagLst>
 </file>
 
-<file path=ppt/tags/tag60.xml><?xml version="1.0" encoding="utf-8"?>
-<p:tagLst xmlns:p="http://schemas.openxmlformats.org/presentationml/2006/main">
+<file path=ppt/tags/tag41.xml><?xml version="1.0" encoding="utf-8"?>
+<p:tagLst xmlns:a="http://schemas.openxmlformats.org/drawingml/2006/main" xmlns:r="http://schemas.openxmlformats.org/officeDocument/2006/relationships" xmlns:p="http://schemas.openxmlformats.org/presentationml/2006/main">
+  <p:tag name="KSO_WM_UNIT_HIGHLIGHT" val="0"/>
+  <p:tag name="KSO_WM_UNIT_COMPATIBLE" val="0"/>
+  <p:tag name="KSO_WM_UNIT_DIAGRAM_ISNUMVISUAL" val="0"/>
+  <p:tag name="KSO_WM_UNIT_DIAGRAM_ISREFERUNIT" val="0"/>
+  <p:tag name="KSO_WM_UNIT_ID" val="_7**"/>
+  <p:tag name="KSO_WM_UNIT_LAYERLEVEL" val="1"/>
+  <p:tag name="KSO_WM_TAG_VERSION" val="1.0"/>
+  <p:tag name="KSO_WM_BEAUTIFY_FLAG" val="#wm#"/>
+</p:tagLst>
+</file>
+
+<file path=ppt/tags/tag42.xml><?xml version="1.0" encoding="utf-8"?>
+<p:tagLst xmlns:a="http://schemas.openxmlformats.org/drawingml/2006/main" xmlns:r="http://schemas.openxmlformats.org/officeDocument/2006/relationships" xmlns:p="http://schemas.openxmlformats.org/presentationml/2006/main">
+  <p:tag name="KSO_WM_UNIT_HIGHLIGHT" val="0"/>
+  <p:tag name="KSO_WM_UNIT_COMPATIBLE" val="0"/>
+  <p:tag name="KSO_WM_UNIT_DIAGRAM_ISNUMVISUAL" val="0"/>
+  <p:tag name="KSO_WM_UNIT_DIAGRAM_ISREFERUNIT" val="0"/>
+  <p:tag name="KSO_WM_UNIT_ID" val="_7**"/>
+  <p:tag name="KSO_WM_UNIT_LAYERLEVEL" val="1"/>
+  <p:tag name="KSO_WM_TAG_VERSION" val="1.0"/>
+  <p:tag name="KSO_WM_BEAUTIFY_FLAG" val="#wm#"/>
+</p:tagLst>
+</file>
+
+<file path=ppt/tags/tag43.xml><?xml version="1.0" encoding="utf-8"?>
+<p:tagLst xmlns:a="http://schemas.openxmlformats.org/drawingml/2006/main" xmlns:r="http://schemas.openxmlformats.org/officeDocument/2006/relationships" xmlns:p="http://schemas.openxmlformats.org/presentationml/2006/main">
+  <p:tag name="KSO_WM_UNIT_HIGHLIGHT" val="0"/>
+  <p:tag name="KSO_WM_UNIT_COMPATIBLE" val="0"/>
+  <p:tag name="KSO_WM_UNIT_DIAGRAM_ISNUMVISUAL" val="0"/>
+  <p:tag name="KSO_WM_UNIT_DIAGRAM_ISREFERUNIT" val="0"/>
+  <p:tag name="KSO_WM_UNIT_ID" val="_8**"/>
+  <p:tag name="KSO_WM_UNIT_LAYERLEVEL" val="1"/>
+  <p:tag name="KSO_WM_TAG_VERSION" val="1.0"/>
+  <p:tag name="KSO_WM_BEAUTIFY_FLAG" val="#wm#"/>
+</p:tagLst>
+</file>
+
+<file path=ppt/tags/tag44.xml><?xml version="1.0" encoding="utf-8"?>
+<p:tagLst xmlns:a="http://schemas.openxmlformats.org/drawingml/2006/main" xmlns:r="http://schemas.openxmlformats.org/officeDocument/2006/relationships" xmlns:p="http://schemas.openxmlformats.org/presentationml/2006/main">
+  <p:tag name="KSO_WM_UNIT_HIGHLIGHT" val="0"/>
+  <p:tag name="KSO_WM_UNIT_COMPATIBLE" val="0"/>
+  <p:tag name="KSO_WM_UNIT_DIAGRAM_ISNUMVISUAL" val="0"/>
+  <p:tag name="KSO_WM_UNIT_DIAGRAM_ISREFERUNIT" val="0"/>
+  <p:tag name="KSO_WM_UNIT_ID" val="_8**"/>
+  <p:tag name="KSO_WM_UNIT_LAYERLEVEL" val="1"/>
+  <p:tag name="KSO_WM_TAG_VERSION" val="1.0"/>
+  <p:tag name="KSO_WM_BEAUTIFY_FLAG" val="#wm#"/>
+</p:tagLst>
+</file>
+
+<file path=ppt/tags/tag45.xml><?xml version="1.0" encoding="utf-8"?>
+<p:tagLst xmlns:a="http://schemas.openxmlformats.org/drawingml/2006/main" xmlns:r="http://schemas.openxmlformats.org/officeDocument/2006/relationships" xmlns:p="http://schemas.openxmlformats.org/presentationml/2006/main">
+  <p:tag name="KSO_WM_UNIT_HIGHLIGHT" val="0"/>
+  <p:tag name="KSO_WM_UNIT_COMPATIBLE" val="0"/>
+  <p:tag name="KSO_WM_UNIT_DIAGRAM_ISNUMVISUAL" val="0"/>
+  <p:tag name="KSO_WM_UNIT_DIAGRAM_ISREFERUNIT" val="0"/>
+  <p:tag name="KSO_WM_UNIT_ID" val="_8**"/>
+  <p:tag name="KSO_WM_UNIT_LAYERLEVEL" val="1"/>
+  <p:tag name="KSO_WM_TAG_VERSION" val="1.0"/>
+  <p:tag name="KSO_WM_BEAUTIFY_FLAG" val="#wm#"/>
+</p:tagLst>
+</file>
+
+<file path=ppt/tags/tag46.xml><?xml version="1.0" encoding="utf-8"?>
+<p:tagLst xmlns:a="http://schemas.openxmlformats.org/drawingml/2006/main" xmlns:r="http://schemas.openxmlformats.org/officeDocument/2006/relationships" xmlns:p="http://schemas.openxmlformats.org/presentationml/2006/main">
+  <p:tag name="KSO_WM_UNIT_HIGHLIGHT" val="0"/>
+  <p:tag name="KSO_WM_UNIT_COMPATIBLE" val="0"/>
+  <p:tag name="KSO_WM_UNIT_DIAGRAM_ISNUMVISUAL" val="0"/>
+  <p:tag name="KSO_WM_UNIT_DIAGRAM_ISREFERUNIT" val="0"/>
+  <p:tag name="KSO_WM_UNIT_ID" val="_8**"/>
+  <p:tag name="KSO_WM_UNIT_LAYERLEVEL" val="1"/>
+  <p:tag name="KSO_WM_TAG_VERSION" val="1.0"/>
+  <p:tag name="KSO_WM_BEAUTIFY_FLAG" val="#wm#"/>
+</p:tagLst>
+</file>
+
+<file path=ppt/tags/tag47.xml><?xml version="1.0" encoding="utf-8"?>
+<p:tagLst xmlns:a="http://schemas.openxmlformats.org/drawingml/2006/main" xmlns:r="http://schemas.openxmlformats.org/officeDocument/2006/relationships" xmlns:p="http://schemas.openxmlformats.org/presentationml/2006/main">
+  <p:tag name="KSO_WM_UNIT_HIGHLIGHT" val="0"/>
+  <p:tag name="KSO_WM_UNIT_COMPATIBLE" val="0"/>
+  <p:tag name="KSO_WM_UNIT_DIAGRAM_ISNUMVISUAL" val="0"/>
+  <p:tag name="KSO_WM_UNIT_DIAGRAM_ISREFERUNIT" val="0"/>
+  <p:tag name="KSO_WM_UNIT_ID" val="_8**"/>
+  <p:tag name="KSO_WM_UNIT_LAYERLEVEL" val="1"/>
+  <p:tag name="KSO_WM_TAG_VERSION" val="1.0"/>
+  <p:tag name="KSO_WM_BEAUTIFY_FLAG" val="#wm#"/>
+</p:tagLst>
+</file>
+
+<file path=ppt/tags/tag48.xml><?xml version="1.0" encoding="utf-8"?>
+<p:tagLst xmlns:a="http://schemas.openxmlformats.org/drawingml/2006/main" xmlns:r="http://schemas.openxmlformats.org/officeDocument/2006/relationships" xmlns:p="http://schemas.openxmlformats.org/presentationml/2006/main">
+  <p:tag name="KSO_WM_UNIT_HIGHLIGHT" val="0"/>
+  <p:tag name="KSO_WM_UNIT_COMPATIBLE" val="0"/>
+  <p:tag name="KSO_WM_UNIT_DIAGRAM_ISNUMVISUAL" val="0"/>
+  <p:tag name="KSO_WM_UNIT_DIAGRAM_ISREFERUNIT" val="0"/>
+  <p:tag name="KSO_WM_UNIT_ID" val="_8**"/>
+  <p:tag name="KSO_WM_UNIT_LAYERLEVEL" val="1"/>
+  <p:tag name="KSO_WM_TAG_VERSION" val="1.0"/>
+  <p:tag name="KSO_WM_BEAUTIFY_FLAG" val="#wm#"/>
+</p:tagLst>
+</file>
+
+<file path=ppt/tags/tag49.xml><?xml version="1.0" encoding="utf-8"?>
+<p:tagLst xmlns:a="http://schemas.openxmlformats.org/drawingml/2006/main" xmlns:r="http://schemas.openxmlformats.org/officeDocument/2006/relationships" xmlns:p="http://schemas.openxmlformats.org/presentationml/2006/main">
+  <p:tag name="KSO_WM_UNIT_HIGHLIGHT" val="0"/>
+  <p:tag name="KSO_WM_UNIT_COMPATIBLE" val="0"/>
+  <p:tag name="KSO_WM_UNIT_DIAGRAM_ISNUMVISUAL" val="0"/>
+  <p:tag name="KSO_WM_UNIT_DIAGRAM_ISREFERUNIT" val="0"/>
+  <p:tag name="KSO_WM_UNIT_ID" val="_9**"/>
+  <p:tag name="KSO_WM_UNIT_LAYERLEVEL" val="1"/>
+  <p:tag name="KSO_WM_TAG_VERSION" val="1.0"/>
+  <p:tag name="KSO_WM_BEAUTIFY_FLAG" val="#wm#"/>
+</p:tagLst>
+</file>
+
+<file path=ppt/tags/tag5.xml><?xml version="1.0" encoding="utf-8"?>
+<p:tagLst xmlns:a="http://schemas.openxmlformats.org/drawingml/2006/main" xmlns:r="http://schemas.openxmlformats.org/officeDocument/2006/relationships" xmlns:p="http://schemas.openxmlformats.org/presentationml/2006/main">
   <p:tag name="KSO_WM_UNIT_HIGHLIGHT" val="0"/>
   <p:tag name="KSO_WM_UNIT_COMPATIBLE" val="0"/>
   <p:tag name="KSO_WM_UNIT_DIAGRAM_ISNUMVISUAL" val="0"/>
@@ -6094,8 +6639,138 @@
 </p:tagLst>
 </file>
 
-<file path=ppt/tags/tag61.xml><?xml version="1.0" encoding="utf-8"?>
-<p:tagLst xmlns:p="http://schemas.openxmlformats.org/presentationml/2006/main">
+<file path=ppt/tags/tag50.xml><?xml version="1.0" encoding="utf-8"?>
+<p:tagLst xmlns:a="http://schemas.openxmlformats.org/drawingml/2006/main" xmlns:r="http://schemas.openxmlformats.org/officeDocument/2006/relationships" xmlns:p="http://schemas.openxmlformats.org/presentationml/2006/main">
+  <p:tag name="KSO_WM_UNIT_HIGHLIGHT" val="0"/>
+  <p:tag name="KSO_WM_UNIT_COMPATIBLE" val="0"/>
+  <p:tag name="KSO_WM_UNIT_DIAGRAM_ISNUMVISUAL" val="0"/>
+  <p:tag name="KSO_WM_UNIT_DIAGRAM_ISREFERUNIT" val="0"/>
+  <p:tag name="KSO_WM_UNIT_ID" val="_9**"/>
+  <p:tag name="KSO_WM_UNIT_LAYERLEVEL" val="1"/>
+  <p:tag name="KSO_WM_TAG_VERSION" val="1.0"/>
+  <p:tag name="KSO_WM_BEAUTIFY_FLAG" val="#wm#"/>
+</p:tagLst>
+</file>
+
+<file path=ppt/tags/tag51.xml><?xml version="1.0" encoding="utf-8"?>
+<p:tagLst xmlns:a="http://schemas.openxmlformats.org/drawingml/2006/main" xmlns:r="http://schemas.openxmlformats.org/officeDocument/2006/relationships" xmlns:p="http://schemas.openxmlformats.org/presentationml/2006/main">
+  <p:tag name="KSO_WM_UNIT_HIGHLIGHT" val="0"/>
+  <p:tag name="KSO_WM_UNIT_COMPATIBLE" val="0"/>
+  <p:tag name="KSO_WM_UNIT_DIAGRAM_ISNUMVISUAL" val="0"/>
+  <p:tag name="KSO_WM_UNIT_DIAGRAM_ISREFERUNIT" val="0"/>
+  <p:tag name="KSO_WM_UNIT_ID" val="_9**"/>
+  <p:tag name="KSO_WM_UNIT_LAYERLEVEL" val="1"/>
+  <p:tag name="KSO_WM_TAG_VERSION" val="1.0"/>
+  <p:tag name="KSO_WM_BEAUTIFY_FLAG" val="#wm#"/>
+</p:tagLst>
+</file>
+
+<file path=ppt/tags/tag52.xml><?xml version="1.0" encoding="utf-8"?>
+<p:tagLst xmlns:a="http://schemas.openxmlformats.org/drawingml/2006/main" xmlns:r="http://schemas.openxmlformats.org/officeDocument/2006/relationships" xmlns:p="http://schemas.openxmlformats.org/presentationml/2006/main">
+  <p:tag name="KSO_WM_UNIT_HIGHLIGHT" val="0"/>
+  <p:tag name="KSO_WM_UNIT_COMPATIBLE" val="0"/>
+  <p:tag name="KSO_WM_UNIT_DIAGRAM_ISNUMVISUAL" val="0"/>
+  <p:tag name="KSO_WM_UNIT_DIAGRAM_ISREFERUNIT" val="0"/>
+  <p:tag name="KSO_WM_UNIT_ID" val="_9**"/>
+  <p:tag name="KSO_WM_UNIT_LAYERLEVEL" val="1"/>
+  <p:tag name="KSO_WM_TAG_VERSION" val="1.0"/>
+  <p:tag name="KSO_WM_BEAUTIFY_FLAG" val="#wm#"/>
+</p:tagLst>
+</file>
+
+<file path=ppt/tags/tag53.xml><?xml version="1.0" encoding="utf-8"?>
+<p:tagLst xmlns:a="http://schemas.openxmlformats.org/drawingml/2006/main" xmlns:r="http://schemas.openxmlformats.org/officeDocument/2006/relationships" xmlns:p="http://schemas.openxmlformats.org/presentationml/2006/main">
+  <p:tag name="KSO_WM_UNIT_HIGHLIGHT" val="0"/>
+  <p:tag name="KSO_WM_UNIT_COMPATIBLE" val="0"/>
+  <p:tag name="KSO_WM_UNIT_DIAGRAM_ISNUMVISUAL" val="0"/>
+  <p:tag name="KSO_WM_UNIT_DIAGRAM_ISREFERUNIT" val="0"/>
+  <p:tag name="KSO_WM_UNIT_ID" val="_9**"/>
+  <p:tag name="KSO_WM_UNIT_LAYERLEVEL" val="1"/>
+  <p:tag name="KSO_WM_TAG_VERSION" val="1.0"/>
+  <p:tag name="KSO_WM_BEAUTIFY_FLAG" val="#wm#"/>
+</p:tagLst>
+</file>
+
+<file path=ppt/tags/tag54.xml><?xml version="1.0" encoding="utf-8"?>
+<p:tagLst xmlns:a="http://schemas.openxmlformats.org/drawingml/2006/main" xmlns:r="http://schemas.openxmlformats.org/officeDocument/2006/relationships" xmlns:p="http://schemas.openxmlformats.org/presentationml/2006/main">
+  <p:tag name="KSO_WM_UNIT_HIGHLIGHT" val="0"/>
+  <p:tag name="KSO_WM_UNIT_COMPATIBLE" val="0"/>
+  <p:tag name="KSO_WM_UNIT_DIAGRAM_ISNUMVISUAL" val="0"/>
+  <p:tag name="KSO_WM_UNIT_DIAGRAM_ISREFERUNIT" val="0"/>
+  <p:tag name="KSO_WM_UNIT_ID" val="_10**"/>
+  <p:tag name="KSO_WM_UNIT_LAYERLEVEL" val="1"/>
+  <p:tag name="KSO_WM_TAG_VERSION" val="1.0"/>
+  <p:tag name="KSO_WM_BEAUTIFY_FLAG" val="#wm#"/>
+</p:tagLst>
+</file>
+
+<file path=ppt/tags/tag55.xml><?xml version="1.0" encoding="utf-8"?>
+<p:tagLst xmlns:a="http://schemas.openxmlformats.org/drawingml/2006/main" xmlns:r="http://schemas.openxmlformats.org/officeDocument/2006/relationships" xmlns:p="http://schemas.openxmlformats.org/presentationml/2006/main">
+  <p:tag name="KSO_WM_UNIT_HIGHLIGHT" val="0"/>
+  <p:tag name="KSO_WM_UNIT_COMPATIBLE" val="0"/>
+  <p:tag name="KSO_WM_UNIT_DIAGRAM_ISNUMVISUAL" val="0"/>
+  <p:tag name="KSO_WM_UNIT_DIAGRAM_ISREFERUNIT" val="0"/>
+  <p:tag name="KSO_WM_UNIT_ID" val="_10**"/>
+  <p:tag name="KSO_WM_UNIT_LAYERLEVEL" val="1"/>
+  <p:tag name="KSO_WM_TAG_VERSION" val="1.0"/>
+  <p:tag name="KSO_WM_BEAUTIFY_FLAG" val="#wm#"/>
+</p:tagLst>
+</file>
+
+<file path=ppt/tags/tag56.xml><?xml version="1.0" encoding="utf-8"?>
+<p:tagLst xmlns:a="http://schemas.openxmlformats.org/drawingml/2006/main" xmlns:r="http://schemas.openxmlformats.org/officeDocument/2006/relationships" xmlns:p="http://schemas.openxmlformats.org/presentationml/2006/main">
+  <p:tag name="KSO_WM_UNIT_HIGHLIGHT" val="0"/>
+  <p:tag name="KSO_WM_UNIT_COMPATIBLE" val="0"/>
+  <p:tag name="KSO_WM_UNIT_DIAGRAM_ISNUMVISUAL" val="0"/>
+  <p:tag name="KSO_WM_UNIT_DIAGRAM_ISREFERUNIT" val="0"/>
+  <p:tag name="KSO_WM_UNIT_ID" val="_10**"/>
+  <p:tag name="KSO_WM_UNIT_LAYERLEVEL" val="1"/>
+  <p:tag name="KSO_WM_TAG_VERSION" val="1.0"/>
+  <p:tag name="KSO_WM_BEAUTIFY_FLAG" val="#wm#"/>
+</p:tagLst>
+</file>
+
+<file path=ppt/tags/tag57.xml><?xml version="1.0" encoding="utf-8"?>
+<p:tagLst xmlns:a="http://schemas.openxmlformats.org/drawingml/2006/main" xmlns:r="http://schemas.openxmlformats.org/officeDocument/2006/relationships" xmlns:p="http://schemas.openxmlformats.org/presentationml/2006/main">
+  <p:tag name="KSO_WM_UNIT_HIGHLIGHT" val="0"/>
+  <p:tag name="KSO_WM_UNIT_COMPATIBLE" val="0"/>
+  <p:tag name="KSO_WM_UNIT_DIAGRAM_ISNUMVISUAL" val="0"/>
+  <p:tag name="KSO_WM_UNIT_DIAGRAM_ISREFERUNIT" val="0"/>
+  <p:tag name="KSO_WM_UNIT_ID" val="_10**"/>
+  <p:tag name="KSO_WM_UNIT_LAYERLEVEL" val="1"/>
+  <p:tag name="KSO_WM_TAG_VERSION" val="1.0"/>
+  <p:tag name="KSO_WM_BEAUTIFY_FLAG" val="#wm#"/>
+</p:tagLst>
+</file>
+
+<file path=ppt/tags/tag58.xml><?xml version="1.0" encoding="utf-8"?>
+<p:tagLst xmlns:a="http://schemas.openxmlformats.org/drawingml/2006/main" xmlns:r="http://schemas.openxmlformats.org/officeDocument/2006/relationships" xmlns:p="http://schemas.openxmlformats.org/presentationml/2006/main">
+  <p:tag name="KSO_WM_UNIT_HIGHLIGHT" val="0"/>
+  <p:tag name="KSO_WM_UNIT_COMPATIBLE" val="0"/>
+  <p:tag name="KSO_WM_UNIT_DIAGRAM_ISNUMVISUAL" val="0"/>
+  <p:tag name="KSO_WM_UNIT_DIAGRAM_ISREFERUNIT" val="0"/>
+  <p:tag name="KSO_WM_UNIT_ID" val="_11**"/>
+  <p:tag name="KSO_WM_UNIT_LAYERLEVEL" val="1"/>
+  <p:tag name="KSO_WM_TAG_VERSION" val="1.0"/>
+  <p:tag name="KSO_WM_BEAUTIFY_FLAG" val="#wm#"/>
+</p:tagLst>
+</file>
+
+<file path=ppt/tags/tag59.xml><?xml version="1.0" encoding="utf-8"?>
+<p:tagLst xmlns:a="http://schemas.openxmlformats.org/drawingml/2006/main" xmlns:r="http://schemas.openxmlformats.org/officeDocument/2006/relationships" xmlns:p="http://schemas.openxmlformats.org/presentationml/2006/main">
+  <p:tag name="KSO_WM_UNIT_HIGHLIGHT" val="0"/>
+  <p:tag name="KSO_WM_UNIT_COMPATIBLE" val="0"/>
+  <p:tag name="KSO_WM_UNIT_DIAGRAM_ISNUMVISUAL" val="0"/>
+  <p:tag name="KSO_WM_UNIT_DIAGRAM_ISREFERUNIT" val="0"/>
+  <p:tag name="KSO_WM_UNIT_ID" val="_11**"/>
+  <p:tag name="KSO_WM_UNIT_LAYERLEVEL" val="1"/>
+  <p:tag name="KSO_WM_TAG_VERSION" val="1.0"/>
+  <p:tag name="KSO_WM_BEAUTIFY_FLAG" val="#wm#"/>
+</p:tagLst>
+</file>
+
+<file path=ppt/tags/tag6.xml><?xml version="1.0" encoding="utf-8"?>
+<p:tagLst xmlns:a="http://schemas.openxmlformats.org/drawingml/2006/main" xmlns:r="http://schemas.openxmlformats.org/officeDocument/2006/relationships" xmlns:p="http://schemas.openxmlformats.org/presentationml/2006/main">
   <p:tag name="KSO_WM_TEMPLATE_THUMBS_INDEX" val="1、2、3、6、8、10、11、12、15"/>
   <p:tag name="KSO_WM_TEMPLATE_SUBCATEGORY" val="0"/>
   <p:tag name="KSO_WM_TAG_VERSION" val="1.0"/>
@@ -6105,8 +6780,53 @@
 </p:tagLst>
 </file>
 
+<file path=ppt/tags/tag60.xml><?xml version="1.0" encoding="utf-8"?>
+<p:tagLst xmlns:a="http://schemas.openxmlformats.org/drawingml/2006/main" xmlns:r="http://schemas.openxmlformats.org/officeDocument/2006/relationships" xmlns:p="http://schemas.openxmlformats.org/presentationml/2006/main">
+  <p:tag name="KSO_WM_UNIT_HIGHLIGHT" val="0"/>
+  <p:tag name="KSO_WM_UNIT_COMPATIBLE" val="0"/>
+  <p:tag name="KSO_WM_UNIT_DIAGRAM_ISNUMVISUAL" val="0"/>
+  <p:tag name="KSO_WM_UNIT_DIAGRAM_ISREFERUNIT" val="0"/>
+  <p:tag name="KSO_WM_UNIT_ID" val="_11**"/>
+  <p:tag name="KSO_WM_UNIT_LAYERLEVEL" val="1"/>
+  <p:tag name="KSO_WM_TAG_VERSION" val="1.0"/>
+  <p:tag name="KSO_WM_BEAUTIFY_FLAG" val="#wm#"/>
+</p:tagLst>
+</file>
+
+<file path=ppt/tags/tag61.xml><?xml version="1.0" encoding="utf-8"?>
+<p:tagLst xmlns:a="http://schemas.openxmlformats.org/drawingml/2006/main" xmlns:r="http://schemas.openxmlformats.org/officeDocument/2006/relationships" xmlns:p="http://schemas.openxmlformats.org/presentationml/2006/main">
+  <p:tag name="KSO_WM_UNIT_HIGHLIGHT" val="0"/>
+  <p:tag name="KSO_WM_UNIT_COMPATIBLE" val="0"/>
+  <p:tag name="KSO_WM_UNIT_DIAGRAM_ISNUMVISUAL" val="0"/>
+  <p:tag name="KSO_WM_UNIT_DIAGRAM_ISREFERUNIT" val="0"/>
+  <p:tag name="KSO_WM_UNIT_ID" val="_11**"/>
+  <p:tag name="KSO_WM_UNIT_LAYERLEVEL" val="1"/>
+  <p:tag name="KSO_WM_TAG_VERSION" val="1.0"/>
+  <p:tag name="KSO_WM_BEAUTIFY_FLAG" val="#wm#"/>
+</p:tagLst>
+</file>
+
 <file path=ppt/tags/tag62.xml><?xml version="1.0" encoding="utf-8"?>
-<p:tagLst xmlns:p="http://schemas.openxmlformats.org/presentationml/2006/main">
+<p:tagLst xmlns:a="http://schemas.openxmlformats.org/drawingml/2006/main" xmlns:r="http://schemas.openxmlformats.org/officeDocument/2006/relationships" xmlns:p="http://schemas.openxmlformats.org/presentationml/2006/main">
+  <p:tag name="KSO_WM_TEMPLATE_THUMBS_INDEX" val="1、2、3、6、8、10、11、12、15"/>
+  <p:tag name="KSO_WM_SLIDE_ID" val="custom20187308_1"/>
+  <p:tag name="KSO_WM_TEMPLATE_SUBCATEGORY" val="0"/>
+  <p:tag name="KSO_WM_SLIDE_TYPE" val="title"/>
+  <p:tag name="KSO_WM_SLIDE_SUBTYPE" val="pureTxt"/>
+  <p:tag name="KSO_WM_SLIDE_ITEM_CNT" val="0"/>
+  <p:tag name="KSO_WM_SLIDE_INDEX" val="1"/>
+  <p:tag name="KSO_WM_TAG_VERSION" val="1.0"/>
+  <p:tag name="KSO_WM_BEAUTIFY_FLAG" val="#wm#"/>
+  <p:tag name="KSO_WM_TEMPLATE_CATEGORY" val="custom"/>
+  <p:tag name="KSO_WM_TEMPLATE_INDEX" val="20187308"/>
+  <p:tag name="KSO_WM_SLIDE_LAYOUT" val="a_b"/>
+  <p:tag name="KSO_WM_SLIDE_LAYOUT_CNT" val="1_1"/>
+  <p:tag name="KSO_WM_SLIDE_MODEL_TYPE" val="cover"/>
+</p:tagLst>
+</file>
+
+<file path=ppt/tags/tag63.xml><?xml version="1.0" encoding="utf-8"?>
+<p:tagLst xmlns:a="http://schemas.openxmlformats.org/drawingml/2006/main" xmlns:r="http://schemas.openxmlformats.org/officeDocument/2006/relationships" xmlns:p="http://schemas.openxmlformats.org/presentationml/2006/main">
   <p:tag name="KSO_WM_UNIT_ISCONTENTSTITLE" val="0"/>
   <p:tag name="KSO_WM_UNIT_PRESET_TEXT" val="空白演示"/>
   <p:tag name="KSO_WM_UNIT_NOCLEAR" val="0"/>
@@ -6126,8 +6846,8 @@
 </p:tagLst>
 </file>
 
-<file path=ppt/tags/tag63.xml><?xml version="1.0" encoding="utf-8"?>
-<p:tagLst xmlns:p="http://schemas.openxmlformats.org/presentationml/2006/main">
+<file path=ppt/tags/tag64.xml><?xml version="1.0" encoding="utf-8"?>
+<p:tagLst xmlns:a="http://schemas.openxmlformats.org/drawingml/2006/main" xmlns:r="http://schemas.openxmlformats.org/officeDocument/2006/relationships" xmlns:p="http://schemas.openxmlformats.org/presentationml/2006/main">
   <p:tag name="KSO_WM_UNIT_ISCONTENTSTITLE" val="0"/>
   <p:tag name="KSO_WM_UNIT_PRESET_TEXT" val="在此输入您的封面副标题"/>
   <p:tag name="KSO_WM_UNIT_NOCLEAR" val="0"/>
@@ -6147,27 +6867,8 @@
 </p:tagLst>
 </file>
 
-<file path=ppt/tags/tag64.xml><?xml version="1.0" encoding="utf-8"?>
-<p:tagLst xmlns:p="http://schemas.openxmlformats.org/presentationml/2006/main">
-  <p:tag name="KSO_WM_TEMPLATE_THUMBS_INDEX" val="1、2、3、6、8、10、11、12、15"/>
-  <p:tag name="KSO_WM_SLIDE_ID" val="custom20187308_1"/>
-  <p:tag name="KSO_WM_TEMPLATE_SUBCATEGORY" val="0"/>
-  <p:tag name="KSO_WM_SLIDE_TYPE" val="title"/>
-  <p:tag name="KSO_WM_SLIDE_SUBTYPE" val="pureTxt"/>
-  <p:tag name="KSO_WM_SLIDE_ITEM_CNT" val="0"/>
-  <p:tag name="KSO_WM_SLIDE_INDEX" val="1"/>
-  <p:tag name="KSO_WM_TAG_VERSION" val="1.0"/>
-  <p:tag name="KSO_WM_BEAUTIFY_FLAG" val="#wm#"/>
-  <p:tag name="KSO_WM_TEMPLATE_CATEGORY" val="custom"/>
-  <p:tag name="KSO_WM_TEMPLATE_INDEX" val="20187308"/>
-  <p:tag name="KSO_WM_SLIDE_LAYOUT" val="a_b"/>
-  <p:tag name="KSO_WM_SLIDE_LAYOUT_CNT" val="1_1"/>
-  <p:tag name="KSO_WM_SLIDE_MODEL_TYPE" val="cover"/>
-</p:tagLst>
-</file>
-
 <file path=ppt/tags/tag65.xml><?xml version="1.0" encoding="utf-8"?>
-<p:tagLst xmlns:p="http://schemas.openxmlformats.org/presentationml/2006/main">
+<p:tagLst xmlns:a="http://schemas.openxmlformats.org/drawingml/2006/main" xmlns:r="http://schemas.openxmlformats.org/officeDocument/2006/relationships" xmlns:p="http://schemas.openxmlformats.org/presentationml/2006/main">
   <p:tag name="KSO_WM_BEAUTIFY_FLAG" val="#wm#"/>
   <p:tag name="KSO_WM_TEMPLATE_CATEGORY" val="custom"/>
   <p:tag name="KSO_WM_TEMPLATE_INDEX" val="20187308"/>
@@ -6175,7 +6876,7 @@
 </file>
 
 <file path=ppt/tags/tag66.xml><?xml version="1.0" encoding="utf-8"?>
-<p:tagLst xmlns:p="http://schemas.openxmlformats.org/presentationml/2006/main">
+<p:tagLst xmlns:a="http://schemas.openxmlformats.org/drawingml/2006/main" xmlns:r="http://schemas.openxmlformats.org/officeDocument/2006/relationships" xmlns:p="http://schemas.openxmlformats.org/presentationml/2006/main">
   <p:tag name="KSO_WM_BEAUTIFY_FLAG" val="#wm#"/>
   <p:tag name="KSO_WM_TEMPLATE_CATEGORY" val="custom"/>
   <p:tag name="KSO_WM_TEMPLATE_INDEX" val="20187308"/>
@@ -6183,7 +6884,7 @@
 </file>
 
 <file path=ppt/tags/tag67.xml><?xml version="1.0" encoding="utf-8"?>
-<p:tagLst xmlns:p="http://schemas.openxmlformats.org/presentationml/2006/main">
+<p:tagLst xmlns:a="http://schemas.openxmlformats.org/drawingml/2006/main" xmlns:r="http://schemas.openxmlformats.org/officeDocument/2006/relationships" xmlns:p="http://schemas.openxmlformats.org/presentationml/2006/main">
   <p:tag name="KSO_WM_BEAUTIFY_FLAG" val="#wm#"/>
   <p:tag name="KSO_WM_TEMPLATE_CATEGORY" val="custom"/>
   <p:tag name="KSO_WM_TEMPLATE_INDEX" val="20187308"/>
@@ -6191,7 +6892,7 @@
 </file>
 
 <file path=ppt/tags/tag68.xml><?xml version="1.0" encoding="utf-8"?>
-<p:tagLst xmlns:p="http://schemas.openxmlformats.org/presentationml/2006/main">
+<p:tagLst xmlns:a="http://schemas.openxmlformats.org/drawingml/2006/main" xmlns:r="http://schemas.openxmlformats.org/officeDocument/2006/relationships" xmlns:p="http://schemas.openxmlformats.org/presentationml/2006/main">
   <p:tag name="KSO_WM_BEAUTIFY_FLAG" val="#wm#"/>
   <p:tag name="KSO_WM_TEMPLATE_CATEGORY" val="custom"/>
   <p:tag name="KSO_WM_TEMPLATE_INDEX" val="20187308"/>
@@ -6199,7 +6900,7 @@
 </file>
 
 <file path=ppt/tags/tag69.xml><?xml version="1.0" encoding="utf-8"?>
-<p:tagLst xmlns:p="http://schemas.openxmlformats.org/presentationml/2006/main">
+<p:tagLst xmlns:a="http://schemas.openxmlformats.org/drawingml/2006/main" xmlns:r="http://schemas.openxmlformats.org/officeDocument/2006/relationships" xmlns:p="http://schemas.openxmlformats.org/presentationml/2006/main">
   <p:tag name="KSO_WM_BEAUTIFY_FLAG" val="#wm#"/>
   <p:tag name="KSO_WM_TEMPLATE_CATEGORY" val="custom"/>
   <p:tag name="KSO_WM_TEMPLATE_INDEX" val="20187308"/>
@@ -6207,12 +6908,12 @@
 </file>
 
 <file path=ppt/tags/tag7.xml><?xml version="1.0" encoding="utf-8"?>
-<p:tagLst xmlns:p="http://schemas.openxmlformats.org/presentationml/2006/main">
+<p:tagLst xmlns:a="http://schemas.openxmlformats.org/drawingml/2006/main" xmlns:r="http://schemas.openxmlformats.org/officeDocument/2006/relationships" xmlns:p="http://schemas.openxmlformats.org/presentationml/2006/main">
   <p:tag name="KSO_WM_UNIT_HIGHLIGHT" val="0"/>
   <p:tag name="KSO_WM_UNIT_COMPATIBLE" val="0"/>
   <p:tag name="KSO_WM_UNIT_DIAGRAM_ISNUMVISUAL" val="0"/>
   <p:tag name="KSO_WM_UNIT_DIAGRAM_ISREFERUNIT" val="0"/>
-  <p:tag name="KSO_WM_UNIT_ID" val="_2**"/>
+  <p:tag name="KSO_WM_UNIT_ID" val="_1**"/>
   <p:tag name="KSO_WM_UNIT_LAYERLEVEL" val="1"/>
   <p:tag name="KSO_WM_TAG_VERSION" val="1.0"/>
   <p:tag name="KSO_WM_BEAUTIFY_FLAG" val="#wm#"/>
@@ -6220,7 +6921,7 @@
 </file>
 
 <file path=ppt/tags/tag70.xml><?xml version="1.0" encoding="utf-8"?>
-<p:tagLst xmlns:p="http://schemas.openxmlformats.org/presentationml/2006/main">
+<p:tagLst xmlns:a="http://schemas.openxmlformats.org/drawingml/2006/main" xmlns:r="http://schemas.openxmlformats.org/officeDocument/2006/relationships" xmlns:p="http://schemas.openxmlformats.org/presentationml/2006/main">
   <p:tag name="KSO_WM_BEAUTIFY_FLAG" val="#wm#"/>
   <p:tag name="KSO_WM_TEMPLATE_CATEGORY" val="custom"/>
   <p:tag name="KSO_WM_TEMPLATE_INDEX" val="20187308"/>
@@ -6228,12 +6929,12 @@
 </file>
 
 <file path=ppt/tags/tag8.xml><?xml version="1.0" encoding="utf-8"?>
-<p:tagLst xmlns:p="http://schemas.openxmlformats.org/presentationml/2006/main">
+<p:tagLst xmlns:a="http://schemas.openxmlformats.org/drawingml/2006/main" xmlns:r="http://schemas.openxmlformats.org/officeDocument/2006/relationships" xmlns:p="http://schemas.openxmlformats.org/presentationml/2006/main">
   <p:tag name="KSO_WM_UNIT_HIGHLIGHT" val="0"/>
   <p:tag name="KSO_WM_UNIT_COMPATIBLE" val="0"/>
   <p:tag name="KSO_WM_UNIT_DIAGRAM_ISNUMVISUAL" val="0"/>
   <p:tag name="KSO_WM_UNIT_DIAGRAM_ISREFERUNIT" val="0"/>
-  <p:tag name="KSO_WM_UNIT_ID" val="_2**"/>
+  <p:tag name="KSO_WM_UNIT_ID" val="_1**"/>
   <p:tag name="KSO_WM_UNIT_LAYERLEVEL" val="1"/>
   <p:tag name="KSO_WM_TAG_VERSION" val="1.0"/>
   <p:tag name="KSO_WM_BEAUTIFY_FLAG" val="#wm#"/>
@@ -6241,12 +6942,12 @@
 </file>
 
 <file path=ppt/tags/tag9.xml><?xml version="1.0" encoding="utf-8"?>
-<p:tagLst xmlns:p="http://schemas.openxmlformats.org/presentationml/2006/main">
+<p:tagLst xmlns:a="http://schemas.openxmlformats.org/drawingml/2006/main" xmlns:r="http://schemas.openxmlformats.org/officeDocument/2006/relationships" xmlns:p="http://schemas.openxmlformats.org/presentationml/2006/main">
   <p:tag name="KSO_WM_UNIT_HIGHLIGHT" val="0"/>
   <p:tag name="KSO_WM_UNIT_COMPATIBLE" val="0"/>
   <p:tag name="KSO_WM_UNIT_DIAGRAM_ISNUMVISUAL" val="0"/>
   <p:tag name="KSO_WM_UNIT_DIAGRAM_ISREFERUNIT" val="0"/>
-  <p:tag name="KSO_WM_UNIT_ID" val="_2**"/>
+  <p:tag name="KSO_WM_UNIT_ID" val="_1**"/>
   <p:tag name="KSO_WM_UNIT_LAYERLEVEL" val="1"/>
   <p:tag name="KSO_WM_TAG_VERSION" val="1.0"/>
   <p:tag name="KSO_WM_BEAUTIFY_FLAG" val="#wm#"/>
@@ -6444,6 +7145,8 @@
       </a:bgFillStyleLst>
     </a:fmtScheme>
   </a:themeElements>
+  <a:objectDefaults/>
+  <a:extraClrSchemeLst/>
   <a:extLst>
     <a:ext uri="{05A4C25C-085E-4340-85A3-A5531E510DB2}">
       <thm15:themeFamily xmlns:thm15="http://schemas.microsoft.com/office/thememl/2012/main" name="Office Theme" id="{62F939B6-93AF-4DB8-9C6B-D6C7DFDC589F}" vid="{4A3C46E8-61CC-4603-A589-7422A47A8E4A}"/>
@@ -6703,6 +7406,8 @@
       </a:bgFillStyleLst>
     </a:fmtScheme>
   </a:themeElements>
+  <a:objectDefaults/>
+  <a:extraClrSchemeLst/>
   <a:extLst>
     <a:ext uri="{05A4C25C-085E-4340-85A3-A5531E510DB2}">
       <thm15:themeFamily xmlns:thm15="http://schemas.microsoft.com/office/thememl/2012/main" name="Office Theme" id="{62F939B6-93AF-4DB8-9C6B-D6C7DFDC589F}" vid="{4A3C46E8-61CC-4603-A589-7422A47A8E4A}"/>
@@ -6962,6 +7667,8 @@
       </a:bgFillStyleLst>
     </a:fmtScheme>
   </a:themeElements>
+  <a:objectDefaults/>
+  <a:extraClrSchemeLst/>
   <a:extLst>
     <a:ext uri="{05A4C25C-085E-4340-85A3-A5531E510DB2}">
       <thm15:themeFamily xmlns:thm15="http://schemas.microsoft.com/office/thememl/2012/main" name="Office Theme" id="{62F939B6-93AF-4DB8-9C6B-D6C7DFDC589F}" vid="{4A3C46E8-61CC-4603-A589-7422A47A8E4A}"/>

--- a/案例与进度报告.pptx
+++ b/案例与进度报告.pptx
@@ -5,10 +5,10 @@
     <p:sldMasterId id="2147483648" r:id="rId1"/>
   </p:sldMasterIdLst>
   <p:notesMasterIdLst>
-    <p:notesMasterId r:id="rId14"/>
+    <p:notesMasterId r:id="rId16"/>
   </p:notesMasterIdLst>
   <p:handoutMasterIdLst>
-    <p:handoutMasterId r:id="rId15"/>
+    <p:handoutMasterId r:id="rId17"/>
   </p:handoutMasterIdLst>
   <p:sldIdLst>
     <p:sldId id="256" r:id="rId2"/>
@@ -21,8 +21,10 @@
     <p:sldId id="263" r:id="rId9"/>
     <p:sldId id="262" r:id="rId10"/>
     <p:sldId id="264" r:id="rId11"/>
-    <p:sldId id="266" r:id="rId12"/>
-    <p:sldId id="267" r:id="rId13"/>
+    <p:sldId id="269" r:id="rId12"/>
+    <p:sldId id="268" r:id="rId13"/>
+    <p:sldId id="266" r:id="rId14"/>
+    <p:sldId id="267" r:id="rId15"/>
   </p:sldIdLst>
   <p:sldSz cx="12192000" cy="6858000"/>
   <p:notesSz cx="6858000" cy="9144000"/>
@@ -228,7 +230,7 @@
                 <a:latin typeface="微软雅黑" panose="020B0503020204020204" charset="-122"/>
                 <a:ea typeface="微软雅黑" panose="020B0503020204020204" charset="-122"/>
               </a:rPr>
-              <a:t>2019/10/31</a:t>
+              <a:t>2019/11/1</a:t>
             </a:fld>
             <a:endParaRPr lang="zh-CN" altLang="en-US">
               <a:latin typeface="微软雅黑" panose="020B0503020204020204" charset="-122"/>
@@ -406,7 +408,7 @@
           <a:p>
             <a:fld id="{1AC49D05-6128-4D0D-A32A-06A5E73B386C}" type="datetimeFigureOut">
               <a:rPr lang="zh-CN" altLang="en-US" smtClean="0"/>
-              <a:t>2019/10/31</a:t>
+              <a:t>2019/11/1</a:t>
             </a:fld>
             <a:endParaRPr lang="zh-CN" altLang="en-US"/>
           </a:p>
@@ -911,7 +913,7 @@
           <a:p>
             <a:fld id="{760FBDFE-C587-4B4C-A407-44438C67B59E}" type="datetimeFigureOut">
               <a:rPr lang="zh-CN" altLang="en-US" smtClean="0"/>
-              <a:t>2019/10/31</a:t>
+              <a:t>2019/11/1</a:t>
             </a:fld>
             <a:endParaRPr lang="zh-CN" altLang="en-US"/>
           </a:p>
@@ -1010,7 +1012,7 @@
           <a:p>
             <a:fld id="{760FBDFE-C587-4B4C-A407-44438C67B59E}" type="datetimeFigureOut">
               <a:rPr lang="zh-CN" altLang="en-US" smtClean="0"/>
-              <a:t>2019/10/31</a:t>
+              <a:t>2019/11/1</a:t>
             </a:fld>
             <a:endParaRPr lang="zh-CN" altLang="en-US"/>
           </a:p>
@@ -1219,7 +1221,7 @@
           <a:p>
             <a:fld id="{760FBDFE-C587-4B4C-A407-44438C67B59E}" type="datetimeFigureOut">
               <a:rPr lang="zh-CN" altLang="en-US" smtClean="0"/>
-              <a:t>2019/10/31</a:t>
+              <a:t>2019/11/1</a:t>
             </a:fld>
             <a:endParaRPr lang="zh-CN" altLang="en-US"/>
           </a:p>
@@ -1634,7 +1636,7 @@
           <a:p>
             <a:fld id="{760FBDFE-C587-4B4C-A407-44438C67B59E}" type="datetimeFigureOut">
               <a:rPr lang="zh-CN" altLang="en-US" smtClean="0"/>
-              <a:t>2019/10/31</a:t>
+              <a:t>2019/11/1</a:t>
             </a:fld>
             <a:endParaRPr lang="zh-CN" altLang="en-US"/>
           </a:p>
@@ -1908,7 +1910,7 @@
           <a:p>
             <a:fld id="{760FBDFE-C587-4B4C-A407-44438C67B59E}" type="datetimeFigureOut">
               <a:rPr lang="zh-CN" altLang="en-US" smtClean="0"/>
-              <a:t>2019/10/31</a:t>
+              <a:t>2019/11/1</a:t>
             </a:fld>
             <a:endParaRPr lang="zh-CN" altLang="en-US"/>
           </a:p>
@@ -2376,7 +2378,7 @@
           <a:p>
             <a:fld id="{760FBDFE-C587-4B4C-A407-44438C67B59E}" type="datetimeFigureOut">
               <a:rPr lang="zh-CN" altLang="en-US" smtClean="0"/>
-              <a:t>2019/10/31</a:t>
+              <a:t>2019/11/1</a:t>
             </a:fld>
             <a:endParaRPr lang="zh-CN" altLang="en-US"/>
           </a:p>
@@ -3109,7 +3111,7 @@
           <a:p>
             <a:fld id="{760FBDFE-C587-4B4C-A407-44438C67B59E}" type="datetimeFigureOut">
               <a:rPr lang="zh-CN" altLang="en-US" smtClean="0"/>
-              <a:t>2019/10/31</a:t>
+              <a:t>2019/11/1</a:t>
             </a:fld>
             <a:endParaRPr lang="zh-CN" altLang="en-US"/>
           </a:p>
@@ -3255,7 +3257,7 @@
           <a:p>
             <a:fld id="{760FBDFE-C587-4B4C-A407-44438C67B59E}" type="datetimeFigureOut">
               <a:rPr lang="zh-CN" altLang="en-US" smtClean="0"/>
-              <a:t>2019/10/31</a:t>
+              <a:t>2019/11/1</a:t>
             </a:fld>
             <a:endParaRPr lang="zh-CN" altLang="en-US"/>
           </a:p>
@@ -3354,7 +3356,7 @@
           <a:p>
             <a:fld id="{760FBDFE-C587-4B4C-A407-44438C67B59E}" type="datetimeFigureOut">
               <a:rPr lang="zh-CN" altLang="en-US" smtClean="0"/>
-              <a:t>2019/10/31</a:t>
+              <a:t>2019/11/1</a:t>
             </a:fld>
             <a:endParaRPr lang="zh-CN" altLang="en-US"/>
           </a:p>
@@ -3669,7 +3671,7 @@
           <a:p>
             <a:fld id="{9EFD9D74-47D9-4702-A33C-335B63B48DBF}" type="datetimeFigureOut">
               <a:rPr lang="zh-CN" altLang="en-US" smtClean="0"/>
-              <a:t>2019/10/31</a:t>
+              <a:t>2019/11/1</a:t>
             </a:fld>
             <a:endParaRPr lang="zh-CN" altLang="en-US" dirty="0"/>
           </a:p>
@@ -3958,7 +3960,7 @@
           <a:p>
             <a:fld id="{760FBDFE-C587-4B4C-A407-44438C67B59E}" type="datetimeFigureOut">
               <a:rPr lang="zh-CN" altLang="en-US" smtClean="0"/>
-              <a:t>2019/10/31</a:t>
+              <a:t>2019/11/1</a:t>
             </a:fld>
             <a:endParaRPr lang="zh-CN" altLang="en-US"/>
           </a:p>
@@ -4192,7 +4194,7 @@
           <a:p>
             <a:fld id="{760FBDFE-C587-4B4C-A407-44438C67B59E}" type="datetimeFigureOut">
               <a:rPr lang="zh-CN" altLang="en-US" smtClean="0"/>
-              <a:t>2019/10/31</a:t>
+              <a:t>2019/11/1</a:t>
             </a:fld>
             <a:endParaRPr lang="zh-CN" altLang="en-US"/>
           </a:p>
@@ -4922,6 +4924,304 @@
           <p:cNvPr id="2" name="标题 1">
             <a:extLst>
               <a:ext uri="{FF2B5EF4-FFF2-40B4-BE49-F238E27FC236}">
+                <a16:creationId xmlns:a16="http://schemas.microsoft.com/office/drawing/2014/main" id="{C6F4D33E-92B1-D540-B75A-0F0A654E7D4B}"/>
+              </a:ext>
+            </a:extLst>
+          </p:cNvPr>
+          <p:cNvSpPr>
+            <a:spLocks noGrp="1"/>
+          </p:cNvSpPr>
+          <p:nvPr>
+            <p:ph type="title"/>
+          </p:nvPr>
+        </p:nvSpPr>
+        <p:spPr/>
+        <p:txBody>
+          <a:bodyPr/>
+          <a:lstStyle/>
+          <a:p>
+            <a:r>
+              <a:rPr kumimoji="1" lang="zh-CN" altLang="en-US" dirty="0"/>
+              <a:t>项目进展</a:t>
+            </a:r>
+          </a:p>
+        </p:txBody>
+      </p:sp>
+      <p:pic>
+        <p:nvPicPr>
+          <p:cNvPr id="4" name="图片 3">
+            <a:extLst>
+              <a:ext uri="{FF2B5EF4-FFF2-40B4-BE49-F238E27FC236}">
+                <a16:creationId xmlns:a16="http://schemas.microsoft.com/office/drawing/2014/main" id="{B6524A12-D228-B74D-8341-6C7B597C4BAD}"/>
+              </a:ext>
+            </a:extLst>
+          </p:cNvPr>
+          <p:cNvPicPr/>
+          <p:nvPr/>
+        </p:nvPicPr>
+        <p:blipFill>
+          <a:blip r:embed="rId2">
+            <a:extLst>
+              <a:ext uri="{28A0092B-C50C-407E-A947-70E740481C1C}">
+                <a14:useLocalDpi xmlns:a14="http://schemas.microsoft.com/office/drawing/2010/main" val="0"/>
+              </a:ext>
+            </a:extLst>
+          </a:blip>
+          <a:stretch>
+            <a:fillRect/>
+          </a:stretch>
+        </p:blipFill>
+        <p:spPr>
+          <a:xfrm>
+            <a:off x="1263721" y="1080000"/>
+            <a:ext cx="4395556" cy="5260692"/>
+          </a:xfrm>
+          <a:prstGeom prst="rect">
+            <a:avLst/>
+          </a:prstGeom>
+        </p:spPr>
+      </p:pic>
+      <p:pic>
+        <p:nvPicPr>
+          <p:cNvPr id="5" name="图片 4">
+            <a:extLst>
+              <a:ext uri="{FF2B5EF4-FFF2-40B4-BE49-F238E27FC236}">
+                <a16:creationId xmlns:a16="http://schemas.microsoft.com/office/drawing/2014/main" id="{0CF06A7E-FB30-C14B-9A86-6B9D31B97B84}"/>
+              </a:ext>
+            </a:extLst>
+          </p:cNvPr>
+          <p:cNvPicPr/>
+          <p:nvPr/>
+        </p:nvPicPr>
+        <p:blipFill>
+          <a:blip r:embed="rId3">
+            <a:extLst>
+              <a:ext uri="{28A0092B-C50C-407E-A947-70E740481C1C}">
+                <a14:useLocalDpi xmlns:a14="http://schemas.microsoft.com/office/drawing/2010/main" val="0"/>
+              </a:ext>
+            </a:extLst>
+          </a:blip>
+          <a:stretch>
+            <a:fillRect/>
+          </a:stretch>
+        </p:blipFill>
+        <p:spPr>
+          <a:xfrm>
+            <a:off x="5955447" y="1080000"/>
+            <a:ext cx="5335851" cy="5260692"/>
+          </a:xfrm>
+          <a:prstGeom prst="rect">
+            <a:avLst/>
+          </a:prstGeom>
+        </p:spPr>
+      </p:pic>
+      <p:sp>
+        <p:nvSpPr>
+          <p:cNvPr id="6" name="文本框 5">
+            <a:extLst>
+              <a:ext uri="{FF2B5EF4-FFF2-40B4-BE49-F238E27FC236}">
+                <a16:creationId xmlns:a16="http://schemas.microsoft.com/office/drawing/2014/main" id="{35D1E5B9-45A7-4B4C-A2DB-1EA2BB4F8170}"/>
+              </a:ext>
+            </a:extLst>
+          </p:cNvPr>
+          <p:cNvSpPr txBox="1"/>
+          <p:nvPr/>
+        </p:nvSpPr>
+        <p:spPr>
+          <a:xfrm>
+            <a:off x="2321960" y="6420378"/>
+            <a:ext cx="2270589" cy="369332"/>
+          </a:xfrm>
+          <a:prstGeom prst="rect">
+            <a:avLst/>
+          </a:prstGeom>
+          <a:noFill/>
+        </p:spPr>
+        <p:txBody>
+          <a:bodyPr wrap="square" rtlCol="0">
+            <a:spAutoFit/>
+          </a:bodyPr>
+          <a:lstStyle/>
+          <a:p>
+            <a:r>
+              <a:rPr kumimoji="1" lang="en-US" altLang="zh-CN" dirty="0"/>
+              <a:t>Shiro</a:t>
+            </a:r>
+            <a:r>
+              <a:rPr kumimoji="1" lang="zh-CN" altLang="en-US" dirty="0"/>
+              <a:t>验证流程</a:t>
+            </a:r>
+          </a:p>
+        </p:txBody>
+      </p:sp>
+      <p:sp>
+        <p:nvSpPr>
+          <p:cNvPr id="7" name="文本框 6">
+            <a:extLst>
+              <a:ext uri="{FF2B5EF4-FFF2-40B4-BE49-F238E27FC236}">
+                <a16:creationId xmlns:a16="http://schemas.microsoft.com/office/drawing/2014/main" id="{83FAE9AD-9D14-E048-9B66-81314385ED3F}"/>
+              </a:ext>
+            </a:extLst>
+          </p:cNvPr>
+          <p:cNvSpPr txBox="1"/>
+          <p:nvPr/>
+        </p:nvSpPr>
+        <p:spPr>
+          <a:xfrm>
+            <a:off x="7721009" y="6420378"/>
+            <a:ext cx="1804725" cy="369332"/>
+          </a:xfrm>
+          <a:prstGeom prst="rect">
+            <a:avLst/>
+          </a:prstGeom>
+          <a:noFill/>
+        </p:spPr>
+        <p:txBody>
+          <a:bodyPr wrap="none" rtlCol="0">
+            <a:spAutoFit/>
+          </a:bodyPr>
+          <a:lstStyle/>
+          <a:p>
+            <a:r>
+              <a:rPr kumimoji="1" lang="zh-CN" altLang="en-US" dirty="0"/>
+              <a:t>客户端</a:t>
+            </a:r>
+            <a:r>
+              <a:rPr kumimoji="1" lang="en-US" altLang="zh-CN" dirty="0"/>
+              <a:t>Tree</a:t>
+            </a:r>
+            <a:r>
+              <a:rPr kumimoji="1" lang="zh-CN" altLang="en-US" dirty="0"/>
+              <a:t>结构</a:t>
+            </a:r>
+          </a:p>
+        </p:txBody>
+      </p:sp>
+    </p:spTree>
+    <p:extLst>
+      <p:ext uri="{BB962C8B-B14F-4D97-AF65-F5344CB8AC3E}">
+        <p14:creationId xmlns:p14="http://schemas.microsoft.com/office/powerpoint/2010/main" val="1929162633"/>
+      </p:ext>
+    </p:extLst>
+  </p:cSld>
+  <p:clrMapOvr>
+    <a:masterClrMapping/>
+  </p:clrMapOvr>
+</p:sld>
+</file>
+
+<file path=ppt/slides/slide12.xml><?xml version="1.0" encoding="utf-8"?>
+<p:sld xmlns:a="http://schemas.openxmlformats.org/drawingml/2006/main" xmlns:r="http://schemas.openxmlformats.org/officeDocument/2006/relationships" xmlns:p="http://schemas.openxmlformats.org/presentationml/2006/main">
+  <p:cSld>
+    <p:spTree>
+      <p:nvGrpSpPr>
+        <p:cNvPr id="1" name=""/>
+        <p:cNvGrpSpPr/>
+        <p:nvPr/>
+      </p:nvGrpSpPr>
+      <p:grpSpPr>
+        <a:xfrm>
+          <a:off x="0" y="0"/>
+          <a:ext cx="0" cy="0"/>
+          <a:chOff x="0" y="0"/>
+          <a:chExt cx="0" cy="0"/>
+        </a:xfrm>
+      </p:grpSpPr>
+      <p:sp>
+        <p:nvSpPr>
+          <p:cNvPr id="2" name="标题 1">
+            <a:extLst>
+              <a:ext uri="{FF2B5EF4-FFF2-40B4-BE49-F238E27FC236}">
+                <a16:creationId xmlns:a16="http://schemas.microsoft.com/office/drawing/2014/main" id="{75A7E87C-138F-AF4F-A6C2-3C9DC94B6A20}"/>
+              </a:ext>
+            </a:extLst>
+          </p:cNvPr>
+          <p:cNvSpPr>
+            <a:spLocks noGrp="1"/>
+          </p:cNvSpPr>
+          <p:nvPr>
+            <p:ph type="title"/>
+          </p:nvPr>
+        </p:nvSpPr>
+        <p:spPr/>
+        <p:txBody>
+          <a:bodyPr/>
+          <a:lstStyle/>
+          <a:p>
+            <a:r>
+              <a:rPr kumimoji="1" lang="zh-CN" altLang="en-US" dirty="0"/>
+              <a:t>项目进展</a:t>
+            </a:r>
+          </a:p>
+        </p:txBody>
+      </p:sp>
+      <p:pic>
+        <p:nvPicPr>
+          <p:cNvPr id="4" name="内容占位符 3">
+            <a:extLst>
+              <a:ext uri="{FF2B5EF4-FFF2-40B4-BE49-F238E27FC236}">
+                <a16:creationId xmlns:a16="http://schemas.microsoft.com/office/drawing/2014/main" id="{426CF4CB-C192-7F40-9576-D1E1298F80D4}"/>
+              </a:ext>
+            </a:extLst>
+          </p:cNvPr>
+          <p:cNvPicPr>
+            <a:picLocks noGrp="1" noChangeAspect="1"/>
+          </p:cNvPicPr>
+          <p:nvPr>
+            <p:ph idx="1"/>
+          </p:nvPr>
+        </p:nvPicPr>
+        <p:blipFill>
+          <a:blip r:embed="rId2"/>
+          <a:stretch>
+            <a:fillRect/>
+          </a:stretch>
+        </p:blipFill>
+        <p:spPr>
+          <a:xfrm>
+            <a:off x="1676400" y="1701800"/>
+            <a:ext cx="8839200" cy="4229100"/>
+          </a:xfrm>
+          <a:prstGeom prst="rect">
+            <a:avLst/>
+          </a:prstGeom>
+        </p:spPr>
+      </p:pic>
+    </p:spTree>
+    <p:extLst>
+      <p:ext uri="{BB962C8B-B14F-4D97-AF65-F5344CB8AC3E}">
+        <p14:creationId xmlns:p14="http://schemas.microsoft.com/office/powerpoint/2010/main" val="3142598434"/>
+      </p:ext>
+    </p:extLst>
+  </p:cSld>
+  <p:clrMapOvr>
+    <a:masterClrMapping/>
+  </p:clrMapOvr>
+</p:sld>
+</file>
+
+<file path=ppt/slides/slide13.xml><?xml version="1.0" encoding="utf-8"?>
+<p:sld xmlns:a="http://schemas.openxmlformats.org/drawingml/2006/main" xmlns:r="http://schemas.openxmlformats.org/officeDocument/2006/relationships" xmlns:p="http://schemas.openxmlformats.org/presentationml/2006/main">
+  <p:cSld>
+    <p:spTree>
+      <p:nvGrpSpPr>
+        <p:cNvPr id="1" name=""/>
+        <p:cNvGrpSpPr/>
+        <p:nvPr/>
+      </p:nvGrpSpPr>
+      <p:grpSpPr>
+        <a:xfrm>
+          <a:off x="0" y="0"/>
+          <a:ext cx="0" cy="0"/>
+          <a:chOff x="0" y="0"/>
+          <a:chExt cx="0" cy="0"/>
+        </a:xfrm>
+      </p:grpSpPr>
+      <p:sp>
+        <p:nvSpPr>
+          <p:cNvPr id="2" name="标题 1">
+            <a:extLst>
+              <a:ext uri="{FF2B5EF4-FFF2-40B4-BE49-F238E27FC236}">
                 <a16:creationId xmlns:a16="http://schemas.microsoft.com/office/drawing/2014/main" id="{A527B197-2345-E04C-9D76-FC54BEAD2F91}"/>
               </a:ext>
             </a:extLst>
@@ -4964,7 +5264,7 @@
 </p:sld>
 </file>
 
-<file path=ppt/slides/slide12.xml><?xml version="1.0" encoding="utf-8"?>
+<file path=ppt/slides/slide14.xml><?xml version="1.0" encoding="utf-8"?>
 <p:sld xmlns:a="http://schemas.openxmlformats.org/drawingml/2006/main" xmlns:r="http://schemas.openxmlformats.org/officeDocument/2006/relationships" xmlns:p="http://schemas.openxmlformats.org/presentationml/2006/main">
   <p:cSld>
     <p:spTree>

--- a/案例与进度报告.pptx
+++ b/案例与进度报告.pptx
@@ -6101,7 +6101,7 @@
           <a:lstStyle/>
           <a:p>
             <a:r>
-              <a:rPr lang="zh-CN" altLang="en-US"/>
+              <a:rPr lang="zh-CN" altLang="en-US" dirty="0"/>
               <a:t>启发</a:t>
             </a:r>
           </a:p>

--- a/案例与进度报告.pptx
+++ b/案例与进度报告.pptx
@@ -230,7 +230,7 @@
                 <a:latin typeface="微软雅黑" panose="020B0503020204020204" charset="-122"/>
                 <a:ea typeface="微软雅黑" panose="020B0503020204020204" charset="-122"/>
               </a:rPr>
-              <a:t>2019/11/1</a:t>
+              <a:t>2019/11/21</a:t>
             </a:fld>
             <a:endParaRPr lang="zh-CN" altLang="en-US">
               <a:latin typeface="微软雅黑" panose="020B0503020204020204" charset="-122"/>
@@ -408,7 +408,7 @@
           <a:p>
             <a:fld id="{1AC49D05-6128-4D0D-A32A-06A5E73B386C}" type="datetimeFigureOut">
               <a:rPr lang="zh-CN" altLang="en-US" smtClean="0"/>
-              <a:t>2019/11/1</a:t>
+              <a:t>2019/11/21</a:t>
             </a:fld>
             <a:endParaRPr lang="zh-CN" altLang="en-US"/>
           </a:p>
@@ -755,6 +755,93 @@
 </p:notes>
 </file>
 
+<file path=ppt/notesSlides/notesSlide2.xml><?xml version="1.0" encoding="utf-8"?>
+<p:notes xmlns:a="http://schemas.openxmlformats.org/drawingml/2006/main" xmlns:r="http://schemas.openxmlformats.org/officeDocument/2006/relationships" xmlns:p="http://schemas.openxmlformats.org/presentationml/2006/main">
+  <p:cSld>
+    <p:spTree>
+      <p:nvGrpSpPr>
+        <p:cNvPr id="1" name=""/>
+        <p:cNvGrpSpPr/>
+        <p:nvPr/>
+      </p:nvGrpSpPr>
+      <p:grpSpPr>
+        <a:xfrm>
+          <a:off x="0" y="0"/>
+          <a:ext cx="0" cy="0"/>
+          <a:chOff x="0" y="0"/>
+          <a:chExt cx="0" cy="0"/>
+        </a:xfrm>
+      </p:grpSpPr>
+      <p:sp>
+        <p:nvSpPr>
+          <p:cNvPr id="2" name="幻灯片图像占位符 1"/>
+          <p:cNvSpPr>
+            <a:spLocks noGrp="1" noRot="1" noChangeAspect="1"/>
+          </p:cNvSpPr>
+          <p:nvPr>
+            <p:ph type="sldImg"/>
+          </p:nvPr>
+        </p:nvSpPr>
+        <p:spPr/>
+      </p:sp>
+      <p:sp>
+        <p:nvSpPr>
+          <p:cNvPr id="3" name="备注占位符 2"/>
+          <p:cNvSpPr>
+            <a:spLocks noGrp="1"/>
+          </p:cNvSpPr>
+          <p:nvPr>
+            <p:ph type="body" idx="1"/>
+          </p:nvPr>
+        </p:nvSpPr>
+        <p:spPr/>
+        <p:txBody>
+          <a:bodyPr/>
+          <a:lstStyle/>
+          <a:p>
+            <a:r>
+              <a:rPr kumimoji="1" lang="zh-CN" altLang="en-US" dirty="0"/>
+              <a:t> </a:t>
+            </a:r>
+          </a:p>
+        </p:txBody>
+      </p:sp>
+      <p:sp>
+        <p:nvSpPr>
+          <p:cNvPr id="4" name="灯片编号占位符 3"/>
+          <p:cNvSpPr>
+            <a:spLocks noGrp="1"/>
+          </p:cNvSpPr>
+          <p:nvPr>
+            <p:ph type="sldNum" sz="quarter" idx="5"/>
+          </p:nvPr>
+        </p:nvSpPr>
+        <p:spPr/>
+        <p:txBody>
+          <a:bodyPr/>
+          <a:lstStyle/>
+          <a:p>
+            <a:fld id="{5849F42C-2DAE-424C-A4B8-3140182C3E9F}" type="slidenum">
+              <a:rPr lang="zh-CN" altLang="en-US" smtClean="0"/>
+              <a:t>6</a:t>
+            </a:fld>
+            <a:endParaRPr lang="zh-CN" altLang="en-US"/>
+          </a:p>
+        </p:txBody>
+      </p:sp>
+    </p:spTree>
+    <p:extLst>
+      <p:ext uri="{BB962C8B-B14F-4D97-AF65-F5344CB8AC3E}">
+        <p14:creationId xmlns:p14="http://schemas.microsoft.com/office/powerpoint/2010/main" val="3731837394"/>
+      </p:ext>
+    </p:extLst>
+  </p:cSld>
+  <p:clrMapOvr>
+    <a:masterClrMapping/>
+  </p:clrMapOvr>
+</p:notes>
+</file>
+
 <file path=ppt/slideLayouts/slideLayout1.xml><?xml version="1.0" encoding="utf-8"?>
 <p:sldLayout xmlns:a="http://schemas.openxmlformats.org/drawingml/2006/main" xmlns:r="http://schemas.openxmlformats.org/officeDocument/2006/relationships" xmlns:p="http://schemas.openxmlformats.org/presentationml/2006/main" type="title" preserve="1">
   <p:cSld name="标题幻灯片">
@@ -913,7 +1000,7 @@
           <a:p>
             <a:fld id="{760FBDFE-C587-4B4C-A407-44438C67B59E}" type="datetimeFigureOut">
               <a:rPr lang="zh-CN" altLang="en-US" smtClean="0"/>
-              <a:t>2019/11/1</a:t>
+              <a:t>2019/11/21</a:t>
             </a:fld>
             <a:endParaRPr lang="zh-CN" altLang="en-US"/>
           </a:p>
@@ -1012,7 +1099,7 @@
           <a:p>
             <a:fld id="{760FBDFE-C587-4B4C-A407-44438C67B59E}" type="datetimeFigureOut">
               <a:rPr lang="zh-CN" altLang="en-US" smtClean="0"/>
-              <a:t>2019/11/1</a:t>
+              <a:t>2019/11/21</a:t>
             </a:fld>
             <a:endParaRPr lang="zh-CN" altLang="en-US"/>
           </a:p>
@@ -1221,7 +1308,7 @@
           <a:p>
             <a:fld id="{760FBDFE-C587-4B4C-A407-44438C67B59E}" type="datetimeFigureOut">
               <a:rPr lang="zh-CN" altLang="en-US" smtClean="0"/>
-              <a:t>2019/11/1</a:t>
+              <a:t>2019/11/21</a:t>
             </a:fld>
             <a:endParaRPr lang="zh-CN" altLang="en-US"/>
           </a:p>
@@ -1636,7 +1723,7 @@
           <a:p>
             <a:fld id="{760FBDFE-C587-4B4C-A407-44438C67B59E}" type="datetimeFigureOut">
               <a:rPr lang="zh-CN" altLang="en-US" smtClean="0"/>
-              <a:t>2019/11/1</a:t>
+              <a:t>2019/11/21</a:t>
             </a:fld>
             <a:endParaRPr lang="zh-CN" altLang="en-US"/>
           </a:p>
@@ -1910,7 +1997,7 @@
           <a:p>
             <a:fld id="{760FBDFE-C587-4B4C-A407-44438C67B59E}" type="datetimeFigureOut">
               <a:rPr lang="zh-CN" altLang="en-US" smtClean="0"/>
-              <a:t>2019/11/1</a:t>
+              <a:t>2019/11/21</a:t>
             </a:fld>
             <a:endParaRPr lang="zh-CN" altLang="en-US"/>
           </a:p>
@@ -2378,7 +2465,7 @@
           <a:p>
             <a:fld id="{760FBDFE-C587-4B4C-A407-44438C67B59E}" type="datetimeFigureOut">
               <a:rPr lang="zh-CN" altLang="en-US" smtClean="0"/>
-              <a:t>2019/11/1</a:t>
+              <a:t>2019/11/21</a:t>
             </a:fld>
             <a:endParaRPr lang="zh-CN" altLang="en-US"/>
           </a:p>
@@ -3111,7 +3198,7 @@
           <a:p>
             <a:fld id="{760FBDFE-C587-4B4C-A407-44438C67B59E}" type="datetimeFigureOut">
               <a:rPr lang="zh-CN" altLang="en-US" smtClean="0"/>
-              <a:t>2019/11/1</a:t>
+              <a:t>2019/11/21</a:t>
             </a:fld>
             <a:endParaRPr lang="zh-CN" altLang="en-US"/>
           </a:p>
@@ -3257,7 +3344,7 @@
           <a:p>
             <a:fld id="{760FBDFE-C587-4B4C-A407-44438C67B59E}" type="datetimeFigureOut">
               <a:rPr lang="zh-CN" altLang="en-US" smtClean="0"/>
-              <a:t>2019/11/1</a:t>
+              <a:t>2019/11/21</a:t>
             </a:fld>
             <a:endParaRPr lang="zh-CN" altLang="en-US"/>
           </a:p>
@@ -3356,7 +3443,7 @@
           <a:p>
             <a:fld id="{760FBDFE-C587-4B4C-A407-44438C67B59E}" type="datetimeFigureOut">
               <a:rPr lang="zh-CN" altLang="en-US" smtClean="0"/>
-              <a:t>2019/11/1</a:t>
+              <a:t>2019/11/21</a:t>
             </a:fld>
             <a:endParaRPr lang="zh-CN" altLang="en-US"/>
           </a:p>
@@ -3671,7 +3758,7 @@
           <a:p>
             <a:fld id="{9EFD9D74-47D9-4702-A33C-335B63B48DBF}" type="datetimeFigureOut">
               <a:rPr lang="zh-CN" altLang="en-US" smtClean="0"/>
-              <a:t>2019/11/1</a:t>
+              <a:t>2019/11/21</a:t>
             </a:fld>
             <a:endParaRPr lang="zh-CN" altLang="en-US" dirty="0"/>
           </a:p>
@@ -3960,7 +4047,7 @@
           <a:p>
             <a:fld id="{760FBDFE-C587-4B4C-A407-44438C67B59E}" type="datetimeFigureOut">
               <a:rPr lang="zh-CN" altLang="en-US" smtClean="0"/>
-              <a:t>2019/11/1</a:t>
+              <a:t>2019/11/21</a:t>
             </a:fld>
             <a:endParaRPr lang="zh-CN" altLang="en-US"/>
           </a:p>
@@ -4194,7 +4281,7 @@
           <a:p>
             <a:fld id="{760FBDFE-C587-4B4C-A407-44438C67B59E}" type="datetimeFigureOut">
               <a:rPr lang="zh-CN" altLang="en-US" smtClean="0"/>
-              <a:t>2019/11/1</a:t>
+              <a:t>2019/11/21</a:t>
             </a:fld>
             <a:endParaRPr lang="zh-CN" altLang="en-US"/>
           </a:p>
@@ -4781,36 +4868,6 @@
       </p:sp>
       <p:pic>
         <p:nvPicPr>
-          <p:cNvPr id="4" name="图片 3">
-            <a:extLst>
-              <a:ext uri="{FF2B5EF4-FFF2-40B4-BE49-F238E27FC236}">
-                <a16:creationId xmlns:a16="http://schemas.microsoft.com/office/drawing/2014/main" id="{7DE2F60B-F888-2346-AE00-B5252BC35117}"/>
-              </a:ext>
-            </a:extLst>
-          </p:cNvPr>
-          <p:cNvPicPr>
-            <a:picLocks noChangeAspect="1"/>
-          </p:cNvPicPr>
-          <p:nvPr/>
-        </p:nvPicPr>
-        <p:blipFill>
-          <a:blip r:embed="rId2"/>
-          <a:stretch>
-            <a:fillRect/>
-          </a:stretch>
-        </p:blipFill>
-        <p:spPr>
-          <a:xfrm>
-            <a:off x="-1" y="1080000"/>
-            <a:ext cx="12192000" cy="1775791"/>
-          </a:xfrm>
-          <a:prstGeom prst="rect">
-            <a:avLst/>
-          </a:prstGeom>
-        </p:spPr>
-      </p:pic>
-      <p:pic>
-        <p:nvPicPr>
           <p:cNvPr id="7" name="图片 6">
             <a:extLst>
               <a:ext uri="{FF2B5EF4-FFF2-40B4-BE49-F238E27FC236}">
@@ -4824,7 +4881,7 @@
           <p:nvPr/>
         </p:nvPicPr>
         <p:blipFill>
-          <a:blip r:embed="rId3">
+          <a:blip r:embed="rId2">
             <a:extLst>
               <a:ext uri="{28A0092B-C50C-407E-A947-70E740481C1C}">
                 <a14:useLocalDpi xmlns:a14="http://schemas.microsoft.com/office/drawing/2010/main" val="0"/>
@@ -4889,6 +4946,36 @@
           </a:p>
         </p:txBody>
       </p:sp>
+      <p:pic>
+        <p:nvPicPr>
+          <p:cNvPr id="3" name="图片 2">
+            <a:extLst>
+              <a:ext uri="{FF2B5EF4-FFF2-40B4-BE49-F238E27FC236}">
+                <a16:creationId xmlns:a16="http://schemas.microsoft.com/office/drawing/2014/main" id="{1F309A59-BE56-3840-AEC1-14A447F9A80E}"/>
+              </a:ext>
+            </a:extLst>
+          </p:cNvPr>
+          <p:cNvPicPr>
+            <a:picLocks noChangeAspect="1"/>
+          </p:cNvPicPr>
+          <p:nvPr/>
+        </p:nvPicPr>
+        <p:blipFill>
+          <a:blip r:embed="rId3"/>
+          <a:stretch>
+            <a:fillRect/>
+          </a:stretch>
+        </p:blipFill>
+        <p:spPr>
+          <a:xfrm>
+            <a:off x="0" y="1019946"/>
+            <a:ext cx="12192000" cy="1750601"/>
+          </a:xfrm>
+          <a:prstGeom prst="rect">
+            <a:avLst/>
+          </a:prstGeom>
+        </p:spPr>
+      </p:pic>
     </p:spTree>
     <p:extLst>
       <p:ext uri="{BB962C8B-B14F-4D97-AF65-F5344CB8AC3E}">
@@ -5925,7 +6012,7 @@
           <p:nvPr/>
         </p:nvPicPr>
         <p:blipFill>
-          <a:blip r:embed="rId2"/>
+          <a:blip r:embed="rId3"/>
           <a:stretch>
             <a:fillRect/>
           </a:stretch>
@@ -5955,7 +6042,7 @@
           <p:nvPr/>
         </p:nvPicPr>
         <p:blipFill>
-          <a:blip r:embed="rId3"/>
+          <a:blip r:embed="rId4"/>
           <a:stretch>
             <a:fillRect/>
           </a:stretch>
@@ -5985,7 +6072,7 @@
           <p:nvPr/>
         </p:nvPicPr>
         <p:blipFill>
-          <a:blip r:embed="rId4"/>
+          <a:blip r:embed="rId5"/>
           <a:stretch>
             <a:fillRect/>
           </a:stretch>
